--- a/documentation/ER-Diagram.pptx
+++ b/documentation/ER-Diagram.pptx
@@ -71,43 +71,7 @@
                 </a:solidFill>
                 <a:latin typeface="Arial"/>
               </a:rPr>
-              <a:t>Click </a:t>
-            </a:r>
-            <a:r>
-              <a:rPr b="0" lang="en-US" sz="4400" spc="-1" strike="noStrike">
-                <a:solidFill>
-                  <a:srgbClr val="000000"/>
-                </a:solidFill>
-                <a:latin typeface="Arial"/>
-              </a:rPr>
-              <a:t>to </a:t>
-            </a:r>
-            <a:r>
-              <a:rPr b="0" lang="en-US" sz="4400" spc="-1" strike="noStrike">
-                <a:solidFill>
-                  <a:srgbClr val="000000"/>
-                </a:solidFill>
-                <a:latin typeface="Arial"/>
-              </a:rPr>
-              <a:t>move </a:t>
-            </a:r>
-            <a:r>
-              <a:rPr b="0" lang="en-US" sz="4400" spc="-1" strike="noStrike">
-                <a:solidFill>
-                  <a:srgbClr val="000000"/>
-                </a:solidFill>
-                <a:latin typeface="Arial"/>
-              </a:rPr>
-              <a:t>the </a:t>
-            </a:r>
-            <a:r>
-              <a:rPr b="0" lang="en-US" sz="4400" spc="-1" strike="noStrike">
-                <a:solidFill>
-                  <a:srgbClr val="000000"/>
-                </a:solidFill>
-                <a:latin typeface="Arial"/>
-              </a:rPr>
-              <a:t>slide</a:t>
+              <a:t>Click to move the slide</a:t>
             </a:r>
             <a:endParaRPr b="0" lang="en-US" sz="4400" spc="-1" strike="noStrike">
               <a:solidFill>
@@ -156,25 +120,7 @@
                 </a:solidFill>
                 <a:latin typeface="Arial"/>
               </a:rPr>
-              <a:t>Click to edit </a:t>
-            </a:r>
-            <a:r>
-              <a:rPr b="0" lang="en-US" sz="2000" spc="-1" strike="noStrike">
-                <a:solidFill>
-                  <a:srgbClr val="000000"/>
-                </a:solidFill>
-                <a:latin typeface="Arial"/>
-              </a:rPr>
-              <a:t>the notes </a:t>
-            </a:r>
-            <a:r>
-              <a:rPr b="0" lang="en-US" sz="2000" spc="-1" strike="noStrike">
-                <a:solidFill>
-                  <a:srgbClr val="000000"/>
-                </a:solidFill>
-                <a:latin typeface="Arial"/>
-              </a:rPr>
-              <a:t>format</a:t>
+              <a:t>Click to edit the notes format</a:t>
             </a:r>
             <a:endParaRPr b="0" lang="en-US" sz="2000" spc="-1" strike="noStrike">
               <a:solidFill>
@@ -396,7 +342,7 @@
             <a:pPr indent="0" algn="r">
               <a:buNone/>
             </a:pPr>
-            <a:fld id="{19214865-96FE-4E28-9A5F-E5F87E37A0BC}" type="slidenum">
+            <a:fld id="{A98D3DDF-647C-4567-8165-CE187E720252}" type="slidenum">
               <a:rPr b="0" lang="en-US" sz="1400" spc="-1" strike="noStrike">
                 <a:solidFill>
                   <a:srgbClr val="000000"/>
@@ -439,7 +385,7 @@
       </p:grpSpPr>
       <p:sp>
         <p:nvSpPr>
-          <p:cNvPr id="276" name="PlaceHolder 1"/>
+          <p:cNvPr id="274" name="PlaceHolder 1"/>
           <p:cNvSpPr>
             <a:spLocks noGrp="1"/>
           </p:cNvSpPr>
@@ -450,7 +396,7 @@
         <p:spPr>
           <a:xfrm>
             <a:off x="685800" y="1143000"/>
-            <a:ext cx="5483880" cy="3083760"/>
+            <a:ext cx="5483520" cy="3083400"/>
           </a:xfrm>
           <a:prstGeom prst="rect">
             <a:avLst/>
@@ -462,7 +408,7 @@
       </p:sp>
       <p:sp>
         <p:nvSpPr>
-          <p:cNvPr id="277" name="PlaceHolder 2"/>
+          <p:cNvPr id="275" name="PlaceHolder 2"/>
           <p:cNvSpPr>
             <a:spLocks noGrp="1"/>
           </p:cNvSpPr>
@@ -473,7 +419,7 @@
         <p:spPr>
           <a:xfrm>
             <a:off x="685800" y="4400640"/>
-            <a:ext cx="5483880" cy="3597840"/>
+            <a:ext cx="5483520" cy="3597480"/>
           </a:xfrm>
           <a:prstGeom prst="rect">
             <a:avLst/>
@@ -502,7 +448,7 @@
       </p:sp>
       <p:sp>
         <p:nvSpPr>
-          <p:cNvPr id="278" name="PlaceHolder 3"/>
+          <p:cNvPr id="276" name="PlaceHolder 3"/>
           <p:cNvSpPr>
             <a:spLocks noGrp="1"/>
           </p:cNvSpPr>
@@ -513,7 +459,7 @@
         <p:spPr>
           <a:xfrm>
             <a:off x="3884760" y="8685360"/>
-            <a:ext cx="2969280" cy="456120"/>
+            <a:ext cx="2968920" cy="455760"/>
           </a:xfrm>
           <a:prstGeom prst="rect">
             <a:avLst/>
@@ -555,7 +501,7 @@
                 <a:tab algn="l" pos="0"/>
               </a:tabLst>
             </a:pPr>
-            <a:fld id="{2CBA7338-C5C1-4318-A803-4DE136ED9486}" type="slidenum">
+            <a:fld id="{3F80A278-9539-4445-A493-5F4AA46F015F}" type="slidenum">
               <a:rPr b="0" lang="en-US" sz="1200" spc="-1" strike="noStrike">
                 <a:solidFill>
                   <a:schemeClr val="dk1"/>
@@ -598,7 +544,7 @@
       </p:grpSpPr>
       <p:sp>
         <p:nvSpPr>
-          <p:cNvPr id="279" name="PlaceHolder 1"/>
+          <p:cNvPr id="277" name="PlaceHolder 1"/>
           <p:cNvSpPr>
             <a:spLocks noGrp="1"/>
           </p:cNvSpPr>
@@ -609,7 +555,7 @@
         <p:spPr>
           <a:xfrm>
             <a:off x="685800" y="1143000"/>
-            <a:ext cx="5483880" cy="3083760"/>
+            <a:ext cx="5483520" cy="3083400"/>
           </a:xfrm>
           <a:prstGeom prst="rect">
             <a:avLst/>
@@ -621,7 +567,7 @@
       </p:sp>
       <p:sp>
         <p:nvSpPr>
-          <p:cNvPr id="280" name="PlaceHolder 2"/>
+          <p:cNvPr id="278" name="PlaceHolder 2"/>
           <p:cNvSpPr>
             <a:spLocks noGrp="1"/>
           </p:cNvSpPr>
@@ -632,7 +578,7 @@
         <p:spPr>
           <a:xfrm>
             <a:off x="685800" y="4400640"/>
-            <a:ext cx="5483880" cy="3597840"/>
+            <a:ext cx="5483520" cy="3597480"/>
           </a:xfrm>
           <a:prstGeom prst="rect">
             <a:avLst/>
@@ -661,7 +607,7 @@
       </p:sp>
       <p:sp>
         <p:nvSpPr>
-          <p:cNvPr id="281" name="PlaceHolder 3"/>
+          <p:cNvPr id="279" name="PlaceHolder 3"/>
           <p:cNvSpPr>
             <a:spLocks noGrp="1"/>
           </p:cNvSpPr>
@@ -672,7 +618,7 @@
         <p:spPr>
           <a:xfrm>
             <a:off x="3884760" y="8685360"/>
-            <a:ext cx="2969280" cy="456120"/>
+            <a:ext cx="2968920" cy="455760"/>
           </a:xfrm>
           <a:prstGeom prst="rect">
             <a:avLst/>
@@ -714,7 +660,7 @@
                 <a:tab algn="l" pos="0"/>
               </a:tabLst>
             </a:pPr>
-            <a:fld id="{5779E28B-ED7B-4C1D-A2FC-2721BB40B028}" type="slidenum">
+            <a:fld id="{23C39208-9E41-4BF5-87B2-5BD8274E3A2F}" type="slidenum">
               <a:rPr b="0" lang="en-US" sz="1200" spc="-1" strike="noStrike">
                 <a:solidFill>
                   <a:schemeClr val="dk1"/>
@@ -757,7 +703,7 @@
       </p:grpSpPr>
       <p:sp>
         <p:nvSpPr>
-          <p:cNvPr id="282" name="PlaceHolder 1"/>
+          <p:cNvPr id="280" name="PlaceHolder 1"/>
           <p:cNvSpPr>
             <a:spLocks noGrp="1"/>
           </p:cNvSpPr>
@@ -768,7 +714,7 @@
         <p:spPr>
           <a:xfrm>
             <a:off x="685800" y="1143000"/>
-            <a:ext cx="5483880" cy="3083760"/>
+            <a:ext cx="5483520" cy="3083400"/>
           </a:xfrm>
           <a:prstGeom prst="rect">
             <a:avLst/>
@@ -780,7 +726,7 @@
       </p:sp>
       <p:sp>
         <p:nvSpPr>
-          <p:cNvPr id="283" name="PlaceHolder 2"/>
+          <p:cNvPr id="281" name="PlaceHolder 2"/>
           <p:cNvSpPr>
             <a:spLocks noGrp="1"/>
           </p:cNvSpPr>
@@ -791,7 +737,7 @@
         <p:spPr>
           <a:xfrm>
             <a:off x="685800" y="4400640"/>
-            <a:ext cx="5483880" cy="3597840"/>
+            <a:ext cx="5483520" cy="3597480"/>
           </a:xfrm>
           <a:prstGeom prst="rect">
             <a:avLst/>
@@ -820,7 +766,7 @@
       </p:sp>
       <p:sp>
         <p:nvSpPr>
-          <p:cNvPr id="284" name="PlaceHolder 3"/>
+          <p:cNvPr id="282" name="PlaceHolder 3"/>
           <p:cNvSpPr>
             <a:spLocks noGrp="1"/>
           </p:cNvSpPr>
@@ -831,7 +777,7 @@
         <p:spPr>
           <a:xfrm>
             <a:off x="3884760" y="8685360"/>
-            <a:ext cx="2969280" cy="456120"/>
+            <a:ext cx="2968920" cy="455760"/>
           </a:xfrm>
           <a:prstGeom prst="rect">
             <a:avLst/>
@@ -873,7 +819,7 @@
                 <a:tab algn="l" pos="0"/>
               </a:tabLst>
             </a:pPr>
-            <a:fld id="{4582C4C1-9304-487F-8DB1-6CA34C1A4FD9}" type="slidenum">
+            <a:fld id="{99A05204-B868-4206-B382-BC807E8328E7}" type="slidenum">
               <a:rPr b="0" lang="en-US" sz="1200" spc="-1" strike="noStrike">
                 <a:solidFill>
                   <a:schemeClr val="dk1"/>
@@ -916,7 +862,7 @@
       </p:grpSpPr>
       <p:sp>
         <p:nvSpPr>
-          <p:cNvPr id="285" name="PlaceHolder 1"/>
+          <p:cNvPr id="283" name="PlaceHolder 1"/>
           <p:cNvSpPr>
             <a:spLocks noGrp="1"/>
           </p:cNvSpPr>
@@ -927,7 +873,7 @@
         <p:spPr>
           <a:xfrm>
             <a:off x="685800" y="1143000"/>
-            <a:ext cx="5483880" cy="3083760"/>
+            <a:ext cx="5483520" cy="3083400"/>
           </a:xfrm>
           <a:prstGeom prst="rect">
             <a:avLst/>
@@ -939,7 +885,7 @@
       </p:sp>
       <p:sp>
         <p:nvSpPr>
-          <p:cNvPr id="286" name="PlaceHolder 2"/>
+          <p:cNvPr id="284" name="PlaceHolder 2"/>
           <p:cNvSpPr>
             <a:spLocks noGrp="1"/>
           </p:cNvSpPr>
@@ -950,7 +896,7 @@
         <p:spPr>
           <a:xfrm>
             <a:off x="685800" y="4400640"/>
-            <a:ext cx="5483880" cy="3597840"/>
+            <a:ext cx="5483520" cy="3597480"/>
           </a:xfrm>
           <a:prstGeom prst="rect">
             <a:avLst/>
@@ -979,7 +925,7 @@
       </p:sp>
       <p:sp>
         <p:nvSpPr>
-          <p:cNvPr id="287" name="PlaceHolder 3"/>
+          <p:cNvPr id="285" name="PlaceHolder 3"/>
           <p:cNvSpPr>
             <a:spLocks noGrp="1"/>
           </p:cNvSpPr>
@@ -990,7 +936,7 @@
         <p:spPr>
           <a:xfrm>
             <a:off x="3884760" y="8685360"/>
-            <a:ext cx="2969280" cy="456120"/>
+            <a:ext cx="2968920" cy="455760"/>
           </a:xfrm>
           <a:prstGeom prst="rect">
             <a:avLst/>
@@ -1032,7 +978,7 @@
                 <a:tab algn="l" pos="0"/>
               </a:tabLst>
             </a:pPr>
-            <a:fld id="{26EA503C-AD49-419D-B563-4D7E181C7BCD}" type="slidenum">
+            <a:fld id="{CBCAA2F4-5461-413E-A717-57CEE0300E79}" type="slidenum">
               <a:rPr b="0" lang="en-US" sz="1200" spc="-1" strike="noStrike">
                 <a:solidFill>
                   <a:schemeClr val="dk1"/>
@@ -1107,7 +1053,7 @@
         <p:txBody>
           <a:bodyPr/>
           <a:p>
-            <a:fld id="{4D4A8B6D-B95C-410E-BFF3-EBEBA43C4F43}" type="slidenum">
+            <a:fld id="{1E9E26E9-EF00-4CA5-B759-9A86DDCED97B}" type="slidenum">
               <a:t>&lt;#&gt;</a:t>
             </a:fld>
           </a:p>
@@ -1316,7 +1262,7 @@
         <p:txBody>
           <a:bodyPr/>
           <a:p>
-            <a:fld id="{CF740611-C4FF-4739-A895-0AABCE218351}" type="slidenum">
+            <a:fld id="{2305990A-5D15-41B7-9F79-3C6EE49F94C7}" type="slidenum">
               <a:t>&lt;#&gt;</a:t>
             </a:fld>
           </a:p>
@@ -1611,7 +1557,7 @@
         <p:txBody>
           <a:bodyPr/>
           <a:p>
-            <a:fld id="{0E225103-C784-419E-96DC-07C15F7D674E}" type="slidenum">
+            <a:fld id="{ACB2B44D-C4F6-49FE-A552-CBCE438B6230}" type="slidenum">
               <a:t>&lt;#&gt;</a:t>
             </a:fld>
           </a:p>
@@ -1992,7 +1938,7 @@
         <p:txBody>
           <a:bodyPr/>
           <a:p>
-            <a:fld id="{E7CFFD13-B777-4776-9550-4CC6F2DCCE24}" type="slidenum">
+            <a:fld id="{E2F756C2-C887-4D48-AF99-F21399A972DD}" type="slidenum">
               <a:t>&lt;#&gt;</a:t>
             </a:fld>
           </a:p>
@@ -2155,7 +2101,7 @@
         <p:txBody>
           <a:bodyPr/>
           <a:p>
-            <a:fld id="{6A2D946C-BEE1-4DED-BB50-CCF8373391B1}" type="slidenum">
+            <a:fld id="{4F5EF12A-3512-4325-8220-45A145F6B6A0}" type="slidenum">
               <a:t>&lt;#&gt;</a:t>
             </a:fld>
           </a:p>
@@ -2321,7 +2267,7 @@
         <p:txBody>
           <a:bodyPr/>
           <a:p>
-            <a:fld id="{7952FECD-8777-482A-84F3-FF34E85A61F0}" type="slidenum">
+            <a:fld id="{92D8A434-F92E-4839-A760-A7B47D833A16}" type="slidenum">
               <a:t>&lt;#&gt;</a:t>
             </a:fld>
           </a:p>
@@ -2530,7 +2476,7 @@
         <p:txBody>
           <a:bodyPr/>
           <a:p>
-            <a:fld id="{5D75EA4B-DD62-40CE-ACF9-7E77681E6E7A}" type="slidenum">
+            <a:fld id="{EB3CC808-5C4E-4A59-8454-81F1E5CAD8D3}" type="slidenum">
               <a:t>&lt;#&gt;</a:t>
             </a:fld>
           </a:p>
@@ -2653,7 +2599,7 @@
         <p:txBody>
           <a:bodyPr/>
           <a:p>
-            <a:fld id="{D932476D-C86C-413D-9CF9-2C36325F0A52}" type="slidenum">
+            <a:fld id="{E3A320FF-1D51-47C9-88F8-3BD2B7533A45}" type="slidenum">
               <a:t>&lt;#&gt;</a:t>
             </a:fld>
           </a:p>
@@ -2774,7 +2720,7 @@
         <p:txBody>
           <a:bodyPr/>
           <a:p>
-            <a:fld id="{4F073223-E361-4641-8AAE-03DC86099D11}" type="slidenum">
+            <a:fld id="{DFB5F393-3D9D-49B4-A945-39BC47BC2ED4}" type="slidenum">
               <a:t>&lt;#&gt;</a:t>
             </a:fld>
           </a:p>
@@ -3026,7 +2972,7 @@
         <p:txBody>
           <a:bodyPr/>
           <a:p>
-            <a:fld id="{5BF69484-1C81-4BEA-A348-38601189A9BF}" type="slidenum">
+            <a:fld id="{DC0671B7-7F81-46E9-A152-331C754FBC1F}" type="slidenum">
               <a:t>&lt;#&gt;</a:t>
             </a:fld>
           </a:p>
@@ -3278,7 +3224,7 @@
         <p:txBody>
           <a:bodyPr/>
           <a:p>
-            <a:fld id="{40E17DFE-4636-4DF3-84C9-450106A2C0FA}" type="slidenum">
+            <a:fld id="{00B973E1-0D9C-47CC-9683-83646FB085DF}" type="slidenum">
               <a:t>&lt;#&gt;</a:t>
             </a:fld>
           </a:p>
@@ -3530,7 +3476,7 @@
         <p:txBody>
           <a:bodyPr/>
           <a:p>
-            <a:fld id="{99D4D5B9-E769-4A0B-9373-A7963F52D4E7}" type="slidenum">
+            <a:fld id="{468F33CD-A46A-45B4-B91D-0F066A10A8A6}" type="slidenum">
               <a:t>&lt;#&gt;</a:t>
             </a:fld>
           </a:p>
@@ -3595,9 +3541,9 @@
         <p:grpSpPr>
           <a:xfrm>
             <a:off x="6199200" y="6162840"/>
-            <a:ext cx="5990400" cy="692640"/>
+            <a:ext cx="5990040" cy="692280"/>
             <a:chOff x="6199200" y="6162840"/>
-            <a:chExt cx="5990400" cy="692640"/>
+            <a:chExt cx="5990040" cy="692280"/>
           </a:xfrm>
         </p:grpSpPr>
         <p:pic>
@@ -3613,7 +3559,7 @@
           <p:spPr>
             <a:xfrm>
               <a:off x="6199200" y="6162840"/>
-              <a:ext cx="4053960" cy="692640"/>
+              <a:ext cx="4053600" cy="692280"/>
             </a:xfrm>
             <a:prstGeom prst="rect">
               <a:avLst/>
@@ -3636,7 +3582,7 @@
           <p:spPr>
             <a:xfrm>
               <a:off x="10270080" y="6162840"/>
-              <a:ext cx="1919520" cy="609120"/>
+              <a:ext cx="1919160" cy="608760"/>
             </a:xfrm>
             <a:prstGeom prst="rect">
               <a:avLst/>
@@ -4402,7 +4348,7 @@
         <p:spPr>
           <a:xfrm>
             <a:off x="4038480" y="6356520"/>
-            <a:ext cx="4112280" cy="362520"/>
+            <a:ext cx="4111920" cy="362160"/>
           </a:xfrm>
           <a:prstGeom prst="rect">
             <a:avLst/>
@@ -4474,7 +4420,7 @@
         <p:spPr>
           <a:xfrm>
             <a:off x="8610480" y="6356520"/>
-            <a:ext cx="2740680" cy="362520"/>
+            <a:ext cx="2740320" cy="362160"/>
           </a:xfrm>
           <a:prstGeom prst="rect">
             <a:avLst/>
@@ -4517,7 +4463,7 @@
                 <a:tab algn="l" pos="0"/>
               </a:tabLst>
             </a:pPr>
-            <a:fld id="{CB238C96-1A44-46E3-AE2B-7B674389ED69}" type="slidenum">
+            <a:fld id="{C164E8A8-4DAD-438E-BDD2-6F4F44FFC688}" type="slidenum">
               <a:rPr b="0" lang="en-US" sz="1200" spc="-1" strike="noStrike">
                 <a:solidFill>
                   <a:schemeClr val="dk1">
@@ -4550,7 +4496,7 @@
         <p:spPr>
           <a:xfrm>
             <a:off x="838080" y="6356520"/>
-            <a:ext cx="2740680" cy="362520"/>
+            <a:ext cx="2740320" cy="362160"/>
           </a:xfrm>
           <a:prstGeom prst="rect">
             <a:avLst/>
@@ -4643,7 +4589,7 @@
         <p:spPr>
           <a:xfrm flipH="1">
             <a:off x="0" y="3073320"/>
-            <a:ext cx="1831320" cy="2520"/>
+            <a:ext cx="1831680" cy="2880"/>
           </a:xfrm>
           <a:prstGeom prst="straightConnector1">
             <a:avLst/>
@@ -4666,7 +4612,7 @@
         <p:spPr>
           <a:xfrm>
             <a:off x="0" y="2489400"/>
-            <a:ext cx="1831320" cy="2520"/>
+            <a:ext cx="1831680" cy="2880"/>
           </a:xfrm>
           <a:prstGeom prst="straightConnector1">
             <a:avLst/>
@@ -4689,7 +4635,7 @@
         <p:spPr>
           <a:xfrm>
             <a:off x="0" y="2781360"/>
-            <a:ext cx="1831320" cy="2520"/>
+            <a:ext cx="1831680" cy="2880"/>
           </a:xfrm>
           <a:prstGeom prst="straightConnector1">
             <a:avLst/>
@@ -4712,7 +4658,7 @@
         <p:spPr>
           <a:xfrm flipH="1">
             <a:off x="0" y="3657600"/>
-            <a:ext cx="1831320" cy="2520"/>
+            <a:ext cx="1831680" cy="2880"/>
           </a:xfrm>
           <a:prstGeom prst="straightConnector1">
             <a:avLst/>
@@ -4734,7 +4680,7 @@
         <p:spPr>
           <a:xfrm>
             <a:off x="128520" y="6134040"/>
-            <a:ext cx="1569240" cy="385200"/>
+            <a:ext cx="1568880" cy="384840"/>
           </a:xfrm>
           <a:prstGeom prst="diamond">
             <a:avLst/>
@@ -4799,7 +4745,7 @@
         <p:spPr>
           <a:xfrm>
             <a:off x="302760" y="5454000"/>
-            <a:ext cx="1220760" cy="385200"/>
+            <a:ext cx="1220400" cy="384840"/>
           </a:xfrm>
           <a:prstGeom prst="ellipse">
             <a:avLst/>
@@ -4862,7 +4808,7 @@
         <p:spPr>
           <a:xfrm>
             <a:off x="101160" y="336240"/>
-            <a:ext cx="1623960" cy="303120"/>
+            <a:ext cx="1623600" cy="303120"/>
           </a:xfrm>
           <a:prstGeom prst="rect">
             <a:avLst/>
@@ -4919,7 +4865,7 @@
         <p:spPr>
           <a:xfrm>
             <a:off x="101160" y="597600"/>
-            <a:ext cx="1623960" cy="516600"/>
+            <a:ext cx="1623600" cy="516600"/>
           </a:xfrm>
           <a:prstGeom prst="rect">
             <a:avLst/>
@@ -5009,7 +4955,7 @@
         <p:spPr>
           <a:xfrm>
             <a:off x="101160" y="336240"/>
-            <a:ext cx="1623960" cy="303120"/>
+            <a:ext cx="1623600" cy="303120"/>
           </a:xfrm>
           <a:prstGeom prst="rect">
             <a:avLst/>
@@ -5066,7 +5012,7 @@
         <p:spPr>
           <a:xfrm>
             <a:off x="101160" y="597600"/>
-            <a:ext cx="1623960" cy="516600"/>
+            <a:ext cx="1623600" cy="516600"/>
           </a:xfrm>
           <a:prstGeom prst="rect">
             <a:avLst/>
@@ -5156,7 +5102,7 @@
         <p:spPr>
           <a:xfrm>
             <a:off x="2541600" y="228600"/>
-            <a:ext cx="1623960" cy="303120"/>
+            <a:ext cx="1623600" cy="303120"/>
           </a:xfrm>
           <a:prstGeom prst="rect">
             <a:avLst/>
@@ -5213,7 +5159,7 @@
         <p:spPr>
           <a:xfrm>
             <a:off x="2541600" y="489960"/>
-            <a:ext cx="1623960" cy="1370520"/>
+            <a:ext cx="1623600" cy="1370520"/>
           </a:xfrm>
           <a:prstGeom prst="rect">
             <a:avLst/>
@@ -5411,7 +5357,7 @@
         <p:spPr>
           <a:xfrm>
             <a:off x="6656400" y="228600"/>
-            <a:ext cx="1623960" cy="303120"/>
+            <a:ext cx="1623600" cy="303120"/>
           </a:xfrm>
           <a:prstGeom prst="rect">
             <a:avLst/>
@@ -5468,7 +5414,7 @@
         <p:spPr>
           <a:xfrm>
             <a:off x="6656400" y="489960"/>
-            <a:ext cx="1623960" cy="516600"/>
+            <a:ext cx="1623600" cy="516600"/>
           </a:xfrm>
           <a:prstGeom prst="rect">
             <a:avLst/>
@@ -5558,7 +5504,7 @@
         <p:spPr>
           <a:xfrm>
             <a:off x="6656400" y="228600"/>
-            <a:ext cx="1623960" cy="303120"/>
+            <a:ext cx="1623600" cy="303120"/>
           </a:xfrm>
           <a:prstGeom prst="rect">
             <a:avLst/>
@@ -5615,7 +5561,7 @@
         <p:spPr>
           <a:xfrm>
             <a:off x="6656400" y="489960"/>
-            <a:ext cx="1623960" cy="730080"/>
+            <a:ext cx="1623600" cy="730080"/>
           </a:xfrm>
           <a:prstGeom prst="rect">
             <a:avLst/>
@@ -5732,7 +5678,7 @@
         <p:spPr>
           <a:xfrm>
             <a:off x="128520" y="4629600"/>
-            <a:ext cx="1569240" cy="529920"/>
+            <a:ext cx="1568880" cy="529560"/>
           </a:xfrm>
           <a:prstGeom prst="diamond">
             <a:avLst/>
@@ -5820,7 +5766,7 @@
         <p:spPr>
           <a:xfrm>
             <a:off x="0" y="3365640"/>
-            <a:ext cx="1831320" cy="2520"/>
+            <a:ext cx="1831680" cy="2880"/>
           </a:xfrm>
           <a:prstGeom prst="straightConnector1">
             <a:avLst/>
@@ -5842,7 +5788,7 @@
         <p:spPr>
           <a:xfrm>
             <a:off x="673200" y="3949920"/>
-            <a:ext cx="480240" cy="385200"/>
+            <a:ext cx="479880" cy="384840"/>
           </a:xfrm>
           <a:prstGeom prst="triangle">
             <a:avLst>
@@ -5909,9 +5855,9 @@
         <p:grpSpPr>
           <a:xfrm>
             <a:off x="101160" y="1413000"/>
-            <a:ext cx="1623960" cy="777960"/>
+            <a:ext cx="1623600" cy="777960"/>
             <a:chOff x="101160" y="1413000"/>
-            <a:chExt cx="1623960" cy="777960"/>
+            <a:chExt cx="1623600" cy="777960"/>
           </a:xfrm>
         </p:grpSpPr>
         <p:sp>
@@ -5923,7 +5869,7 @@
           <p:spPr>
             <a:xfrm>
               <a:off x="101160" y="1413000"/>
-              <a:ext cx="1623960" cy="303120"/>
+              <a:ext cx="1623600" cy="303120"/>
             </a:xfrm>
             <a:prstGeom prst="rect">
               <a:avLst/>
@@ -5981,7 +5927,7 @@
           <p:spPr>
             <a:xfrm>
               <a:off x="101160" y="1674360"/>
-              <a:ext cx="1623960" cy="516600"/>
+              <a:ext cx="1623600" cy="516600"/>
             </a:xfrm>
             <a:prstGeom prst="rect">
               <a:avLst/>
@@ -6073,7 +6019,7 @@
         <p:spPr>
           <a:xfrm>
             <a:off x="4426920" y="914400"/>
-            <a:ext cx="1569240" cy="385200"/>
+            <a:ext cx="1568880" cy="384840"/>
           </a:xfrm>
           <a:prstGeom prst="diamond">
             <a:avLst/>
@@ -6140,8 +6086,8 @@
         </p:nvCxnSpPr>
         <p:spPr>
           <a:xfrm flipH="1">
-            <a:off x="5996160" y="855000"/>
-            <a:ext cx="660600" cy="252360"/>
+            <a:off x="5995800" y="855000"/>
+            <a:ext cx="660960" cy="252360"/>
           </a:xfrm>
           <a:prstGeom prst="straightConnector1">
             <a:avLst/>
@@ -6164,7 +6110,7 @@
         <p:spPr>
           <a:xfrm>
             <a:off x="6255720" y="1828800"/>
-            <a:ext cx="1797840" cy="385200"/>
+            <a:ext cx="1797480" cy="384840"/>
           </a:xfrm>
           <a:prstGeom prst="diamond">
             <a:avLst/>
@@ -6249,15 +6195,14 @@
         <p:nvCxnSpPr>
           <p:cNvPr id="78" name="Straight Arrow Connector 14"/>
           <p:cNvCxnSpPr>
-            <a:stCxn id="79" idx="0"/>
             <a:endCxn id="76" idx="2"/>
           </p:cNvCxnSpPr>
           <p:nvPr/>
         </p:nvCxnSpPr>
         <p:spPr>
           <a:xfrm flipH="1" flipV="1">
-            <a:off x="7154640" y="2214000"/>
-            <a:ext cx="453960" cy="529560"/>
+            <a:off x="7154640" y="2213640"/>
+            <a:ext cx="454320" cy="530280"/>
           </a:xfrm>
           <a:prstGeom prst="straightConnector1">
             <a:avLst/>
@@ -6273,14 +6218,14 @@
       </p:cxnSp>
       <p:sp>
         <p:nvSpPr>
-          <p:cNvPr id="80" name="Diamond 7"/>
+          <p:cNvPr id="79" name="Diamond 7"/>
           <p:cNvSpPr/>
           <p:nvPr/>
         </p:nvSpPr>
         <p:spPr>
           <a:xfrm>
             <a:off x="128520" y="6134400"/>
-            <a:ext cx="1569240" cy="385200"/>
+            <a:ext cx="1568880" cy="384840"/>
           </a:xfrm>
           <a:prstGeom prst="diamond">
             <a:avLst/>
@@ -6338,28 +6283,28 @@
       </p:sp>
       <p:grpSp>
         <p:nvGrpSpPr>
-          <p:cNvPr id="81" name="Group 8"/>
+          <p:cNvPr id="80" name="Group 8"/>
           <p:cNvGrpSpPr/>
           <p:nvPr/>
         </p:nvGrpSpPr>
         <p:grpSpPr>
           <a:xfrm>
             <a:off x="6681960" y="2743200"/>
-            <a:ext cx="1852560" cy="1216440"/>
+            <a:ext cx="1852200" cy="1216440"/>
             <a:chOff x="6681960" y="2743200"/>
-            <a:chExt cx="1852560" cy="1216440"/>
+            <a:chExt cx="1852200" cy="1216440"/>
           </a:xfrm>
         </p:grpSpPr>
         <p:sp>
           <p:nvSpPr>
-            <p:cNvPr id="82" name="TextBox 33"/>
+            <p:cNvPr id="81" name="TextBox 33"/>
             <p:cNvSpPr/>
             <p:nvPr/>
           </p:nvSpPr>
           <p:spPr>
             <a:xfrm>
               <a:off x="6681960" y="2743200"/>
-              <a:ext cx="1852560" cy="303120"/>
+              <a:ext cx="1852200" cy="303120"/>
             </a:xfrm>
             <a:prstGeom prst="rect">
               <a:avLst/>
@@ -6409,14 +6354,14 @@
         </p:sp>
         <p:sp>
           <p:nvSpPr>
-            <p:cNvPr id="83" name="TextBox 34"/>
+            <p:cNvPr id="82" name="TextBox 34"/>
             <p:cNvSpPr/>
             <p:nvPr/>
           </p:nvSpPr>
           <p:spPr>
             <a:xfrm>
               <a:off x="6681960" y="3016080"/>
-              <a:ext cx="1852560" cy="943560"/>
+              <a:ext cx="1852200" cy="943560"/>
             </a:xfrm>
             <a:prstGeom prst="rect">
               <a:avLst/>
@@ -6556,14 +6501,14 @@
       </p:grpSp>
       <p:sp>
         <p:nvSpPr>
-          <p:cNvPr id="84" name="Isosceles Triangle 3"/>
+          <p:cNvPr id="83" name="Isosceles Triangle 3"/>
           <p:cNvSpPr/>
           <p:nvPr/>
         </p:nvSpPr>
         <p:spPr>
           <a:xfrm>
             <a:off x="9173520" y="3501000"/>
-            <a:ext cx="480240" cy="385200"/>
+            <a:ext cx="479880" cy="384840"/>
           </a:xfrm>
           <a:prstGeom prst="triangle">
             <a:avLst>
@@ -6623,14 +6568,14 @@
       </p:sp>
       <p:sp>
         <p:nvSpPr>
-          <p:cNvPr id="85" name="TextBox 25"/>
+          <p:cNvPr id="84" name="TextBox 25"/>
           <p:cNvSpPr/>
           <p:nvPr/>
         </p:nvSpPr>
         <p:spPr>
           <a:xfrm>
             <a:off x="10568160" y="2743200"/>
-            <a:ext cx="1623960" cy="303120"/>
+            <a:ext cx="1623600" cy="303120"/>
           </a:xfrm>
           <a:prstGeom prst="rect">
             <a:avLst/>
@@ -6680,14 +6625,14 @@
       </p:sp>
       <p:sp>
         <p:nvSpPr>
-          <p:cNvPr id="86" name="TextBox 28"/>
+          <p:cNvPr id="85" name="TextBox 28"/>
           <p:cNvSpPr/>
           <p:nvPr/>
         </p:nvSpPr>
         <p:spPr>
           <a:xfrm>
             <a:off x="10568160" y="3048480"/>
-            <a:ext cx="1623960" cy="1370520"/>
+            <a:ext cx="1623600" cy="1370520"/>
           </a:xfrm>
           <a:prstGeom prst="rect">
             <a:avLst/>
@@ -6836,17 +6781,17 @@
       </p:sp>
       <p:cxnSp>
         <p:nvCxnSpPr>
-          <p:cNvPr id="87" name="Straight Arrow Connector 15"/>
+          <p:cNvPr id="86" name="Straight Arrow Connector 15"/>
           <p:cNvCxnSpPr>
-            <a:stCxn id="84" idx="5"/>
-            <a:endCxn id="86" idx="1"/>
+            <a:stCxn id="83" idx="5"/>
+            <a:endCxn id="85" idx="1"/>
           </p:cNvCxnSpPr>
           <p:nvPr/>
         </p:nvCxnSpPr>
         <p:spPr>
           <a:xfrm>
-            <a:off x="9533880" y="3693600"/>
-            <a:ext cx="1034640" cy="40320"/>
+            <a:off x="9533520" y="3693600"/>
+            <a:ext cx="1035000" cy="40320"/>
           </a:xfrm>
           <a:prstGeom prst="straightConnector1">
             <a:avLst/>
@@ -6861,17 +6806,17 @@
       </p:cxnSp>
       <p:cxnSp>
         <p:nvCxnSpPr>
-          <p:cNvPr id="88" name="Straight Arrow Connector 16"/>
+          <p:cNvPr id="87" name="Straight Arrow Connector 16"/>
           <p:cNvCxnSpPr>
-            <a:stCxn id="84" idx="1"/>
-            <a:endCxn id="81" idx="3"/>
+            <a:stCxn id="83" idx="1"/>
+            <a:endCxn id="80" idx="3"/>
           </p:cNvCxnSpPr>
           <p:nvPr/>
         </p:nvCxnSpPr>
         <p:spPr>
           <a:xfrm flipH="1" flipV="1">
-            <a:off x="8534520" y="3351240"/>
-            <a:ext cx="759240" cy="342720"/>
+            <a:off x="8534160" y="3351240"/>
+            <a:ext cx="759600" cy="342720"/>
           </a:xfrm>
           <a:prstGeom prst="straightConnector1">
             <a:avLst/>
@@ -6886,14 +6831,14 @@
       </p:cxnSp>
       <p:sp>
         <p:nvSpPr>
-          <p:cNvPr id="89" name="TextBox 35"/>
+          <p:cNvPr id="88" name="TextBox 35"/>
           <p:cNvSpPr/>
           <p:nvPr/>
         </p:nvSpPr>
         <p:spPr>
           <a:xfrm>
             <a:off x="2086200" y="3336840"/>
-            <a:ext cx="1623960" cy="303120"/>
+            <a:ext cx="1623600" cy="303120"/>
           </a:xfrm>
           <a:prstGeom prst="rect">
             <a:avLst/>
@@ -6943,14 +6888,14 @@
       </p:sp>
       <p:sp>
         <p:nvSpPr>
-          <p:cNvPr id="90" name="TextBox 36"/>
+          <p:cNvPr id="89" name="TextBox 36"/>
           <p:cNvSpPr/>
           <p:nvPr/>
         </p:nvSpPr>
         <p:spPr>
           <a:xfrm>
             <a:off x="2086200" y="3598200"/>
-            <a:ext cx="1623960" cy="516600"/>
+            <a:ext cx="1623600" cy="516600"/>
           </a:xfrm>
           <a:prstGeom prst="rect">
             <a:avLst/>
@@ -7033,14 +6978,14 @@
       </p:sp>
       <p:sp>
         <p:nvSpPr>
-          <p:cNvPr id="91" name="TextBox 37"/>
+          <p:cNvPr id="90" name="TextBox 37"/>
           <p:cNvSpPr/>
           <p:nvPr/>
         </p:nvSpPr>
         <p:spPr>
           <a:xfrm>
             <a:off x="2086200" y="3336840"/>
-            <a:ext cx="1623960" cy="303120"/>
+            <a:ext cx="1623600" cy="303120"/>
           </a:xfrm>
           <a:prstGeom prst="rect">
             <a:avLst/>
@@ -7090,14 +7035,14 @@
       </p:sp>
       <p:sp>
         <p:nvSpPr>
-          <p:cNvPr id="92" name="TextBox 38"/>
+          <p:cNvPr id="91" name="TextBox 38"/>
           <p:cNvSpPr/>
           <p:nvPr/>
         </p:nvSpPr>
         <p:spPr>
           <a:xfrm>
             <a:off x="2086200" y="3598200"/>
-            <a:ext cx="1623960" cy="516600"/>
+            <a:ext cx="1623600" cy="516600"/>
           </a:xfrm>
           <a:prstGeom prst="rect">
             <a:avLst/>
@@ -7180,14 +7125,14 @@
       </p:sp>
       <p:sp>
         <p:nvSpPr>
-          <p:cNvPr id="93" name="Diamond 8"/>
+          <p:cNvPr id="92" name="Diamond 8"/>
           <p:cNvSpPr/>
           <p:nvPr/>
         </p:nvSpPr>
         <p:spPr>
           <a:xfrm>
             <a:off x="1883160" y="2514600"/>
-            <a:ext cx="1827000" cy="385200"/>
+            <a:ext cx="1826640" cy="384840"/>
           </a:xfrm>
           <a:prstGeom prst="diamond">
             <a:avLst/>
@@ -7245,14 +7190,14 @@
       </p:sp>
       <p:sp>
         <p:nvSpPr>
-          <p:cNvPr id="94" name="Oval 3"/>
+          <p:cNvPr id="93" name="Oval 3"/>
           <p:cNvSpPr/>
           <p:nvPr/>
         </p:nvSpPr>
         <p:spPr>
           <a:xfrm>
             <a:off x="3481560" y="2899800"/>
-            <a:ext cx="1598400" cy="385200"/>
+            <a:ext cx="1598040" cy="384840"/>
           </a:xfrm>
           <a:prstGeom prst="ellipse">
             <a:avLst/>
@@ -7308,17 +7253,17 @@
       </p:sp>
       <p:cxnSp>
         <p:nvCxnSpPr>
-          <p:cNvPr id="95" name="Straight Arrow Connector 36"/>
+          <p:cNvPr id="94" name="Straight Arrow Connector 36"/>
           <p:cNvCxnSpPr>
-            <a:stCxn id="93" idx="3"/>
-            <a:endCxn id="94" idx="0"/>
+            <a:stCxn id="92" idx="3"/>
+            <a:endCxn id="93" idx="0"/>
           </p:cNvCxnSpPr>
           <p:nvPr/>
         </p:nvCxnSpPr>
         <p:spPr>
           <a:xfrm>
-            <a:off x="3710160" y="2707200"/>
-            <a:ext cx="570960" cy="192960"/>
+            <a:off x="3709800" y="2707200"/>
+            <a:ext cx="571320" cy="192960"/>
           </a:xfrm>
           <a:prstGeom prst="straightConnector1">
             <a:avLst/>
@@ -7333,17 +7278,17 @@
       </p:cxnSp>
       <p:cxnSp>
         <p:nvCxnSpPr>
-          <p:cNvPr id="96" name="Straight Arrow Connector 37"/>
+          <p:cNvPr id="95" name="Straight Arrow Connector 37"/>
           <p:cNvCxnSpPr>
-            <a:stCxn id="91" idx="-1"/>
-            <a:endCxn id="93" idx="2"/>
+            <a:stCxn id="90" idx="-1"/>
+            <a:endCxn id="92" idx="2"/>
           </p:cNvCxnSpPr>
           <p:nvPr/>
         </p:nvCxnSpPr>
         <p:spPr>
           <a:xfrm flipH="1" flipV="1">
-            <a:off x="2796840" y="2899800"/>
-            <a:ext cx="101520" cy="437400"/>
+            <a:off x="2796480" y="2899440"/>
+            <a:ext cx="101880" cy="437760"/>
           </a:xfrm>
           <a:prstGeom prst="straightConnector1">
             <a:avLst/>
@@ -7358,17 +7303,17 @@
       </p:cxnSp>
       <p:cxnSp>
         <p:nvCxnSpPr>
-          <p:cNvPr id="97" name="Straight Arrow Connector 38"/>
+          <p:cNvPr id="96" name="Straight Arrow Connector 38"/>
           <p:cNvCxnSpPr>
-            <a:stCxn id="93" idx="0"/>
+            <a:stCxn id="92" idx="0"/>
             <a:endCxn id="63" idx="2"/>
           </p:cNvCxnSpPr>
           <p:nvPr/>
         </p:nvCxnSpPr>
         <p:spPr>
           <a:xfrm flipV="1">
-            <a:off x="2796840" y="1860480"/>
-            <a:ext cx="556920" cy="654480"/>
+            <a:off x="2796480" y="1860480"/>
+            <a:ext cx="557280" cy="654480"/>
           </a:xfrm>
           <a:prstGeom prst="straightConnector1">
             <a:avLst/>
@@ -7383,14 +7328,14 @@
       </p:cxnSp>
       <p:sp>
         <p:nvSpPr>
-          <p:cNvPr id="98" name="TextBox 43"/>
+          <p:cNvPr id="97" name="TextBox 43"/>
           <p:cNvSpPr/>
           <p:nvPr/>
         </p:nvSpPr>
         <p:spPr>
           <a:xfrm>
             <a:off x="10543680" y="457200"/>
-            <a:ext cx="1623960" cy="303120"/>
+            <a:ext cx="1623600" cy="303120"/>
           </a:xfrm>
           <a:prstGeom prst="rect">
             <a:avLst/>
@@ -7440,14 +7385,14 @@
       </p:sp>
       <p:sp>
         <p:nvSpPr>
-          <p:cNvPr id="99" name="TextBox 44"/>
+          <p:cNvPr id="98" name="TextBox 44"/>
           <p:cNvSpPr/>
           <p:nvPr/>
         </p:nvSpPr>
         <p:spPr>
           <a:xfrm>
             <a:off x="10543680" y="718560"/>
-            <a:ext cx="1623960" cy="516600"/>
+            <a:ext cx="1623600" cy="516600"/>
           </a:xfrm>
           <a:prstGeom prst="rect">
             <a:avLst/>
@@ -7530,14 +7475,14 @@
       </p:sp>
       <p:sp>
         <p:nvSpPr>
-          <p:cNvPr id="100" name="TextBox 45"/>
+          <p:cNvPr id="99" name="TextBox 45"/>
           <p:cNvSpPr/>
           <p:nvPr/>
         </p:nvSpPr>
         <p:spPr>
           <a:xfrm>
             <a:off x="10543680" y="457200"/>
-            <a:ext cx="1623960" cy="303120"/>
+            <a:ext cx="1623600" cy="303120"/>
           </a:xfrm>
           <a:prstGeom prst="rect">
             <a:avLst/>
@@ -7587,14 +7532,14 @@
       </p:sp>
       <p:sp>
         <p:nvSpPr>
-          <p:cNvPr id="101" name="TextBox 46"/>
+          <p:cNvPr id="100" name="TextBox 46"/>
           <p:cNvSpPr/>
           <p:nvPr/>
         </p:nvSpPr>
         <p:spPr>
           <a:xfrm>
             <a:off x="10543680" y="718560"/>
-            <a:ext cx="1623960" cy="1584000"/>
+            <a:ext cx="1623600" cy="1584000"/>
           </a:xfrm>
           <a:prstGeom prst="rect">
             <a:avLst/>
@@ -7785,14 +7730,14 @@
       </p:sp>
       <p:sp>
         <p:nvSpPr>
-          <p:cNvPr id="102" name="Diamond 20"/>
+          <p:cNvPr id="101" name="Diamond 20"/>
           <p:cNvSpPr/>
           <p:nvPr/>
         </p:nvSpPr>
         <p:spPr>
           <a:xfrm>
             <a:off x="8282160" y="1443600"/>
-            <a:ext cx="2055960" cy="385200"/>
+            <a:ext cx="2055600" cy="384840"/>
           </a:xfrm>
           <a:prstGeom prst="diamond">
             <a:avLst/>
@@ -7850,17 +7795,17 @@
       </p:sp>
       <p:cxnSp>
         <p:nvCxnSpPr>
-          <p:cNvPr id="103" name="Straight Arrow Connector 35"/>
+          <p:cNvPr id="102" name="Straight Arrow Connector 35"/>
           <p:cNvCxnSpPr>
-            <a:stCxn id="102" idx="2"/>
-            <a:endCxn id="86" idx="1"/>
+            <a:stCxn id="101" idx="2"/>
+            <a:endCxn id="85" idx="1"/>
           </p:cNvCxnSpPr>
           <p:nvPr/>
         </p:nvCxnSpPr>
         <p:spPr>
           <a:xfrm>
-            <a:off x="9310320" y="1828800"/>
-            <a:ext cx="1258200" cy="1905120"/>
+            <a:off x="9309960" y="1828440"/>
+            <a:ext cx="1258560" cy="1905480"/>
           </a:xfrm>
           <a:prstGeom prst="straightConnector1">
             <a:avLst/>
@@ -7875,17 +7820,17 @@
       </p:cxnSp>
       <p:cxnSp>
         <p:nvCxnSpPr>
-          <p:cNvPr id="104" name="Straight Arrow Connector 43"/>
+          <p:cNvPr id="103" name="Straight Arrow Connector 43"/>
           <p:cNvCxnSpPr>
-            <a:stCxn id="101" idx="1"/>
-            <a:endCxn id="102" idx="3"/>
+            <a:stCxn id="100" idx="1"/>
+            <a:endCxn id="101" idx="3"/>
           </p:cNvCxnSpPr>
           <p:nvPr/>
         </p:nvCxnSpPr>
         <p:spPr>
           <a:xfrm flipH="1">
-            <a:off x="10338120" y="1510560"/>
-            <a:ext cx="205920" cy="126000"/>
+            <a:off x="10337760" y="1510560"/>
+            <a:ext cx="206280" cy="126000"/>
           </a:xfrm>
           <a:prstGeom prst="straightConnector1">
             <a:avLst/>
@@ -7900,9 +7845,9 @@
       </p:cxnSp>
       <p:cxnSp>
         <p:nvCxnSpPr>
-          <p:cNvPr id="105" name="Straight Arrow Connector 49"/>
+          <p:cNvPr id="104" name="Straight Arrow Connector 49"/>
           <p:cNvCxnSpPr>
-            <a:stCxn id="102" idx="0"/>
+            <a:stCxn id="101" idx="0"/>
             <a:endCxn id="67" idx="2"/>
           </p:cNvCxnSpPr>
           <p:nvPr/>
@@ -7910,7 +7855,7 @@
         <p:spPr>
           <a:xfrm flipH="1" flipV="1">
             <a:off x="7468200" y="1220040"/>
-            <a:ext cx="1842480" cy="223920"/>
+            <a:ext cx="1842120" cy="223920"/>
           </a:xfrm>
           <a:prstGeom prst="straightConnector1">
             <a:avLst/>
@@ -7925,14 +7870,14 @@
       </p:cxnSp>
       <p:sp>
         <p:nvSpPr>
-          <p:cNvPr id="106" name="TextBox 74"/>
+          <p:cNvPr id="105" name="TextBox 74"/>
           <p:cNvSpPr/>
           <p:nvPr/>
         </p:nvSpPr>
         <p:spPr>
           <a:xfrm>
             <a:off x="5412240" y="5029200"/>
-            <a:ext cx="1623960" cy="303120"/>
+            <a:ext cx="1623600" cy="303120"/>
           </a:xfrm>
           <a:prstGeom prst="rect">
             <a:avLst/>
@@ -7982,14 +7927,14 @@
       </p:sp>
       <p:sp>
         <p:nvSpPr>
-          <p:cNvPr id="107" name="Diamond 22"/>
+          <p:cNvPr id="106" name="Diamond 22"/>
           <p:cNvSpPr/>
           <p:nvPr/>
         </p:nvSpPr>
         <p:spPr>
           <a:xfrm>
             <a:off x="3710160" y="4343400"/>
-            <a:ext cx="1827360" cy="385200"/>
+            <a:ext cx="1827000" cy="384840"/>
           </a:xfrm>
           <a:prstGeom prst="diamond">
             <a:avLst/>
@@ -8047,10 +7992,10 @@
       </p:sp>
       <p:cxnSp>
         <p:nvCxnSpPr>
-          <p:cNvPr id="108" name="Straight Arrow Connector 59"/>
+          <p:cNvPr id="107" name="Straight Arrow Connector 59"/>
           <p:cNvCxnSpPr>
-            <a:stCxn id="92" idx="2"/>
-            <a:endCxn id="107" idx="1"/>
+            <a:stCxn id="91" idx="2"/>
+            <a:endCxn id="106" idx="1"/>
           </p:cNvCxnSpPr>
           <p:nvPr/>
         </p:nvCxnSpPr>
@@ -8073,17 +8018,17 @@
       </p:cxnSp>
       <p:cxnSp>
         <p:nvCxnSpPr>
-          <p:cNvPr id="109" name="Straight Arrow Connector 60"/>
+          <p:cNvPr id="108" name="Straight Arrow Connector 60"/>
           <p:cNvCxnSpPr>
-            <a:stCxn id="107" idx="2"/>
-            <a:endCxn id="106" idx="1"/>
+            <a:stCxn id="106" idx="2"/>
+            <a:endCxn id="105" idx="1"/>
           </p:cNvCxnSpPr>
           <p:nvPr/>
         </p:nvCxnSpPr>
         <p:spPr>
           <a:xfrm>
-            <a:off x="4623840" y="4728600"/>
-            <a:ext cx="788760" cy="452520"/>
+            <a:off x="4623840" y="4728240"/>
+            <a:ext cx="788760" cy="452880"/>
           </a:xfrm>
           <a:prstGeom prst="straightConnector1">
             <a:avLst/>
@@ -8098,9 +8043,9 @@
       </p:cxnSp>
       <p:cxnSp>
         <p:nvCxnSpPr>
-          <p:cNvPr id="110" name="Straight Arrow Connector 61"/>
+          <p:cNvPr id="109" name="Straight Arrow Connector 61"/>
           <p:cNvCxnSpPr>
-            <a:stCxn id="111" idx="0"/>
+            <a:stCxn id="110" idx="0"/>
             <a:endCxn id="63" idx="2"/>
           </p:cNvCxnSpPr>
           <p:nvPr/>
@@ -8123,14 +8068,14 @@
       </p:cxnSp>
       <p:sp>
         <p:nvSpPr>
-          <p:cNvPr id="111" name="Diamond 24"/>
+          <p:cNvPr id="110" name="Diamond 24"/>
           <p:cNvSpPr/>
           <p:nvPr/>
         </p:nvSpPr>
         <p:spPr>
           <a:xfrm>
             <a:off x="4626720" y="3200400"/>
-            <a:ext cx="1826640" cy="684360"/>
+            <a:ext cx="1826280" cy="684000"/>
           </a:xfrm>
           <a:prstGeom prst="diamond">
             <a:avLst/>
@@ -8188,17 +8133,17 @@
       </p:sp>
       <p:cxnSp>
         <p:nvCxnSpPr>
-          <p:cNvPr id="112" name="Straight Arrow Connector 62"/>
+          <p:cNvPr id="111" name="Straight Arrow Connector 62"/>
           <p:cNvCxnSpPr>
-            <a:stCxn id="106" idx="0"/>
-            <a:endCxn id="111" idx="2"/>
+            <a:stCxn id="105" idx="0"/>
+            <a:endCxn id="110" idx="2"/>
           </p:cNvCxnSpPr>
           <p:nvPr/>
         </p:nvCxnSpPr>
         <p:spPr>
           <a:xfrm flipH="1" flipV="1">
-            <a:off x="5540040" y="3884760"/>
-            <a:ext cx="684360" cy="1144800"/>
+            <a:off x="5540040" y="3884400"/>
+            <a:ext cx="684360" cy="1145160"/>
           </a:xfrm>
           <a:prstGeom prst="straightConnector1">
             <a:avLst/>
@@ -8213,14 +8158,14 @@
       </p:cxnSp>
       <p:sp>
         <p:nvSpPr>
-          <p:cNvPr id="113" name="Isosceles Triangle 4"/>
+          <p:cNvPr id="112" name="Isosceles Triangle 4"/>
           <p:cNvSpPr/>
           <p:nvPr/>
         </p:nvSpPr>
         <p:spPr>
           <a:xfrm>
             <a:off x="2693880" y="4415400"/>
-            <a:ext cx="480240" cy="385200"/>
+            <a:ext cx="479880" cy="384840"/>
           </a:xfrm>
           <a:prstGeom prst="triangle">
             <a:avLst>
@@ -8280,10 +8225,10 @@
       </p:sp>
       <p:cxnSp>
         <p:nvCxnSpPr>
-          <p:cNvPr id="114" name="Straight Arrow Connector 74"/>
+          <p:cNvPr id="113" name="Straight Arrow Connector 74"/>
           <p:cNvCxnSpPr>
-            <a:stCxn id="113" idx="0"/>
-            <a:endCxn id="92" idx="2"/>
+            <a:stCxn id="112" idx="0"/>
+            <a:endCxn id="91" idx="2"/>
           </p:cNvCxnSpPr>
           <p:nvPr/>
         </p:nvCxnSpPr>
@@ -8305,14 +8250,14 @@
       </p:cxnSp>
       <p:sp>
         <p:nvSpPr>
-          <p:cNvPr id="115" name="TextBox 39"/>
+          <p:cNvPr id="114" name="TextBox 39"/>
           <p:cNvSpPr/>
           <p:nvPr/>
         </p:nvSpPr>
         <p:spPr>
           <a:xfrm>
             <a:off x="2109960" y="5163480"/>
-            <a:ext cx="1623960" cy="303120"/>
+            <a:ext cx="1623600" cy="303120"/>
           </a:xfrm>
           <a:prstGeom prst="rect">
             <a:avLst/>
@@ -8362,14 +8307,14 @@
       </p:sp>
       <p:sp>
         <p:nvSpPr>
-          <p:cNvPr id="116" name="TextBox 41"/>
+          <p:cNvPr id="115" name="TextBox 41"/>
           <p:cNvSpPr/>
           <p:nvPr/>
         </p:nvSpPr>
         <p:spPr>
           <a:xfrm>
             <a:off x="2109960" y="5163480"/>
-            <a:ext cx="1623960" cy="303120"/>
+            <a:ext cx="1623600" cy="303120"/>
           </a:xfrm>
           <a:prstGeom prst="rect">
             <a:avLst/>
@@ -8419,14 +8364,14 @@
       </p:sp>
       <p:sp>
         <p:nvSpPr>
-          <p:cNvPr id="117" name="TextBox 42"/>
+          <p:cNvPr id="116" name="TextBox 42"/>
           <p:cNvSpPr/>
           <p:nvPr/>
         </p:nvSpPr>
         <p:spPr>
           <a:xfrm>
             <a:off x="2109960" y="5424840"/>
-            <a:ext cx="1623960" cy="364680"/>
+            <a:ext cx="1623600" cy="363960"/>
           </a:xfrm>
           <a:prstGeom prst="rect">
             <a:avLst/>
@@ -8485,17 +8430,17 @@
       </p:sp>
       <p:cxnSp>
         <p:nvCxnSpPr>
-          <p:cNvPr id="118" name="Straight Arrow Connector 75"/>
+          <p:cNvPr id="117" name="Straight Arrow Connector 75"/>
           <p:cNvCxnSpPr>
-            <a:stCxn id="113" idx="3"/>
-            <a:endCxn id="116" idx="0"/>
+            <a:stCxn id="112" idx="3"/>
+            <a:endCxn id="115" idx="0"/>
           </p:cNvCxnSpPr>
           <p:nvPr/>
         </p:nvCxnSpPr>
         <p:spPr>
           <a:xfrm flipH="1">
-            <a:off x="2921760" y="4800600"/>
-            <a:ext cx="12600" cy="363240"/>
+            <a:off x="2921760" y="4800240"/>
+            <a:ext cx="12600" cy="363600"/>
           </a:xfrm>
           <a:prstGeom prst="straightConnector1">
             <a:avLst/>
@@ -8510,14 +8455,14 @@
       </p:cxnSp>
       <p:sp>
         <p:nvSpPr>
-          <p:cNvPr id="119" name="Diamond 30"/>
+          <p:cNvPr id="118" name="Diamond 30"/>
           <p:cNvSpPr/>
           <p:nvPr/>
         </p:nvSpPr>
         <p:spPr>
           <a:xfrm>
             <a:off x="7627320" y="4800600"/>
-            <a:ext cx="1569240" cy="385200"/>
+            <a:ext cx="1568880" cy="384840"/>
           </a:xfrm>
           <a:prstGeom prst="diamond">
             <a:avLst/>
@@ -8575,14 +8520,14 @@
       </p:sp>
       <p:sp>
         <p:nvSpPr>
-          <p:cNvPr id="120" name="Diamond 31"/>
+          <p:cNvPr id="119" name="Diamond 31"/>
           <p:cNvSpPr/>
           <p:nvPr/>
         </p:nvSpPr>
         <p:spPr>
           <a:xfrm>
             <a:off x="7627320" y="5329800"/>
-            <a:ext cx="1797840" cy="385200"/>
+            <a:ext cx="1797480" cy="384840"/>
           </a:xfrm>
           <a:prstGeom prst="diamond">
             <a:avLst/>
@@ -8640,17 +8585,17 @@
       </p:sp>
       <p:cxnSp>
         <p:nvCxnSpPr>
-          <p:cNvPr id="121" name="Straight Arrow Connector 76"/>
+          <p:cNvPr id="120" name="Straight Arrow Connector 76"/>
           <p:cNvCxnSpPr>
-            <a:stCxn id="86" idx="1"/>
-            <a:endCxn id="119" idx="3"/>
+            <a:stCxn id="85" idx="1"/>
+            <a:endCxn id="118" idx="3"/>
           </p:cNvCxnSpPr>
           <p:nvPr/>
         </p:nvCxnSpPr>
         <p:spPr>
           <a:xfrm flipH="1">
-            <a:off x="9196560" y="3733560"/>
-            <a:ext cx="1371960" cy="1260000"/>
+            <a:off x="9196200" y="3733560"/>
+            <a:ext cx="1372320" cy="1260000"/>
           </a:xfrm>
           <a:prstGeom prst="straightConnector1">
             <a:avLst/>
@@ -8666,17 +8611,17 @@
       </p:cxnSp>
       <p:cxnSp>
         <p:nvCxnSpPr>
-          <p:cNvPr id="122" name="Straight Arrow Connector 77"/>
+          <p:cNvPr id="121" name="Straight Arrow Connector 77"/>
           <p:cNvCxnSpPr>
-            <a:stCxn id="119" idx="1"/>
-            <a:endCxn id="106" idx="3"/>
+            <a:stCxn id="118" idx="1"/>
+            <a:endCxn id="105" idx="3"/>
           </p:cNvCxnSpPr>
           <p:nvPr/>
         </p:nvCxnSpPr>
         <p:spPr>
           <a:xfrm flipH="1">
-            <a:off x="7036200" y="4993200"/>
-            <a:ext cx="591480" cy="187920"/>
+            <a:off x="7035840" y="4993200"/>
+            <a:ext cx="591840" cy="187920"/>
           </a:xfrm>
           <a:prstGeom prst="straightConnector1">
             <a:avLst/>
@@ -8691,17 +8636,17 @@
       </p:cxnSp>
       <p:cxnSp>
         <p:nvCxnSpPr>
-          <p:cNvPr id="123" name="Straight Arrow Connector 78"/>
+          <p:cNvPr id="122" name="Straight Arrow Connector 78"/>
           <p:cNvCxnSpPr>
-            <a:stCxn id="120" idx="1"/>
-            <a:endCxn id="106" idx="3"/>
+            <a:stCxn id="119" idx="1"/>
+            <a:endCxn id="105" idx="3"/>
           </p:cNvCxnSpPr>
           <p:nvPr/>
         </p:nvCxnSpPr>
         <p:spPr>
           <a:xfrm flipH="1" flipV="1">
-            <a:off x="7036200" y="5180760"/>
-            <a:ext cx="591480" cy="342000"/>
+            <a:off x="7035840" y="5180760"/>
+            <a:ext cx="591840" cy="342000"/>
           </a:xfrm>
           <a:prstGeom prst="straightConnector1">
             <a:avLst/>
@@ -8716,17 +8661,17 @@
       </p:cxnSp>
       <p:cxnSp>
         <p:nvCxnSpPr>
-          <p:cNvPr id="124" name="Straight Arrow Connector 79"/>
+          <p:cNvPr id="123" name="Straight Arrow Connector 79"/>
           <p:cNvCxnSpPr>
-            <a:stCxn id="86" idx="1"/>
-            <a:endCxn id="120" idx="3"/>
+            <a:stCxn id="85" idx="1"/>
+            <a:endCxn id="119" idx="3"/>
           </p:cNvCxnSpPr>
           <p:nvPr/>
         </p:nvCxnSpPr>
         <p:spPr>
           <a:xfrm flipH="1">
-            <a:off x="9425160" y="3733560"/>
-            <a:ext cx="1143360" cy="1789200"/>
+            <a:off x="9424800" y="3733560"/>
+            <a:ext cx="1143720" cy="1789200"/>
           </a:xfrm>
           <a:prstGeom prst="straightConnector1">
             <a:avLst/>
@@ -8742,7 +8687,7 @@
       </p:cxnSp>
       <p:cxnSp>
         <p:nvCxnSpPr>
-          <p:cNvPr id="125" name="Straight Arrow Connector 12"/>
+          <p:cNvPr id="124" name="Straight Arrow Connector 12"/>
           <p:cNvCxnSpPr>
             <a:stCxn id="74" idx="1"/>
             <a:endCxn id="63" idx="3"/>
@@ -8751,8 +8696,8 @@
         </p:nvCxnSpPr>
         <p:spPr>
           <a:xfrm flipH="1">
-            <a:off x="4165560" y="1107000"/>
-            <a:ext cx="261720" cy="68400"/>
+            <a:off x="4165200" y="1107000"/>
+            <a:ext cx="262080" cy="68400"/>
           </a:xfrm>
           <a:prstGeom prst="straightConnector1">
             <a:avLst/>
@@ -8767,14 +8712,14 @@
       </p:cxnSp>
       <p:sp>
         <p:nvSpPr>
-          <p:cNvPr id="126" name="Oval 6"/>
+          <p:cNvPr id="125" name="Oval 6"/>
           <p:cNvSpPr/>
           <p:nvPr/>
         </p:nvSpPr>
         <p:spPr>
           <a:xfrm>
             <a:off x="8053560" y="2057400"/>
-            <a:ext cx="1220760" cy="385200"/>
+            <a:ext cx="1220400" cy="384840"/>
           </a:xfrm>
           <a:prstGeom prst="ellipse">
             <a:avLst/>
@@ -8830,17 +8775,17 @@
       </p:sp>
       <p:cxnSp>
         <p:nvCxnSpPr>
-          <p:cNvPr id="127" name="Straight Arrow Connector 50"/>
+          <p:cNvPr id="126" name="Straight Arrow Connector 50"/>
           <p:cNvCxnSpPr>
-            <a:stCxn id="126" idx="0"/>
-            <a:endCxn id="102" idx="2"/>
+            <a:stCxn id="125" idx="0"/>
+            <a:endCxn id="101" idx="2"/>
           </p:cNvCxnSpPr>
           <p:nvPr/>
         </p:nvCxnSpPr>
         <p:spPr>
           <a:xfrm flipV="1">
-            <a:off x="8664120" y="1828800"/>
-            <a:ext cx="646560" cy="228960"/>
+            <a:off x="8663760" y="1828440"/>
+            <a:ext cx="646560" cy="229320"/>
           </a:xfrm>
           <a:prstGeom prst="straightConnector1">
             <a:avLst/>
@@ -8885,14 +8830,14 @@
       </p:grpSpPr>
       <p:cxnSp>
         <p:nvCxnSpPr>
-          <p:cNvPr id="128" name="Straight Arrow Connector 1"/>
+          <p:cNvPr id="127" name="Straight Arrow Connector 1"/>
           <p:cNvCxnSpPr/>
           <p:nvPr/>
         </p:nvCxnSpPr>
         <p:spPr>
           <a:xfrm flipH="1">
             <a:off x="0" y="3073320"/>
-            <a:ext cx="1831320" cy="2520"/>
+            <a:ext cx="1831680" cy="2880"/>
           </a:xfrm>
           <a:prstGeom prst="straightConnector1">
             <a:avLst/>
@@ -8908,14 +8853,14 @@
       </p:cxnSp>
       <p:cxnSp>
         <p:nvCxnSpPr>
-          <p:cNvPr id="129" name="Straight Arrow Connector 2"/>
+          <p:cNvPr id="128" name="Straight Arrow Connector 2"/>
           <p:cNvCxnSpPr/>
           <p:nvPr/>
         </p:nvCxnSpPr>
         <p:spPr>
           <a:xfrm>
             <a:off x="0" y="2489400"/>
-            <a:ext cx="1831320" cy="2520"/>
+            <a:ext cx="1831680" cy="2880"/>
           </a:xfrm>
           <a:prstGeom prst="straightConnector1">
             <a:avLst/>
@@ -8931,14 +8876,14 @@
       </p:cxnSp>
       <p:cxnSp>
         <p:nvCxnSpPr>
-          <p:cNvPr id="130" name="Straight Arrow Connector 3"/>
+          <p:cNvPr id="129" name="Straight Arrow Connector 3"/>
           <p:cNvCxnSpPr/>
           <p:nvPr/>
         </p:nvCxnSpPr>
         <p:spPr>
           <a:xfrm>
             <a:off x="0" y="2781360"/>
-            <a:ext cx="1831320" cy="2520"/>
+            <a:ext cx="1831680" cy="2880"/>
           </a:xfrm>
           <a:prstGeom prst="straightConnector1">
             <a:avLst/>
@@ -8954,14 +8899,14 @@
       </p:cxnSp>
       <p:cxnSp>
         <p:nvCxnSpPr>
-          <p:cNvPr id="131" name="Straight Arrow Connector 4"/>
+          <p:cNvPr id="130" name="Straight Arrow Connector 4"/>
           <p:cNvCxnSpPr/>
           <p:nvPr/>
         </p:nvCxnSpPr>
         <p:spPr>
           <a:xfrm flipH="1">
             <a:off x="0" y="3657600"/>
-            <a:ext cx="1831320" cy="2520"/>
+            <a:ext cx="1831680" cy="2880"/>
           </a:xfrm>
           <a:prstGeom prst="straightConnector1">
             <a:avLst/>
@@ -8976,14 +8921,14 @@
       </p:cxnSp>
       <p:sp>
         <p:nvSpPr>
-          <p:cNvPr id="132" name="Diamond 1"/>
+          <p:cNvPr id="131" name="Diamond 1"/>
           <p:cNvSpPr/>
           <p:nvPr/>
         </p:nvSpPr>
         <p:spPr>
           <a:xfrm>
             <a:off x="128520" y="6134040"/>
-            <a:ext cx="1569240" cy="385200"/>
+            <a:ext cx="1568880" cy="384840"/>
           </a:xfrm>
           <a:prstGeom prst="diamond">
             <a:avLst/>
@@ -9041,14 +8986,14 @@
       </p:sp>
       <p:sp>
         <p:nvSpPr>
-          <p:cNvPr id="133" name="Oval 1"/>
+          <p:cNvPr id="132" name="Oval 1"/>
           <p:cNvSpPr/>
           <p:nvPr/>
         </p:nvSpPr>
         <p:spPr>
           <a:xfrm>
             <a:off x="302760" y="5454000"/>
-            <a:ext cx="1220760" cy="385200"/>
+            <a:ext cx="1220400" cy="384840"/>
           </a:xfrm>
           <a:prstGeom prst="ellipse">
             <a:avLst/>
@@ -9104,28 +9049,28 @@
       </p:sp>
       <p:grpSp>
         <p:nvGrpSpPr>
-          <p:cNvPr id="134" name="Group 1"/>
+          <p:cNvPr id="133" name="Group 1"/>
           <p:cNvGrpSpPr/>
           <p:nvPr/>
         </p:nvGrpSpPr>
         <p:grpSpPr>
           <a:xfrm>
             <a:off x="101160" y="336240"/>
-            <a:ext cx="1623960" cy="777960"/>
+            <a:ext cx="1623600" cy="777960"/>
             <a:chOff x="101160" y="336240"/>
-            <a:chExt cx="1623960" cy="777960"/>
+            <a:chExt cx="1623600" cy="777960"/>
           </a:xfrm>
         </p:grpSpPr>
         <p:sp>
           <p:nvSpPr>
-            <p:cNvPr id="135" name="TextBox 1"/>
+            <p:cNvPr id="134" name="TextBox 1"/>
             <p:cNvSpPr/>
             <p:nvPr/>
           </p:nvSpPr>
           <p:spPr>
             <a:xfrm>
               <a:off x="101160" y="336240"/>
-              <a:ext cx="1623960" cy="303120"/>
+              <a:ext cx="1623600" cy="303120"/>
             </a:xfrm>
             <a:prstGeom prst="rect">
               <a:avLst/>
@@ -9175,14 +9120,14 @@
         </p:sp>
         <p:sp>
           <p:nvSpPr>
-            <p:cNvPr id="136" name="TextBox 2"/>
+            <p:cNvPr id="135" name="TextBox 2"/>
             <p:cNvSpPr/>
             <p:nvPr/>
           </p:nvSpPr>
           <p:spPr>
             <a:xfrm>
               <a:off x="101160" y="597600"/>
-              <a:ext cx="1623960" cy="516600"/>
+              <a:ext cx="1623600" cy="516600"/>
             </a:xfrm>
             <a:prstGeom prst="rect">
               <a:avLst/>
@@ -9266,14 +9211,14 @@
       </p:grpSp>
       <p:sp>
         <p:nvSpPr>
-          <p:cNvPr id="137" name="Diamond 2"/>
+          <p:cNvPr id="136" name="Diamond 2"/>
           <p:cNvSpPr/>
           <p:nvPr/>
         </p:nvSpPr>
         <p:spPr>
           <a:xfrm>
             <a:off x="128520" y="4629600"/>
-            <a:ext cx="1569240" cy="529920"/>
+            <a:ext cx="1568880" cy="529560"/>
           </a:xfrm>
           <a:prstGeom prst="diamond">
             <a:avLst/>
@@ -9354,14 +9299,14 @@
       </p:sp>
       <p:cxnSp>
         <p:nvCxnSpPr>
-          <p:cNvPr id="138" name="Straight Arrow Connector 5"/>
+          <p:cNvPr id="137" name="Straight Arrow Connector 5"/>
           <p:cNvCxnSpPr/>
           <p:nvPr/>
         </p:nvCxnSpPr>
         <p:spPr>
           <a:xfrm>
             <a:off x="0" y="3365640"/>
-            <a:ext cx="1831320" cy="2520"/>
+            <a:ext cx="1831680" cy="2880"/>
           </a:xfrm>
           <a:prstGeom prst="straightConnector1">
             <a:avLst/>
@@ -9376,14 +9321,14 @@
       </p:cxnSp>
       <p:sp>
         <p:nvSpPr>
-          <p:cNvPr id="139" name="Isosceles Triangle 1"/>
+          <p:cNvPr id="138" name="Isosceles Triangle 1"/>
           <p:cNvSpPr/>
           <p:nvPr/>
         </p:nvSpPr>
         <p:spPr>
           <a:xfrm>
             <a:off x="673200" y="3949920"/>
-            <a:ext cx="480240" cy="385200"/>
+            <a:ext cx="479880" cy="384840"/>
           </a:xfrm>
           <a:prstGeom prst="triangle">
             <a:avLst>
@@ -9443,28 +9388,28 @@
       </p:sp>
       <p:grpSp>
         <p:nvGrpSpPr>
-          <p:cNvPr id="140" name="Group 2"/>
+          <p:cNvPr id="139" name="Group 2"/>
           <p:cNvGrpSpPr/>
           <p:nvPr/>
         </p:nvGrpSpPr>
         <p:grpSpPr>
           <a:xfrm>
             <a:off x="101160" y="1413000"/>
-            <a:ext cx="1623960" cy="777960"/>
+            <a:ext cx="1623600" cy="777960"/>
             <a:chOff x="101160" y="1413000"/>
-            <a:chExt cx="1623960" cy="777960"/>
+            <a:chExt cx="1623600" cy="777960"/>
           </a:xfrm>
         </p:grpSpPr>
         <p:sp>
           <p:nvSpPr>
-            <p:cNvPr id="141" name="TextBox 3"/>
+            <p:cNvPr id="140" name="TextBox 3"/>
             <p:cNvSpPr/>
             <p:nvPr/>
           </p:nvSpPr>
           <p:spPr>
             <a:xfrm>
               <a:off x="101160" y="1413000"/>
-              <a:ext cx="1623960" cy="303120"/>
+              <a:ext cx="1623600" cy="303120"/>
             </a:xfrm>
             <a:prstGeom prst="rect">
               <a:avLst/>
@@ -9515,14 +9460,14 @@
         </p:sp>
         <p:sp>
           <p:nvSpPr>
-            <p:cNvPr id="142" name="TextBox 4"/>
+            <p:cNvPr id="141" name="TextBox 4"/>
             <p:cNvSpPr/>
             <p:nvPr/>
           </p:nvSpPr>
           <p:spPr>
             <a:xfrm>
               <a:off x="101160" y="1674360"/>
-              <a:ext cx="1623960" cy="516600"/>
+              <a:ext cx="1623600" cy="516600"/>
             </a:xfrm>
             <a:prstGeom prst="rect">
               <a:avLst/>
@@ -9607,14 +9552,14 @@
       </p:grpSp>
       <p:sp>
         <p:nvSpPr>
-          <p:cNvPr id="143" name="TextBox 19"/>
+          <p:cNvPr id="142" name="TextBox 19"/>
           <p:cNvSpPr/>
           <p:nvPr/>
         </p:nvSpPr>
         <p:spPr>
           <a:xfrm>
             <a:off x="4775040" y="457200"/>
-            <a:ext cx="1623960" cy="303120"/>
+            <a:ext cx="1623600" cy="303120"/>
           </a:xfrm>
           <a:prstGeom prst="rect">
             <a:avLst/>
@@ -9664,14 +9609,14 @@
       </p:sp>
       <p:sp>
         <p:nvSpPr>
-          <p:cNvPr id="144" name="TextBox 20"/>
+          <p:cNvPr id="143" name="TextBox 20"/>
           <p:cNvSpPr/>
           <p:nvPr/>
         </p:nvSpPr>
         <p:spPr>
           <a:xfrm>
             <a:off x="4775040" y="718560"/>
-            <a:ext cx="1623960" cy="730080"/>
+            <a:ext cx="1623600" cy="730080"/>
           </a:xfrm>
           <a:prstGeom prst="rect">
             <a:avLst/>
@@ -9781,28 +9726,28 @@
       </p:sp>
       <p:grpSp>
         <p:nvGrpSpPr>
-          <p:cNvPr id="145" name="Group 6"/>
+          <p:cNvPr id="144" name="Group 6"/>
           <p:cNvGrpSpPr/>
           <p:nvPr/>
         </p:nvGrpSpPr>
         <p:grpSpPr>
           <a:xfrm>
             <a:off x="4572000" y="4274280"/>
-            <a:ext cx="1623960" cy="991440"/>
+            <a:ext cx="1623600" cy="991440"/>
             <a:chOff x="4572000" y="4274280"/>
-            <a:chExt cx="1623960" cy="991440"/>
+            <a:chExt cx="1623600" cy="991440"/>
           </a:xfrm>
         </p:grpSpPr>
         <p:sp>
           <p:nvSpPr>
-            <p:cNvPr id="146" name="TextBox 21"/>
+            <p:cNvPr id="145" name="TextBox 21"/>
             <p:cNvSpPr/>
             <p:nvPr/>
           </p:nvSpPr>
           <p:spPr>
             <a:xfrm>
               <a:off x="4572000" y="4274280"/>
-              <a:ext cx="1623960" cy="303120"/>
+              <a:ext cx="1623600" cy="303120"/>
             </a:xfrm>
             <a:prstGeom prst="rect">
               <a:avLst/>
@@ -9852,14 +9797,14 @@
         </p:sp>
         <p:sp>
           <p:nvSpPr>
-            <p:cNvPr id="147" name="TextBox 30"/>
+            <p:cNvPr id="146" name="TextBox 30"/>
             <p:cNvSpPr/>
             <p:nvPr/>
           </p:nvSpPr>
           <p:spPr>
             <a:xfrm>
               <a:off x="4572000" y="4535640"/>
-              <a:ext cx="1623960" cy="730080"/>
+              <a:ext cx="1623600" cy="730080"/>
             </a:xfrm>
             <a:prstGeom prst="rect">
               <a:avLst/>
@@ -9970,14 +9915,14 @@
       </p:grpSp>
       <p:sp>
         <p:nvSpPr>
-          <p:cNvPr id="148" name="Diamond 9"/>
+          <p:cNvPr id="147" name="Diamond 9"/>
           <p:cNvSpPr/>
           <p:nvPr/>
         </p:nvSpPr>
         <p:spPr>
           <a:xfrm>
             <a:off x="3231360" y="2899800"/>
-            <a:ext cx="1569240" cy="385200"/>
+            <a:ext cx="1568880" cy="384840"/>
           </a:xfrm>
           <a:prstGeom prst="diamond">
             <a:avLst/>
@@ -10035,14 +9980,14 @@
       </p:sp>
       <p:sp>
         <p:nvSpPr>
-          <p:cNvPr id="149" name="Diamond 10"/>
+          <p:cNvPr id="148" name="Diamond 10"/>
           <p:cNvSpPr/>
           <p:nvPr/>
         </p:nvSpPr>
         <p:spPr>
           <a:xfrm>
             <a:off x="4602960" y="2585160"/>
-            <a:ext cx="1797840" cy="386640"/>
+            <a:ext cx="1797480" cy="386280"/>
           </a:xfrm>
           <a:prstGeom prst="diamond">
             <a:avLst/>
@@ -10100,17 +10045,17 @@
       </p:sp>
       <p:cxnSp>
         <p:nvCxnSpPr>
-          <p:cNvPr id="150" name="Straight Arrow Connector 24"/>
+          <p:cNvPr id="149" name="Straight Arrow Connector 24"/>
           <p:cNvCxnSpPr>
-            <a:stCxn id="145" idx="0"/>
-            <a:endCxn id="148" idx="2"/>
+            <a:stCxn id="144" idx="0"/>
+            <a:endCxn id="147" idx="2"/>
           </p:cNvCxnSpPr>
           <p:nvPr/>
         </p:nvCxnSpPr>
         <p:spPr>
           <a:xfrm flipH="1" flipV="1">
-            <a:off x="4016160" y="3285000"/>
-            <a:ext cx="1368000" cy="989640"/>
+            <a:off x="4015800" y="3284640"/>
+            <a:ext cx="1368360" cy="990000"/>
           </a:xfrm>
           <a:prstGeom prst="straightConnector1">
             <a:avLst/>
@@ -10126,10 +10071,10 @@
       </p:cxnSp>
       <p:cxnSp>
         <p:nvCxnSpPr>
-          <p:cNvPr id="151" name="Straight Arrow Connector 18"/>
+          <p:cNvPr id="150" name="Straight Arrow Connector 18"/>
           <p:cNvCxnSpPr>
-            <a:stCxn id="149" idx="0"/>
-            <a:endCxn id="144" idx="2"/>
+            <a:stCxn id="148" idx="0"/>
+            <a:endCxn id="143" idx="2"/>
           </p:cNvCxnSpPr>
           <p:nvPr/>
         </p:nvCxnSpPr>
@@ -10151,17 +10096,17 @@
       </p:cxnSp>
       <p:cxnSp>
         <p:nvCxnSpPr>
-          <p:cNvPr id="152" name="Straight Arrow Connector 17"/>
+          <p:cNvPr id="151" name="Straight Arrow Connector 17"/>
           <p:cNvCxnSpPr>
-            <a:stCxn id="145" idx="0"/>
-            <a:endCxn id="149" idx="2"/>
+            <a:stCxn id="144" idx="0"/>
+            <a:endCxn id="148" idx="2"/>
           </p:cNvCxnSpPr>
           <p:nvPr/>
         </p:nvCxnSpPr>
         <p:spPr>
           <a:xfrm flipV="1">
-            <a:off x="5383800" y="2971800"/>
-            <a:ext cx="118440" cy="1302840"/>
+            <a:off x="5383800" y="2971440"/>
+            <a:ext cx="118440" cy="1303200"/>
           </a:xfrm>
           <a:prstGeom prst="straightConnector1">
             <a:avLst/>
@@ -10176,17 +10121,17 @@
       </p:cxnSp>
       <p:cxnSp>
         <p:nvCxnSpPr>
-          <p:cNvPr id="153" name="Straight Arrow Connector 23"/>
+          <p:cNvPr id="152" name="Straight Arrow Connector 23"/>
           <p:cNvCxnSpPr>
-            <a:stCxn id="144" idx="2"/>
-            <a:endCxn id="148" idx="0"/>
+            <a:stCxn id="143" idx="2"/>
+            <a:endCxn id="147" idx="0"/>
           </p:cNvCxnSpPr>
           <p:nvPr/>
         </p:nvCxnSpPr>
         <p:spPr>
           <a:xfrm flipH="1">
-            <a:off x="4016160" y="1448640"/>
-            <a:ext cx="1571040" cy="1451520"/>
+            <a:off x="4015800" y="1448640"/>
+            <a:ext cx="1571400" cy="1451520"/>
           </a:xfrm>
           <a:prstGeom prst="straightConnector1">
             <a:avLst/>
@@ -10201,14 +10146,14 @@
       </p:cxnSp>
       <p:sp>
         <p:nvSpPr>
-          <p:cNvPr id="154" name="Diamond 11"/>
+          <p:cNvPr id="153" name="Diamond 11"/>
           <p:cNvSpPr/>
           <p:nvPr/>
         </p:nvSpPr>
         <p:spPr>
           <a:xfrm>
             <a:off x="2743200" y="457200"/>
-            <a:ext cx="1569240" cy="385200"/>
+            <a:ext cx="1568880" cy="384840"/>
           </a:xfrm>
           <a:prstGeom prst="diamond">
             <a:avLst/>
@@ -10266,17 +10211,17 @@
       </p:sp>
       <p:cxnSp>
         <p:nvCxnSpPr>
-          <p:cNvPr id="155" name="Straight Arrow Connector 25"/>
+          <p:cNvPr id="154" name="Straight Arrow Connector 25"/>
           <p:cNvCxnSpPr>
-            <a:stCxn id="144" idx="1"/>
-            <a:endCxn id="154" idx="3"/>
+            <a:stCxn id="143" idx="1"/>
+            <a:endCxn id="153" idx="3"/>
           </p:cNvCxnSpPr>
           <p:nvPr/>
         </p:nvCxnSpPr>
         <p:spPr>
           <a:xfrm flipH="1" flipV="1">
-            <a:off x="4312440" y="649800"/>
-            <a:ext cx="462960" cy="434160"/>
+            <a:off x="4312080" y="649800"/>
+            <a:ext cx="463320" cy="434160"/>
           </a:xfrm>
           <a:prstGeom prst="straightConnector1">
             <a:avLst/>
@@ -10291,17 +10236,17 @@
       </p:cxnSp>
       <p:cxnSp>
         <p:nvCxnSpPr>
-          <p:cNvPr id="156" name="Straight Arrow Connector 26"/>
+          <p:cNvPr id="155" name="Straight Arrow Connector 26"/>
           <p:cNvCxnSpPr>
-            <a:stCxn id="144" idx="1"/>
-            <a:endCxn id="154" idx="2"/>
+            <a:stCxn id="143" idx="1"/>
+            <a:endCxn id="153" idx="2"/>
           </p:cNvCxnSpPr>
           <p:nvPr/>
         </p:nvCxnSpPr>
         <p:spPr>
           <a:xfrm flipH="1" flipV="1">
-            <a:off x="3528000" y="842400"/>
-            <a:ext cx="1247400" cy="241560"/>
+            <a:off x="3527640" y="842040"/>
+            <a:ext cx="1247760" cy="241920"/>
           </a:xfrm>
           <a:prstGeom prst="straightConnector1">
             <a:avLst/>
@@ -10316,28 +10261,28 @@
       </p:cxnSp>
       <p:grpSp>
         <p:nvGrpSpPr>
-          <p:cNvPr id="157" name="Group 7"/>
+          <p:cNvPr id="156" name="Group 7"/>
           <p:cNvGrpSpPr/>
           <p:nvPr/>
         </p:nvGrpSpPr>
         <p:grpSpPr>
           <a:xfrm>
             <a:off x="8686800" y="837360"/>
-            <a:ext cx="1623960" cy="991440"/>
+            <a:ext cx="1623600" cy="991440"/>
             <a:chOff x="8686800" y="837360"/>
-            <a:chExt cx="1623960" cy="991440"/>
+            <a:chExt cx="1623600" cy="991440"/>
           </a:xfrm>
         </p:grpSpPr>
         <p:sp>
           <p:nvSpPr>
-            <p:cNvPr id="158" name="TextBox 31"/>
+            <p:cNvPr id="157" name="TextBox 31"/>
             <p:cNvSpPr/>
             <p:nvPr/>
           </p:nvSpPr>
           <p:spPr>
             <a:xfrm>
               <a:off x="8686800" y="837360"/>
-              <a:ext cx="1623960" cy="303120"/>
+              <a:ext cx="1623600" cy="303120"/>
             </a:xfrm>
             <a:prstGeom prst="rect">
               <a:avLst/>
@@ -10387,14 +10332,14 @@
         </p:sp>
         <p:sp>
           <p:nvSpPr>
-            <p:cNvPr id="159" name="TextBox 32"/>
+            <p:cNvPr id="158" name="TextBox 32"/>
             <p:cNvSpPr/>
             <p:nvPr/>
           </p:nvSpPr>
           <p:spPr>
             <a:xfrm>
               <a:off x="8686800" y="1098720"/>
-              <a:ext cx="1623960" cy="730080"/>
+              <a:ext cx="1623600" cy="730080"/>
             </a:xfrm>
             <a:prstGeom prst="rect">
               <a:avLst/>
@@ -10505,14 +10450,14 @@
       </p:grpSp>
       <p:sp>
         <p:nvSpPr>
-          <p:cNvPr id="160" name="Diamond 12"/>
+          <p:cNvPr id="159" name="Diamond 12"/>
           <p:cNvSpPr/>
           <p:nvPr/>
         </p:nvSpPr>
         <p:spPr>
           <a:xfrm>
             <a:off x="128880" y="6134040"/>
-            <a:ext cx="1569240" cy="385200"/>
+            <a:ext cx="1568880" cy="384840"/>
           </a:xfrm>
           <a:prstGeom prst="diamond">
             <a:avLst/>
@@ -10570,14 +10515,14 @@
       </p:sp>
       <p:sp>
         <p:nvSpPr>
-          <p:cNvPr id="161" name="Diamond 13"/>
+          <p:cNvPr id="160" name="Diamond 13"/>
           <p:cNvSpPr/>
           <p:nvPr/>
         </p:nvSpPr>
         <p:spPr>
           <a:xfrm>
             <a:off x="7315200" y="228600"/>
-            <a:ext cx="1569240" cy="385200"/>
+            <a:ext cx="1568880" cy="384840"/>
           </a:xfrm>
           <a:prstGeom prst="diamond">
             <a:avLst/>
@@ -10635,14 +10580,14 @@
       </p:sp>
       <p:cxnSp>
         <p:nvCxnSpPr>
-          <p:cNvPr id="162" name="Straight Arrow Connector 27"/>
+          <p:cNvPr id="161" name="Straight Arrow Connector 27"/>
           <p:cNvCxnSpPr/>
           <p:nvPr/>
         </p:nvCxnSpPr>
         <p:spPr>
           <a:xfrm>
             <a:off x="360" y="3366000"/>
-            <a:ext cx="1831320" cy="2520"/>
+            <a:ext cx="1831680" cy="2880"/>
           </a:xfrm>
           <a:prstGeom prst="straightConnector1">
             <a:avLst/>
@@ -10657,17 +10602,17 @@
       </p:cxnSp>
       <p:cxnSp>
         <p:nvCxnSpPr>
-          <p:cNvPr id="163" name="Straight Arrow Connector 28"/>
+          <p:cNvPr id="162" name="Straight Arrow Connector 28"/>
           <p:cNvCxnSpPr>
-            <a:stCxn id="161" idx="1"/>
-            <a:endCxn id="144" idx="3"/>
+            <a:stCxn id="160" idx="1"/>
+            <a:endCxn id="143" idx="3"/>
           </p:cNvCxnSpPr>
           <p:nvPr/>
         </p:nvCxnSpPr>
         <p:spPr>
           <a:xfrm flipH="1">
-            <a:off x="6399000" y="421200"/>
-            <a:ext cx="916560" cy="662760"/>
+            <a:off x="6398640" y="421200"/>
+            <a:ext cx="916920" cy="662760"/>
           </a:xfrm>
           <a:prstGeom prst="straightConnector1">
             <a:avLst/>
@@ -10682,14 +10627,14 @@
       </p:cxnSp>
       <p:sp>
         <p:nvSpPr>
-          <p:cNvPr id="164" name="Diamond 14"/>
+          <p:cNvPr id="163" name="Diamond 14"/>
           <p:cNvSpPr/>
           <p:nvPr/>
         </p:nvSpPr>
         <p:spPr>
           <a:xfrm>
             <a:off x="6629400" y="1442160"/>
-            <a:ext cx="1828440" cy="614880"/>
+            <a:ext cx="1828080" cy="614520"/>
           </a:xfrm>
           <a:prstGeom prst="diamond">
             <a:avLst/>
@@ -10747,17 +10692,17 @@
       </p:sp>
       <p:cxnSp>
         <p:nvCxnSpPr>
-          <p:cNvPr id="165" name="Straight Arrow Connector 30"/>
+          <p:cNvPr id="164" name="Straight Arrow Connector 30"/>
           <p:cNvCxnSpPr>
-            <a:stCxn id="157" idx="0"/>
-            <a:endCxn id="161" idx="3"/>
+            <a:stCxn id="156" idx="0"/>
+            <a:endCxn id="160" idx="3"/>
           </p:cNvCxnSpPr>
           <p:nvPr/>
         </p:nvCxnSpPr>
         <p:spPr>
           <a:xfrm flipH="1" flipV="1">
-            <a:off x="8884440" y="421200"/>
-            <a:ext cx="614520" cy="416520"/>
+            <a:off x="8884080" y="421200"/>
+            <a:ext cx="614880" cy="416520"/>
           </a:xfrm>
           <a:prstGeom prst="straightConnector1">
             <a:avLst/>
@@ -10773,14 +10718,14 @@
       </p:cxnSp>
       <p:sp>
         <p:nvSpPr>
-          <p:cNvPr id="166" name="Diamond 15"/>
+          <p:cNvPr id="165" name="Diamond 15"/>
           <p:cNvSpPr/>
           <p:nvPr/>
         </p:nvSpPr>
         <p:spPr>
           <a:xfrm>
             <a:off x="6629400" y="2514600"/>
-            <a:ext cx="1569240" cy="385200"/>
+            <a:ext cx="1568880" cy="384840"/>
           </a:xfrm>
           <a:prstGeom prst="diamond">
             <a:avLst/>
@@ -10838,17 +10783,17 @@
       </p:sp>
       <p:cxnSp>
         <p:nvCxnSpPr>
-          <p:cNvPr id="167" name="Straight Arrow Connector 32"/>
+          <p:cNvPr id="166" name="Straight Arrow Connector 32"/>
           <p:cNvCxnSpPr>
-            <a:stCxn id="157" idx="2"/>
-            <a:endCxn id="166" idx="3"/>
+            <a:stCxn id="156" idx="2"/>
+            <a:endCxn id="165" idx="3"/>
           </p:cNvCxnSpPr>
           <p:nvPr/>
         </p:nvCxnSpPr>
         <p:spPr>
           <a:xfrm flipH="1">
-            <a:off x="8198640" y="1828800"/>
-            <a:ext cx="1300320" cy="878760"/>
+            <a:off x="8198280" y="1828800"/>
+            <a:ext cx="1300680" cy="878760"/>
           </a:xfrm>
           <a:prstGeom prst="straightConnector1">
             <a:avLst/>
@@ -10863,17 +10808,17 @@
       </p:cxnSp>
       <p:cxnSp>
         <p:nvCxnSpPr>
-          <p:cNvPr id="168" name="Straight Arrow Connector 33"/>
+          <p:cNvPr id="167" name="Straight Arrow Connector 33"/>
           <p:cNvCxnSpPr>
-            <a:stCxn id="166" idx="1"/>
-            <a:endCxn id="145" idx="3"/>
+            <a:stCxn id="165" idx="1"/>
+            <a:endCxn id="144" idx="3"/>
           </p:cNvCxnSpPr>
           <p:nvPr/>
         </p:nvCxnSpPr>
         <p:spPr>
           <a:xfrm flipH="1">
-            <a:off x="6195960" y="2707200"/>
-            <a:ext cx="433800" cy="2063160"/>
+            <a:off x="6195600" y="2707200"/>
+            <a:ext cx="434160" cy="2063160"/>
           </a:xfrm>
           <a:prstGeom prst="straightConnector1">
             <a:avLst/>
@@ -10888,17 +10833,17 @@
       </p:cxnSp>
       <p:cxnSp>
         <p:nvCxnSpPr>
-          <p:cNvPr id="169" name="Straight Arrow Connector 34"/>
+          <p:cNvPr id="168" name="Straight Arrow Connector 34"/>
           <p:cNvCxnSpPr>
-            <a:stCxn id="157" idx="1"/>
-            <a:endCxn id="164" idx="3"/>
+            <a:stCxn id="156" idx="1"/>
+            <a:endCxn id="163" idx="3"/>
           </p:cNvCxnSpPr>
           <p:nvPr/>
         </p:nvCxnSpPr>
         <p:spPr>
           <a:xfrm flipH="1">
-            <a:off x="8457840" y="1333080"/>
-            <a:ext cx="229320" cy="416880"/>
+            <a:off x="8457480" y="1333080"/>
+            <a:ext cx="229680" cy="416880"/>
           </a:xfrm>
           <a:prstGeom prst="straightConnector1">
             <a:avLst/>
@@ -10913,10 +10858,10 @@
       </p:cxnSp>
       <p:cxnSp>
         <p:nvCxnSpPr>
-          <p:cNvPr id="170" name="Straight Arrow Connector 31"/>
+          <p:cNvPr id="169" name="Straight Arrow Connector 31"/>
           <p:cNvCxnSpPr>
-            <a:stCxn id="164" idx="1"/>
-            <a:endCxn id="144" idx="2"/>
+            <a:stCxn id="163" idx="1"/>
+            <a:endCxn id="143" idx="2"/>
           </p:cNvCxnSpPr>
           <p:nvPr/>
         </p:nvCxnSpPr>
@@ -10938,28 +10883,28 @@
       </p:cxnSp>
       <p:grpSp>
         <p:nvGrpSpPr>
-          <p:cNvPr id="171" name="Group 9"/>
+          <p:cNvPr id="170" name="Group 9"/>
           <p:cNvGrpSpPr/>
           <p:nvPr/>
         </p:nvGrpSpPr>
         <p:grpSpPr>
           <a:xfrm>
             <a:off x="9576000" y="4343400"/>
-            <a:ext cx="1623960" cy="564480"/>
+            <a:ext cx="1623600" cy="564120"/>
             <a:chOff x="9576000" y="4343400"/>
-            <a:chExt cx="1623960" cy="564480"/>
+            <a:chExt cx="1623600" cy="564120"/>
           </a:xfrm>
         </p:grpSpPr>
         <p:sp>
           <p:nvSpPr>
-            <p:cNvPr id="172" name="TextBox 47"/>
+            <p:cNvPr id="171" name="TextBox 47"/>
             <p:cNvSpPr/>
             <p:nvPr/>
           </p:nvSpPr>
           <p:spPr>
             <a:xfrm>
               <a:off x="9576000" y="4343400"/>
-              <a:ext cx="1623960" cy="303120"/>
+              <a:ext cx="1623600" cy="303120"/>
             </a:xfrm>
             <a:prstGeom prst="rect">
               <a:avLst/>
@@ -11009,14 +10954,14 @@
         </p:sp>
         <p:sp>
           <p:nvSpPr>
-            <p:cNvPr id="173" name="TextBox 48"/>
+            <p:cNvPr id="172" name="TextBox 48"/>
             <p:cNvSpPr/>
             <p:nvPr/>
           </p:nvSpPr>
           <p:spPr>
             <a:xfrm>
               <a:off x="9576000" y="4604760"/>
-              <a:ext cx="1623960" cy="303120"/>
+              <a:ext cx="1623600" cy="302760"/>
             </a:xfrm>
             <a:prstGeom prst="rect">
               <a:avLst/>
@@ -11041,15 +10986,10 @@
               <a:spAutoFit/>
             </a:bodyPr>
             <a:p>
-              <a:pPr marL="304920" indent="-304920" defTabSz="914400">
+              <a:pPr defTabSz="914400">
                 <a:lnSpc>
                   <a:spcPct val="100000"/>
                 </a:lnSpc>
-                <a:buClr>
-                  <a:srgbClr val="000000"/>
-                </a:buClr>
-                <a:buFont typeface="OpenSymbol"/>
-                <a:buChar char="-"/>
               </a:pPr>
               <a:endParaRPr b="0" lang="en-US" sz="1800" spc="-1" strike="noStrike">
                 <a:solidFill>
@@ -11063,28 +11003,28 @@
       </p:grpSp>
       <p:grpSp>
         <p:nvGrpSpPr>
-          <p:cNvPr id="174" name="Group 11"/>
+          <p:cNvPr id="173" name="Group 11"/>
           <p:cNvGrpSpPr/>
           <p:nvPr/>
         </p:nvGrpSpPr>
         <p:grpSpPr>
           <a:xfrm>
             <a:off x="101160" y="336240"/>
-            <a:ext cx="1623960" cy="777960"/>
+            <a:ext cx="1623600" cy="777960"/>
             <a:chOff x="101160" y="336240"/>
-            <a:chExt cx="1623960" cy="777960"/>
+            <a:chExt cx="1623600" cy="777960"/>
           </a:xfrm>
         </p:grpSpPr>
         <p:sp>
           <p:nvSpPr>
-            <p:cNvPr id="175" name="TextBox 51"/>
+            <p:cNvPr id="174" name="TextBox 51"/>
             <p:cNvSpPr/>
             <p:nvPr/>
           </p:nvSpPr>
           <p:spPr>
             <a:xfrm>
               <a:off x="101160" y="336240"/>
-              <a:ext cx="1623960" cy="303120"/>
+              <a:ext cx="1623600" cy="303120"/>
             </a:xfrm>
             <a:prstGeom prst="rect">
               <a:avLst/>
@@ -11134,14 +11074,14 @@
         </p:sp>
         <p:sp>
           <p:nvSpPr>
-            <p:cNvPr id="176" name="TextBox 52"/>
+            <p:cNvPr id="175" name="TextBox 52"/>
             <p:cNvSpPr/>
             <p:nvPr/>
           </p:nvSpPr>
           <p:spPr>
             <a:xfrm>
               <a:off x="101160" y="597600"/>
-              <a:ext cx="1623960" cy="516600"/>
+              <a:ext cx="1623600" cy="516600"/>
             </a:xfrm>
             <a:prstGeom prst="rect">
               <a:avLst/>
@@ -11225,28 +11165,28 @@
       </p:grpSp>
       <p:grpSp>
         <p:nvGrpSpPr>
-          <p:cNvPr id="177" name="Group 14"/>
+          <p:cNvPr id="176" name="Group 14"/>
           <p:cNvGrpSpPr/>
           <p:nvPr/>
         </p:nvGrpSpPr>
         <p:grpSpPr>
           <a:xfrm>
             <a:off x="7214400" y="4359960"/>
-            <a:ext cx="1623960" cy="564120"/>
+            <a:ext cx="1623600" cy="563760"/>
             <a:chOff x="7214400" y="4359960"/>
-            <a:chExt cx="1623960" cy="564120"/>
+            <a:chExt cx="1623600" cy="563760"/>
           </a:xfrm>
         </p:grpSpPr>
         <p:sp>
           <p:nvSpPr>
-            <p:cNvPr id="178" name="TextBox 55"/>
+            <p:cNvPr id="177" name="TextBox 55"/>
             <p:cNvSpPr/>
             <p:nvPr/>
           </p:nvSpPr>
           <p:spPr>
             <a:xfrm>
               <a:off x="7214400" y="4359960"/>
-              <a:ext cx="1623960" cy="303120"/>
+              <a:ext cx="1623600" cy="303120"/>
             </a:xfrm>
             <a:prstGeom prst="rect">
               <a:avLst/>
@@ -11296,14 +11236,14 @@
         </p:sp>
         <p:sp>
           <p:nvSpPr>
-            <p:cNvPr id="179" name="TextBox 56"/>
+            <p:cNvPr id="178" name="TextBox 56"/>
             <p:cNvSpPr/>
             <p:nvPr/>
           </p:nvSpPr>
           <p:spPr>
             <a:xfrm>
               <a:off x="7214400" y="4621320"/>
-              <a:ext cx="1623960" cy="302760"/>
+              <a:ext cx="1623600" cy="302400"/>
             </a:xfrm>
             <a:prstGeom prst="rect">
               <a:avLst/>
@@ -11345,14 +11285,14 @@
       </p:grpSp>
       <p:sp>
         <p:nvSpPr>
-          <p:cNvPr id="180" name="Isosceles Triangle 6"/>
+          <p:cNvPr id="179" name="Isosceles Triangle 6"/>
           <p:cNvSpPr/>
           <p:nvPr/>
         </p:nvSpPr>
         <p:spPr>
           <a:xfrm>
             <a:off x="9144000" y="2057400"/>
-            <a:ext cx="480240" cy="385200"/>
+            <a:ext cx="479880" cy="384840"/>
           </a:xfrm>
           <a:prstGeom prst="triangle">
             <a:avLst>
@@ -11412,16 +11352,16 @@
       </p:sp>
       <p:cxnSp>
         <p:nvCxnSpPr>
-          <p:cNvPr id="181" name="Straight Arrow Connector 51"/>
+          <p:cNvPr id="180" name="Straight Arrow Connector 51"/>
           <p:cNvCxnSpPr>
-            <a:stCxn id="182" idx="3"/>
+            <a:stCxn id="181" idx="3"/>
           </p:cNvCxnSpPr>
           <p:nvPr/>
         </p:nvCxnSpPr>
         <p:spPr>
           <a:xfrm flipH="1">
-            <a:off x="8026200" y="4114440"/>
-            <a:ext cx="1435680" cy="245880"/>
+            <a:off x="8026200" y="4114080"/>
+            <a:ext cx="1435680" cy="246600"/>
           </a:xfrm>
           <a:prstGeom prst="straightConnector1">
             <a:avLst/>
@@ -11436,17 +11376,17 @@
       </p:cxnSp>
       <p:cxnSp>
         <p:nvCxnSpPr>
-          <p:cNvPr id="183" name="Straight Arrow Connector 53"/>
+          <p:cNvPr id="182" name="Straight Arrow Connector 53"/>
           <p:cNvCxnSpPr>
-            <a:stCxn id="171" idx="0"/>
-            <a:endCxn id="182" idx="3"/>
+            <a:stCxn id="170" idx="0"/>
+            <a:endCxn id="181" idx="3"/>
           </p:cNvCxnSpPr>
           <p:nvPr/>
         </p:nvCxnSpPr>
         <p:spPr>
           <a:xfrm flipH="1" flipV="1">
-            <a:off x="9461520" y="4114440"/>
-            <a:ext cx="926640" cy="229320"/>
+            <a:off x="9461520" y="4114080"/>
+            <a:ext cx="926640" cy="229680"/>
           </a:xfrm>
           <a:prstGeom prst="straightConnector1">
             <a:avLst/>
@@ -11461,17 +11401,16 @@
       </p:cxnSp>
       <p:cxnSp>
         <p:nvCxnSpPr>
-          <p:cNvPr id="184" name="Straight Arrow Connector 54"/>
+          <p:cNvPr id="183" name="Straight Arrow Connector 54"/>
           <p:cNvCxnSpPr>
-            <a:stCxn id="180" idx="3"/>
-            <a:endCxn id="185" idx="0"/>
+            <a:stCxn id="179" idx="3"/>
           </p:cNvCxnSpPr>
           <p:nvPr/>
         </p:nvCxnSpPr>
         <p:spPr>
           <a:xfrm flipH="1">
-            <a:off x="9346320" y="2442600"/>
-            <a:ext cx="38160" cy="437400"/>
+            <a:off x="9346320" y="2442240"/>
+            <a:ext cx="38160" cy="438120"/>
           </a:xfrm>
           <a:prstGeom prst="straightConnector1">
             <a:avLst/>
@@ -11486,10 +11425,10 @@
       </p:cxnSp>
       <p:cxnSp>
         <p:nvCxnSpPr>
-          <p:cNvPr id="186" name="Straight Arrow Connector 55"/>
+          <p:cNvPr id="184" name="Straight Arrow Connector 55"/>
           <p:cNvCxnSpPr>
-            <a:stCxn id="157" idx="2"/>
-            <a:endCxn id="180" idx="0"/>
+            <a:stCxn id="156" idx="2"/>
+            <a:endCxn id="179" idx="0"/>
           </p:cNvCxnSpPr>
           <p:nvPr/>
         </p:nvCxnSpPr>
@@ -11511,14 +11450,14 @@
       </p:cxnSp>
       <p:sp>
         <p:nvSpPr>
-          <p:cNvPr id="187" name="TextBox 73"/>
+          <p:cNvPr id="185" name="TextBox 73"/>
           <p:cNvSpPr/>
           <p:nvPr/>
         </p:nvSpPr>
         <p:spPr>
           <a:xfrm>
             <a:off x="7543800" y="5715000"/>
-            <a:ext cx="1623960" cy="303120"/>
+            <a:ext cx="1623600" cy="303120"/>
           </a:xfrm>
           <a:prstGeom prst="rect">
             <a:avLst/>
@@ -11568,14 +11507,14 @@
       </p:sp>
       <p:sp>
         <p:nvSpPr>
-          <p:cNvPr id="188" name="Diamond 21"/>
+          <p:cNvPr id="186" name="Diamond 21"/>
           <p:cNvSpPr/>
           <p:nvPr/>
         </p:nvSpPr>
         <p:spPr>
           <a:xfrm>
             <a:off x="7214400" y="5183280"/>
-            <a:ext cx="1827360" cy="385200"/>
+            <a:ext cx="1827000" cy="384840"/>
           </a:xfrm>
           <a:prstGeom prst="diamond">
             <a:avLst/>
@@ -11633,14 +11572,14 @@
       </p:sp>
       <p:cxnSp>
         <p:nvCxnSpPr>
-          <p:cNvPr id="189" name="Straight Arrow Connector 56"/>
+          <p:cNvPr id="187" name="Straight Arrow Connector 56"/>
           <p:cNvCxnSpPr/>
           <p:nvPr/>
         </p:nvCxnSpPr>
         <p:spPr>
           <a:xfrm flipH="1">
             <a:off x="0" y="3657600"/>
-            <a:ext cx="1831320" cy="2520"/>
+            <a:ext cx="1831680" cy="2880"/>
           </a:xfrm>
           <a:prstGeom prst="straightConnector1">
             <a:avLst/>
@@ -11655,28 +11594,28 @@
       </p:cxnSp>
       <p:grpSp>
         <p:nvGrpSpPr>
-          <p:cNvPr id="190" name="Group 12"/>
+          <p:cNvPr id="188" name="Group 12"/>
           <p:cNvGrpSpPr/>
           <p:nvPr/>
         </p:nvGrpSpPr>
         <p:grpSpPr>
           <a:xfrm>
             <a:off x="8534520" y="2879640"/>
-            <a:ext cx="1623960" cy="564840"/>
+            <a:ext cx="1623600" cy="564480"/>
             <a:chOff x="8534520" y="2879640"/>
-            <a:chExt cx="1623960" cy="564840"/>
+            <a:chExt cx="1623600" cy="564480"/>
           </a:xfrm>
         </p:grpSpPr>
         <p:sp>
           <p:nvSpPr>
-            <p:cNvPr id="191" name="TextBox 23"/>
+            <p:cNvPr id="189" name="TextBox 23"/>
             <p:cNvSpPr/>
             <p:nvPr/>
           </p:nvSpPr>
           <p:spPr>
             <a:xfrm>
               <a:off x="8534520" y="2879640"/>
-              <a:ext cx="1623960" cy="303120"/>
+              <a:ext cx="1623600" cy="303120"/>
             </a:xfrm>
             <a:prstGeom prst="rect">
               <a:avLst/>
@@ -11726,14 +11665,14 @@
         </p:sp>
         <p:sp>
           <p:nvSpPr>
-            <p:cNvPr id="192" name="TextBox 24"/>
+            <p:cNvPr id="190" name="TextBox 24"/>
             <p:cNvSpPr/>
             <p:nvPr/>
           </p:nvSpPr>
           <p:spPr>
             <a:xfrm>
               <a:off x="8534520" y="3141000"/>
-              <a:ext cx="1623960" cy="303480"/>
+              <a:ext cx="1623600" cy="303120"/>
             </a:xfrm>
             <a:prstGeom prst="rect">
               <a:avLst/>
@@ -11775,28 +11714,28 @@
       </p:grpSp>
       <p:grpSp>
         <p:nvGrpSpPr>
-          <p:cNvPr id="193" name="Group 16"/>
+          <p:cNvPr id="191" name="Group 16"/>
           <p:cNvGrpSpPr/>
           <p:nvPr/>
         </p:nvGrpSpPr>
         <p:grpSpPr>
           <a:xfrm>
             <a:off x="8534520" y="2879640"/>
-            <a:ext cx="1623960" cy="564480"/>
+            <a:ext cx="1623600" cy="564480"/>
             <a:chOff x="8534520" y="2879640"/>
-            <a:chExt cx="1623960" cy="564480"/>
+            <a:chExt cx="1623600" cy="564480"/>
           </a:xfrm>
         </p:grpSpPr>
         <p:sp>
           <p:nvSpPr>
-            <p:cNvPr id="194" name="TextBox 40"/>
+            <p:cNvPr id="192" name="TextBox 40"/>
             <p:cNvSpPr/>
             <p:nvPr/>
           </p:nvSpPr>
           <p:spPr>
             <a:xfrm>
               <a:off x="8534520" y="2879640"/>
-              <a:ext cx="1623960" cy="303120"/>
+              <a:ext cx="1623600" cy="303120"/>
             </a:xfrm>
             <a:prstGeom prst="rect">
               <a:avLst/>
@@ -11846,14 +11785,14 @@
         </p:sp>
         <p:sp>
           <p:nvSpPr>
-            <p:cNvPr id="195" name="TextBox 59"/>
+            <p:cNvPr id="193" name="TextBox 59"/>
             <p:cNvSpPr/>
             <p:nvPr/>
           </p:nvSpPr>
           <p:spPr>
             <a:xfrm>
               <a:off x="8534520" y="3141000"/>
-              <a:ext cx="1623960" cy="303120"/>
+              <a:ext cx="1623600" cy="303120"/>
             </a:xfrm>
             <a:prstGeom prst="rect">
               <a:avLst/>
@@ -11909,14 +11848,14 @@
       </p:grpSp>
       <p:sp>
         <p:nvSpPr>
-          <p:cNvPr id="182" name="Isosceles Triangle 7"/>
+          <p:cNvPr id="181" name="Isosceles Triangle 7"/>
           <p:cNvSpPr/>
           <p:nvPr/>
         </p:nvSpPr>
         <p:spPr>
           <a:xfrm>
             <a:off x="9221400" y="3729240"/>
-            <a:ext cx="480240" cy="385200"/>
+            <a:ext cx="479880" cy="384840"/>
           </a:xfrm>
           <a:prstGeom prst="triangle">
             <a:avLst>
@@ -11976,10 +11915,10 @@
       </p:sp>
       <p:cxnSp>
         <p:nvCxnSpPr>
-          <p:cNvPr id="196" name="Straight Arrow Connector 80"/>
+          <p:cNvPr id="194" name="Straight Arrow Connector 80"/>
           <p:cNvCxnSpPr>
-            <a:stCxn id="193" idx="2"/>
-            <a:endCxn id="182" idx="0"/>
+            <a:stCxn id="191" idx="2"/>
+            <a:endCxn id="181" idx="0"/>
           </p:cNvCxnSpPr>
           <p:nvPr/>
         </p:nvCxnSpPr>
@@ -12001,14 +11940,14 @@
       </p:cxnSp>
       <p:cxnSp>
         <p:nvCxnSpPr>
-          <p:cNvPr id="197" name="Straight Arrow Connector 52"/>
+          <p:cNvPr id="195" name="Straight Arrow Connector 52"/>
           <p:cNvCxnSpPr/>
           <p:nvPr/>
         </p:nvCxnSpPr>
         <p:spPr>
           <a:xfrm>
             <a:off x="8556840" y="3657600"/>
-            <a:ext cx="1831320" cy="2520"/>
+            <a:ext cx="1831680" cy="2880"/>
           </a:xfrm>
           <a:prstGeom prst="straightConnector1">
             <a:avLst/>
@@ -12024,14 +11963,14 @@
       </p:cxnSp>
       <p:sp>
         <p:nvSpPr>
-          <p:cNvPr id="198" name=""/>
+          <p:cNvPr id="196" name=""/>
           <p:cNvSpPr/>
           <p:nvPr/>
         </p:nvSpPr>
         <p:spPr>
           <a:xfrm>
             <a:off x="9601200" y="3382920"/>
-            <a:ext cx="914040" cy="345960"/>
+            <a:ext cx="913680" cy="345600"/>
           </a:xfrm>
           <a:prstGeom prst="rect">
             <a:avLst/>
@@ -12077,14 +12016,14 @@
       </p:sp>
       <p:sp>
         <p:nvSpPr>
-          <p:cNvPr id="199" name="TextBox 49"/>
+          <p:cNvPr id="197" name="TextBox 49"/>
           <p:cNvSpPr/>
           <p:nvPr/>
         </p:nvSpPr>
         <p:spPr>
           <a:xfrm>
             <a:off x="2057400" y="2132280"/>
-            <a:ext cx="1623960" cy="303120"/>
+            <a:ext cx="1623600" cy="303120"/>
           </a:xfrm>
           <a:prstGeom prst="rect">
             <a:avLst/>
@@ -12134,14 +12073,14 @@
       </p:sp>
       <p:sp>
         <p:nvSpPr>
-          <p:cNvPr id="200" name="TextBox 50"/>
+          <p:cNvPr id="198" name="TextBox 50"/>
           <p:cNvSpPr/>
           <p:nvPr/>
         </p:nvSpPr>
         <p:spPr>
           <a:xfrm>
             <a:off x="2057400" y="2393640"/>
-            <a:ext cx="1623960" cy="195480"/>
+            <a:ext cx="1623600" cy="195120"/>
           </a:xfrm>
           <a:prstGeom prst="rect">
             <a:avLst/>
@@ -12182,14 +12121,14 @@
       </p:sp>
       <p:sp>
         <p:nvSpPr>
-          <p:cNvPr id="201" name="Isosceles Triangle 8"/>
+          <p:cNvPr id="199" name="Isosceles Triangle 8"/>
           <p:cNvSpPr/>
           <p:nvPr/>
         </p:nvSpPr>
         <p:spPr>
           <a:xfrm>
             <a:off x="2613960" y="1217880"/>
-            <a:ext cx="480240" cy="385200"/>
+            <a:ext cx="479880" cy="384840"/>
           </a:xfrm>
           <a:prstGeom prst="triangle">
             <a:avLst>
@@ -12249,17 +12188,17 @@
       </p:sp>
       <p:cxnSp>
         <p:nvCxnSpPr>
-          <p:cNvPr id="202" name="Straight Arrow Connector 81"/>
+          <p:cNvPr id="200" name="Straight Arrow Connector 81"/>
           <p:cNvCxnSpPr>
-            <a:stCxn id="201" idx="3"/>
-            <a:endCxn id="199" idx="0"/>
+            <a:stCxn id="199" idx="3"/>
+            <a:endCxn id="197" idx="0"/>
           </p:cNvCxnSpPr>
           <p:nvPr/>
         </p:nvCxnSpPr>
         <p:spPr>
           <a:xfrm>
-            <a:off x="2854080" y="1603080"/>
-            <a:ext cx="15480" cy="529560"/>
+            <a:off x="2854080" y="1602720"/>
+            <a:ext cx="15480" cy="529920"/>
           </a:xfrm>
           <a:prstGeom prst="straightConnector1">
             <a:avLst/>
@@ -12274,10 +12213,10 @@
       </p:cxnSp>
       <p:cxnSp>
         <p:nvCxnSpPr>
-          <p:cNvPr id="203" name="Straight Arrow Connector 82"/>
+          <p:cNvPr id="201" name="Straight Arrow Connector 82"/>
           <p:cNvCxnSpPr>
-            <a:stCxn id="201" idx="0"/>
-            <a:endCxn id="144" idx="1"/>
+            <a:stCxn id="199" idx="0"/>
+            <a:endCxn id="143" idx="1"/>
           </p:cNvCxnSpPr>
           <p:nvPr/>
         </p:nvCxnSpPr>
@@ -12299,17 +12238,17 @@
       </p:cxnSp>
       <p:cxnSp>
         <p:nvCxnSpPr>
-          <p:cNvPr id="204" name="Straight Arrow Connector 83"/>
+          <p:cNvPr id="202" name="Straight Arrow Connector 83"/>
           <p:cNvCxnSpPr>
-            <a:stCxn id="177" idx="2"/>
-            <a:endCxn id="188" idx="0"/>
+            <a:stCxn id="176" idx="2"/>
+            <a:endCxn id="186" idx="0"/>
           </p:cNvCxnSpPr>
           <p:nvPr/>
         </p:nvCxnSpPr>
         <p:spPr>
           <a:xfrm>
-            <a:off x="8026200" y="4924080"/>
-            <a:ext cx="102240" cy="259560"/>
+            <a:off x="8026200" y="4923720"/>
+            <a:ext cx="102240" cy="259920"/>
           </a:xfrm>
           <a:prstGeom prst="straightConnector1">
             <a:avLst/>
@@ -12325,17 +12264,17 @@
       </p:cxnSp>
       <p:cxnSp>
         <p:nvCxnSpPr>
-          <p:cNvPr id="205" name="Straight Arrow Connector 57"/>
+          <p:cNvPr id="203" name="Straight Arrow Connector 57"/>
           <p:cNvCxnSpPr>
-            <a:stCxn id="188" idx="2"/>
-            <a:endCxn id="187" idx="0"/>
+            <a:stCxn id="186" idx="2"/>
+            <a:endCxn id="185" idx="0"/>
           </p:cNvCxnSpPr>
           <p:nvPr/>
         </p:nvCxnSpPr>
         <p:spPr>
           <a:xfrm>
-            <a:off x="8128080" y="5568480"/>
-            <a:ext cx="227880" cy="146880"/>
+            <a:off x="8128080" y="5568120"/>
+            <a:ext cx="227880" cy="147240"/>
           </a:xfrm>
           <a:prstGeom prst="straightConnector1">
             <a:avLst/>
@@ -12380,14 +12319,14 @@
       </p:grpSpPr>
       <p:cxnSp>
         <p:nvCxnSpPr>
-          <p:cNvPr id="206" name="Straight Arrow Connector 44"/>
+          <p:cNvPr id="204" name="Straight Arrow Connector 44"/>
           <p:cNvCxnSpPr/>
           <p:nvPr/>
         </p:nvCxnSpPr>
         <p:spPr>
           <a:xfrm flipH="1">
             <a:off x="0" y="3073320"/>
-            <a:ext cx="1831320" cy="2520"/>
+            <a:ext cx="1831680" cy="2880"/>
           </a:xfrm>
           <a:prstGeom prst="straightConnector1">
             <a:avLst/>
@@ -12403,14 +12342,14 @@
       </p:cxnSp>
       <p:cxnSp>
         <p:nvCxnSpPr>
-          <p:cNvPr id="207" name="Straight Arrow Connector 45"/>
+          <p:cNvPr id="205" name="Straight Arrow Connector 45"/>
           <p:cNvCxnSpPr/>
           <p:nvPr/>
         </p:nvCxnSpPr>
         <p:spPr>
           <a:xfrm>
             <a:off x="0" y="2489400"/>
-            <a:ext cx="1831320" cy="2520"/>
+            <a:ext cx="1831680" cy="2880"/>
           </a:xfrm>
           <a:prstGeom prst="straightConnector1">
             <a:avLst/>
@@ -12426,14 +12365,14 @@
       </p:cxnSp>
       <p:cxnSp>
         <p:nvCxnSpPr>
-          <p:cNvPr id="208" name="Straight Arrow Connector 46"/>
+          <p:cNvPr id="206" name="Straight Arrow Connector 46"/>
           <p:cNvCxnSpPr/>
           <p:nvPr/>
         </p:nvCxnSpPr>
         <p:spPr>
           <a:xfrm>
             <a:off x="0" y="2781360"/>
-            <a:ext cx="1831320" cy="2520"/>
+            <a:ext cx="1831680" cy="2880"/>
           </a:xfrm>
           <a:prstGeom prst="straightConnector1">
             <a:avLst/>
@@ -12449,14 +12388,14 @@
       </p:cxnSp>
       <p:cxnSp>
         <p:nvCxnSpPr>
-          <p:cNvPr id="209" name="Straight Arrow Connector 47"/>
+          <p:cNvPr id="207" name="Straight Arrow Connector 47"/>
           <p:cNvCxnSpPr/>
           <p:nvPr/>
         </p:nvCxnSpPr>
         <p:spPr>
           <a:xfrm flipH="1">
             <a:off x="0" y="3657600"/>
-            <a:ext cx="1831320" cy="2520"/>
+            <a:ext cx="1831680" cy="2880"/>
           </a:xfrm>
           <a:prstGeom prst="straightConnector1">
             <a:avLst/>
@@ -12471,14 +12410,14 @@
       </p:cxnSp>
       <p:sp>
         <p:nvSpPr>
-          <p:cNvPr id="210" name="Diamond 17"/>
+          <p:cNvPr id="208" name="Diamond 17"/>
           <p:cNvSpPr/>
           <p:nvPr/>
         </p:nvSpPr>
         <p:spPr>
           <a:xfrm>
             <a:off x="128520" y="6134040"/>
-            <a:ext cx="1569240" cy="385200"/>
+            <a:ext cx="1568880" cy="384840"/>
           </a:xfrm>
           <a:prstGeom prst="diamond">
             <a:avLst/>
@@ -12536,14 +12475,14 @@
       </p:sp>
       <p:sp>
         <p:nvSpPr>
-          <p:cNvPr id="211" name="Oval 4"/>
+          <p:cNvPr id="209" name="Oval 4"/>
           <p:cNvSpPr/>
           <p:nvPr/>
         </p:nvSpPr>
         <p:spPr>
           <a:xfrm>
             <a:off x="302760" y="5454000"/>
-            <a:ext cx="1220760" cy="385200"/>
+            <a:ext cx="1220400" cy="384840"/>
           </a:xfrm>
           <a:prstGeom prst="ellipse">
             <a:avLst/>
@@ -12599,14 +12538,14 @@
       </p:sp>
       <p:sp>
         <p:nvSpPr>
-          <p:cNvPr id="212" name="TextBox 53"/>
+          <p:cNvPr id="210" name="TextBox 53"/>
           <p:cNvSpPr/>
           <p:nvPr/>
         </p:nvSpPr>
         <p:spPr>
           <a:xfrm>
             <a:off x="101160" y="336240"/>
-            <a:ext cx="1623960" cy="303120"/>
+            <a:ext cx="1623600" cy="303120"/>
           </a:xfrm>
           <a:prstGeom prst="rect">
             <a:avLst/>
@@ -12656,14 +12595,14 @@
       </p:sp>
       <p:sp>
         <p:nvSpPr>
-          <p:cNvPr id="213" name="TextBox 54"/>
+          <p:cNvPr id="211" name="TextBox 54"/>
           <p:cNvSpPr/>
           <p:nvPr/>
         </p:nvSpPr>
         <p:spPr>
           <a:xfrm>
             <a:off x="101160" y="597600"/>
-            <a:ext cx="1623960" cy="516600"/>
+            <a:ext cx="1623600" cy="516600"/>
           </a:xfrm>
           <a:prstGeom prst="rect">
             <a:avLst/>
@@ -12746,14 +12685,14 @@
       </p:sp>
       <p:sp>
         <p:nvSpPr>
-          <p:cNvPr id="214" name="TextBox 72"/>
+          <p:cNvPr id="212" name="TextBox 72"/>
           <p:cNvSpPr/>
           <p:nvPr/>
         </p:nvSpPr>
         <p:spPr>
           <a:xfrm>
             <a:off x="8458200" y="5486400"/>
-            <a:ext cx="1623960" cy="303120"/>
+            <a:ext cx="1623600" cy="303120"/>
           </a:xfrm>
           <a:prstGeom prst="rect">
             <a:avLst/>
@@ -12803,14 +12742,14 @@
       </p:sp>
       <p:sp>
         <p:nvSpPr>
-          <p:cNvPr id="215" name="Diamond 18"/>
+          <p:cNvPr id="213" name="Diamond 18"/>
           <p:cNvSpPr/>
           <p:nvPr/>
         </p:nvSpPr>
         <p:spPr>
           <a:xfrm>
             <a:off x="128520" y="4629600"/>
-            <a:ext cx="1569240" cy="529920"/>
+            <a:ext cx="1568880" cy="529560"/>
           </a:xfrm>
           <a:prstGeom prst="diamond">
             <a:avLst/>
@@ -12891,14 +12830,14 @@
       </p:sp>
       <p:cxnSp>
         <p:nvCxnSpPr>
-          <p:cNvPr id="216" name="Straight Arrow Connector 48"/>
+          <p:cNvPr id="214" name="Straight Arrow Connector 48"/>
           <p:cNvCxnSpPr/>
           <p:nvPr/>
         </p:nvCxnSpPr>
         <p:spPr>
           <a:xfrm>
             <a:off x="0" y="3365640"/>
-            <a:ext cx="1831320" cy="2520"/>
+            <a:ext cx="1831680" cy="2880"/>
           </a:xfrm>
           <a:prstGeom prst="straightConnector1">
             <a:avLst/>
@@ -12913,14 +12852,14 @@
       </p:cxnSp>
       <p:sp>
         <p:nvSpPr>
-          <p:cNvPr id="217" name="Isosceles Triangle 5"/>
+          <p:cNvPr id="215" name="Isosceles Triangle 5"/>
           <p:cNvSpPr/>
           <p:nvPr/>
         </p:nvSpPr>
         <p:spPr>
           <a:xfrm>
             <a:off x="673200" y="3949920"/>
-            <a:ext cx="480240" cy="385200"/>
+            <a:ext cx="479880" cy="384840"/>
           </a:xfrm>
           <a:prstGeom prst="triangle">
             <a:avLst>
@@ -12980,28 +12919,28 @@
       </p:sp>
       <p:grpSp>
         <p:nvGrpSpPr>
-          <p:cNvPr id="218" name="Group 15"/>
+          <p:cNvPr id="216" name="Group 15"/>
           <p:cNvGrpSpPr/>
           <p:nvPr/>
         </p:nvGrpSpPr>
         <p:grpSpPr>
           <a:xfrm>
             <a:off x="101160" y="1413000"/>
-            <a:ext cx="1623960" cy="777960"/>
+            <a:ext cx="1623600" cy="777960"/>
             <a:chOff x="101160" y="1413000"/>
-            <a:chExt cx="1623960" cy="777960"/>
+            <a:chExt cx="1623600" cy="777960"/>
           </a:xfrm>
         </p:grpSpPr>
         <p:sp>
           <p:nvSpPr>
-            <p:cNvPr id="219" name="TextBox 57"/>
+            <p:cNvPr id="217" name="TextBox 57"/>
             <p:cNvSpPr/>
             <p:nvPr/>
           </p:nvSpPr>
           <p:spPr>
             <a:xfrm>
               <a:off x="101160" y="1413000"/>
-              <a:ext cx="1623960" cy="303120"/>
+              <a:ext cx="1623600" cy="303120"/>
             </a:xfrm>
             <a:prstGeom prst="rect">
               <a:avLst/>
@@ -13052,14 +12991,14 @@
         </p:sp>
         <p:sp>
           <p:nvSpPr>
-            <p:cNvPr id="220" name="TextBox 58"/>
+            <p:cNvPr id="218" name="TextBox 58"/>
             <p:cNvSpPr/>
             <p:nvPr/>
           </p:nvSpPr>
           <p:spPr>
             <a:xfrm>
               <a:off x="101160" y="1674360"/>
-              <a:ext cx="1623960" cy="516600"/>
+              <a:ext cx="1623600" cy="516600"/>
             </a:xfrm>
             <a:prstGeom prst="rect">
               <a:avLst/>
@@ -13144,14 +13083,14 @@
       </p:grpSp>
       <p:sp>
         <p:nvSpPr>
-          <p:cNvPr id="221" name="TextBox 62"/>
+          <p:cNvPr id="219" name="TextBox 62"/>
           <p:cNvSpPr/>
           <p:nvPr/>
         </p:nvSpPr>
         <p:spPr>
           <a:xfrm>
             <a:off x="5486400" y="531720"/>
-            <a:ext cx="1623960" cy="303120"/>
+            <a:ext cx="1623600" cy="303120"/>
           </a:xfrm>
           <a:prstGeom prst="rect">
             <a:avLst/>
@@ -13207,14 +13146,14 @@
       </p:sp>
       <p:sp>
         <p:nvSpPr>
-          <p:cNvPr id="222" name="TextBox 65"/>
+          <p:cNvPr id="220" name="TextBox 65"/>
           <p:cNvSpPr/>
           <p:nvPr/>
         </p:nvSpPr>
         <p:spPr>
           <a:xfrm>
             <a:off x="5486400" y="228600"/>
-            <a:ext cx="1623960" cy="303120"/>
+            <a:ext cx="1623600" cy="303120"/>
           </a:xfrm>
           <a:prstGeom prst="rect">
             <a:avLst/>
@@ -13264,28 +13203,28 @@
       </p:sp>
       <p:grpSp>
         <p:nvGrpSpPr>
-          <p:cNvPr id="223" name="Group 17"/>
+          <p:cNvPr id="221" name="Group 17"/>
           <p:cNvGrpSpPr/>
           <p:nvPr/>
         </p:nvGrpSpPr>
         <p:grpSpPr>
           <a:xfrm>
             <a:off x="4319640" y="2422440"/>
-            <a:ext cx="1623960" cy="777960"/>
+            <a:ext cx="1623600" cy="777960"/>
             <a:chOff x="4319640" y="2422440"/>
-            <a:chExt cx="1623960" cy="777960"/>
+            <a:chExt cx="1623600" cy="777960"/>
           </a:xfrm>
         </p:grpSpPr>
         <p:sp>
           <p:nvSpPr>
-            <p:cNvPr id="224" name="TextBox 61"/>
+            <p:cNvPr id="222" name="TextBox 61"/>
             <p:cNvSpPr/>
             <p:nvPr/>
           </p:nvSpPr>
           <p:spPr>
             <a:xfrm>
               <a:off x="4319640" y="2422440"/>
-              <a:ext cx="1623960" cy="303120"/>
+              <a:ext cx="1623600" cy="303120"/>
             </a:xfrm>
             <a:prstGeom prst="rect">
               <a:avLst/>
@@ -13335,14 +13274,14 @@
         </p:sp>
         <p:sp>
           <p:nvSpPr>
-            <p:cNvPr id="225" name="TextBox 63"/>
+            <p:cNvPr id="223" name="TextBox 63"/>
             <p:cNvSpPr/>
             <p:nvPr/>
           </p:nvSpPr>
           <p:spPr>
             <a:xfrm>
               <a:off x="4319640" y="2683800"/>
-              <a:ext cx="1623960" cy="516600"/>
+              <a:ext cx="1623600" cy="516600"/>
             </a:xfrm>
             <a:prstGeom prst="rect">
               <a:avLst/>
@@ -13426,28 +13365,28 @@
       </p:grpSp>
       <p:grpSp>
         <p:nvGrpSpPr>
-          <p:cNvPr id="226" name="Group 18"/>
+          <p:cNvPr id="224" name="Group 18"/>
           <p:cNvGrpSpPr/>
           <p:nvPr/>
         </p:nvGrpSpPr>
         <p:grpSpPr>
           <a:xfrm>
             <a:off x="9348840" y="2254320"/>
-            <a:ext cx="1623960" cy="1631880"/>
+            <a:ext cx="1623600" cy="1631880"/>
             <a:chOff x="9348840" y="2254320"/>
-            <a:chExt cx="1623960" cy="1631880"/>
+            <a:chExt cx="1623600" cy="1631880"/>
           </a:xfrm>
         </p:grpSpPr>
         <p:sp>
           <p:nvSpPr>
-            <p:cNvPr id="227" name="TextBox 64"/>
+            <p:cNvPr id="225" name="TextBox 64"/>
             <p:cNvSpPr/>
             <p:nvPr/>
           </p:nvSpPr>
           <p:spPr>
             <a:xfrm>
               <a:off x="9348840" y="2254320"/>
-              <a:ext cx="1623960" cy="303120"/>
+              <a:ext cx="1623600" cy="303120"/>
             </a:xfrm>
             <a:prstGeom prst="rect">
               <a:avLst/>
@@ -13497,14 +13436,14 @@
         </p:sp>
         <p:sp>
           <p:nvSpPr>
-            <p:cNvPr id="228" name="TextBox 66"/>
+            <p:cNvPr id="226" name="TextBox 66"/>
             <p:cNvSpPr/>
             <p:nvPr/>
           </p:nvSpPr>
           <p:spPr>
             <a:xfrm>
               <a:off x="9348840" y="2515680"/>
-              <a:ext cx="1623960" cy="1370520"/>
+              <a:ext cx="1623600" cy="1370520"/>
             </a:xfrm>
             <a:prstGeom prst="rect">
               <a:avLst/>
@@ -13696,14 +13635,14 @@
       </p:grpSp>
       <p:sp>
         <p:nvSpPr>
-          <p:cNvPr id="229" name="Diamond 19"/>
+          <p:cNvPr id="227" name="Diamond 19"/>
           <p:cNvSpPr/>
           <p:nvPr/>
         </p:nvSpPr>
         <p:spPr>
           <a:xfrm>
             <a:off x="9402120" y="4572000"/>
-            <a:ext cx="1569240" cy="385200"/>
+            <a:ext cx="1568880" cy="384840"/>
           </a:xfrm>
           <a:prstGeom prst="diamond">
             <a:avLst/>
@@ -13761,14 +13700,14 @@
       </p:sp>
       <p:sp>
         <p:nvSpPr>
-          <p:cNvPr id="230" name="Oval 5"/>
+          <p:cNvPr id="228" name="Oval 5"/>
           <p:cNvSpPr/>
           <p:nvPr/>
         </p:nvSpPr>
         <p:spPr>
           <a:xfrm>
             <a:off x="7007400" y="4572000"/>
-            <a:ext cx="1677960" cy="385200"/>
+            <a:ext cx="1677600" cy="384840"/>
           </a:xfrm>
           <a:prstGeom prst="ellipse">
             <a:avLst/>
@@ -13824,28 +13763,28 @@
       </p:sp>
       <p:grpSp>
         <p:nvGrpSpPr>
-          <p:cNvPr id="231" name="Group 19"/>
+          <p:cNvPr id="229" name="Group 19"/>
           <p:cNvGrpSpPr/>
           <p:nvPr/>
         </p:nvGrpSpPr>
         <p:grpSpPr>
           <a:xfrm>
             <a:off x="9348840" y="2254320"/>
-            <a:ext cx="1623960" cy="1631880"/>
+            <a:ext cx="1623600" cy="1631880"/>
             <a:chOff x="9348840" y="2254320"/>
-            <a:chExt cx="1623960" cy="1631880"/>
+            <a:chExt cx="1623600" cy="1631880"/>
           </a:xfrm>
         </p:grpSpPr>
         <p:sp>
           <p:nvSpPr>
-            <p:cNvPr id="232" name="TextBox 67"/>
+            <p:cNvPr id="230" name="TextBox 67"/>
             <p:cNvSpPr/>
             <p:nvPr/>
           </p:nvSpPr>
           <p:spPr>
             <a:xfrm>
               <a:off x="9348840" y="2254320"/>
-              <a:ext cx="1623960" cy="303120"/>
+              <a:ext cx="1623600" cy="303120"/>
             </a:xfrm>
             <a:prstGeom prst="rect">
               <a:avLst/>
@@ -13895,14 +13834,14 @@
         </p:sp>
         <p:sp>
           <p:nvSpPr>
-            <p:cNvPr id="233" name="TextBox 68"/>
+            <p:cNvPr id="231" name="TextBox 68"/>
             <p:cNvSpPr/>
             <p:nvPr/>
           </p:nvSpPr>
           <p:spPr>
             <a:xfrm>
               <a:off x="9348840" y="2515680"/>
-              <a:ext cx="1623960" cy="1370520"/>
+              <a:ext cx="1623600" cy="1370520"/>
             </a:xfrm>
             <a:prstGeom prst="rect">
               <a:avLst/>
@@ -14094,28 +14033,28 @@
       </p:grpSp>
       <p:grpSp>
         <p:nvGrpSpPr>
-          <p:cNvPr id="234" name="Group 20"/>
+          <p:cNvPr id="232" name="Group 20"/>
           <p:cNvGrpSpPr/>
           <p:nvPr/>
         </p:nvGrpSpPr>
         <p:grpSpPr>
           <a:xfrm>
             <a:off x="9348840" y="2254320"/>
-            <a:ext cx="1623960" cy="1631880"/>
+            <a:ext cx="1623600" cy="1631880"/>
             <a:chOff x="9348840" y="2254320"/>
-            <a:chExt cx="1623960" cy="1631880"/>
+            <a:chExt cx="1623600" cy="1631880"/>
           </a:xfrm>
         </p:grpSpPr>
         <p:sp>
           <p:nvSpPr>
-            <p:cNvPr id="235" name="TextBox 69"/>
+            <p:cNvPr id="233" name="TextBox 69"/>
             <p:cNvSpPr/>
             <p:nvPr/>
           </p:nvSpPr>
           <p:spPr>
             <a:xfrm>
               <a:off x="9348840" y="2254320"/>
-              <a:ext cx="1623960" cy="303120"/>
+              <a:ext cx="1623600" cy="303120"/>
             </a:xfrm>
             <a:prstGeom prst="rect">
               <a:avLst/>
@@ -14165,14 +14104,14 @@
         </p:sp>
         <p:sp>
           <p:nvSpPr>
-            <p:cNvPr id="236" name="TextBox 70"/>
+            <p:cNvPr id="234" name="TextBox 70"/>
             <p:cNvSpPr/>
             <p:nvPr/>
           </p:nvSpPr>
           <p:spPr>
             <a:xfrm>
               <a:off x="9348840" y="2515680"/>
-              <a:ext cx="1623960" cy="1370520"/>
+              <a:ext cx="1623600" cy="1370520"/>
             </a:xfrm>
             <a:prstGeom prst="rect">
               <a:avLst/>
@@ -14364,14 +14303,14 @@
       </p:grpSp>
       <p:sp>
         <p:nvSpPr>
-          <p:cNvPr id="237" name="Diamond 25"/>
+          <p:cNvPr id="235" name="Diamond 25"/>
           <p:cNvSpPr/>
           <p:nvPr/>
         </p:nvSpPr>
         <p:spPr>
           <a:xfrm>
             <a:off x="6859440" y="2743200"/>
-            <a:ext cx="1827360" cy="385200"/>
+            <a:ext cx="1827000" cy="384840"/>
           </a:xfrm>
           <a:prstGeom prst="diamond">
             <a:avLst/>
@@ -14429,14 +14368,14 @@
       </p:sp>
       <p:sp>
         <p:nvSpPr>
-          <p:cNvPr id="238" name="Diamond 16"/>
+          <p:cNvPr id="236" name="Diamond 16"/>
           <p:cNvSpPr/>
           <p:nvPr/>
         </p:nvSpPr>
         <p:spPr>
           <a:xfrm>
             <a:off x="9149760" y="1143000"/>
-            <a:ext cx="1797840" cy="385200"/>
+            <a:ext cx="1797480" cy="384840"/>
           </a:xfrm>
           <a:prstGeom prst="diamond">
             <a:avLst/>
@@ -14494,17 +14433,17 @@
       </p:sp>
       <p:cxnSp>
         <p:nvCxnSpPr>
-          <p:cNvPr id="239" name="Straight Arrow Connector 65"/>
+          <p:cNvPr id="237" name="Straight Arrow Connector 65"/>
           <p:cNvCxnSpPr>
-            <a:stCxn id="221" idx="3"/>
-            <a:endCxn id="238" idx="0"/>
+            <a:stCxn id="219" idx="3"/>
+            <a:endCxn id="236" idx="0"/>
           </p:cNvCxnSpPr>
           <p:nvPr/>
         </p:nvCxnSpPr>
         <p:spPr>
           <a:xfrm>
-            <a:off x="7110360" y="683280"/>
-            <a:ext cx="2938680" cy="460080"/>
+            <a:off x="7110000" y="683280"/>
+            <a:ext cx="2939040" cy="460080"/>
           </a:xfrm>
           <a:prstGeom prst="straightConnector1">
             <a:avLst/>
@@ -14520,17 +14459,17 @@
       </p:cxnSp>
       <p:cxnSp>
         <p:nvCxnSpPr>
-          <p:cNvPr id="240" name="Straight Arrow Connector 40"/>
+          <p:cNvPr id="238" name="Straight Arrow Connector 40"/>
           <p:cNvCxnSpPr>
-            <a:stCxn id="229" idx="2"/>
-            <a:endCxn id="214" idx="0"/>
+            <a:stCxn id="227" idx="2"/>
+            <a:endCxn id="212" idx="0"/>
           </p:cNvCxnSpPr>
           <p:nvPr/>
         </p:nvCxnSpPr>
         <p:spPr>
           <a:xfrm flipH="1">
-            <a:off x="9270000" y="4957200"/>
-            <a:ext cx="917280" cy="529560"/>
+            <a:off x="9270000" y="4956840"/>
+            <a:ext cx="916920" cy="529920"/>
           </a:xfrm>
           <a:prstGeom prst="straightConnector1">
             <a:avLst/>
@@ -14545,17 +14484,17 @@
       </p:cxnSp>
       <p:cxnSp>
         <p:nvCxnSpPr>
-          <p:cNvPr id="241" name="Straight Arrow Connector 41"/>
+          <p:cNvPr id="239" name="Straight Arrow Connector 41"/>
           <p:cNvCxnSpPr>
-            <a:stCxn id="234" idx="2"/>
-            <a:endCxn id="229" idx="0"/>
+            <a:stCxn id="232" idx="2"/>
+            <a:endCxn id="227" idx="0"/>
           </p:cNvCxnSpPr>
           <p:nvPr/>
         </p:nvCxnSpPr>
         <p:spPr>
           <a:xfrm>
             <a:off x="10160640" y="3886200"/>
-            <a:ext cx="26640" cy="686160"/>
+            <a:ext cx="26280" cy="686160"/>
           </a:xfrm>
           <a:prstGeom prst="straightConnector1">
             <a:avLst/>
@@ -14570,17 +14509,17 @@
       </p:cxnSp>
       <p:cxnSp>
         <p:nvCxnSpPr>
-          <p:cNvPr id="242" name="Straight Arrow Connector 42"/>
+          <p:cNvPr id="240" name="Straight Arrow Connector 42"/>
           <p:cNvCxnSpPr>
-            <a:stCxn id="229" idx="1"/>
-            <a:endCxn id="230" idx="6"/>
+            <a:stCxn id="227" idx="1"/>
+            <a:endCxn id="228" idx="6"/>
           </p:cNvCxnSpPr>
           <p:nvPr/>
         </p:nvCxnSpPr>
         <p:spPr>
           <a:xfrm flipH="1">
-            <a:off x="8685360" y="4764600"/>
-            <a:ext cx="717120" cy="360"/>
+            <a:off x="8685000" y="4764600"/>
+            <a:ext cx="717480" cy="360"/>
           </a:xfrm>
           <a:prstGeom prst="straightConnector1">
             <a:avLst/>
@@ -14595,14 +14534,14 @@
       </p:cxnSp>
       <p:sp>
         <p:nvSpPr>
-          <p:cNvPr id="243" name="Oval 7"/>
+          <p:cNvPr id="241" name="Oval 7"/>
           <p:cNvSpPr/>
           <p:nvPr/>
         </p:nvSpPr>
         <p:spPr>
           <a:xfrm>
             <a:off x="6629400" y="5099760"/>
-            <a:ext cx="1598760" cy="385200"/>
+            <a:ext cx="1598400" cy="384840"/>
           </a:xfrm>
           <a:prstGeom prst="ellipse">
             <a:avLst/>
@@ -14658,17 +14597,17 @@
       </p:sp>
       <p:cxnSp>
         <p:nvCxnSpPr>
-          <p:cNvPr id="244" name="Straight Arrow Connector 66"/>
+          <p:cNvPr id="242" name="Straight Arrow Connector 66"/>
           <p:cNvCxnSpPr>
-            <a:stCxn id="229" idx="1"/>
-            <a:endCxn id="243" idx="6"/>
+            <a:stCxn id="227" idx="1"/>
+            <a:endCxn id="241" idx="6"/>
           </p:cNvCxnSpPr>
           <p:nvPr/>
         </p:nvCxnSpPr>
         <p:spPr>
           <a:xfrm flipH="1">
-            <a:off x="8228160" y="4764600"/>
-            <a:ext cx="1174320" cy="528120"/>
+            <a:off x="8227800" y="4764600"/>
+            <a:ext cx="1174680" cy="528120"/>
           </a:xfrm>
           <a:prstGeom prst="straightConnector1">
             <a:avLst/>
@@ -14683,17 +14622,17 @@
       </p:cxnSp>
       <p:cxnSp>
         <p:nvCxnSpPr>
-          <p:cNvPr id="245" name="Straight Arrow Connector 67"/>
+          <p:cNvPr id="243" name="Straight Arrow Connector 67"/>
           <p:cNvCxnSpPr>
-            <a:stCxn id="246" idx="1"/>
-            <a:endCxn id="247" idx="6"/>
+            <a:stCxn id="244" idx="1"/>
+            <a:endCxn id="245" idx="6"/>
           </p:cNvCxnSpPr>
           <p:nvPr/>
         </p:nvCxnSpPr>
         <p:spPr>
           <a:xfrm flipH="1">
-            <a:off x="3656160" y="950400"/>
-            <a:ext cx="1800" cy="457560"/>
+            <a:off x="3655800" y="950400"/>
+            <a:ext cx="2160" cy="457560"/>
           </a:xfrm>
           <a:prstGeom prst="straightConnector1">
             <a:avLst/>
@@ -14708,14 +14647,14 @@
       </p:cxnSp>
       <p:sp>
         <p:nvSpPr>
-          <p:cNvPr id="248" name="Diamond 26"/>
+          <p:cNvPr id="246" name="Diamond 26"/>
           <p:cNvSpPr/>
           <p:nvPr/>
         </p:nvSpPr>
         <p:spPr>
           <a:xfrm>
             <a:off x="5257800" y="1215000"/>
-            <a:ext cx="1569240" cy="385200"/>
+            <a:ext cx="1568880" cy="384840"/>
           </a:xfrm>
           <a:prstGeom prst="diamond">
             <a:avLst/>
@@ -14773,14 +14712,14 @@
       </p:sp>
       <p:sp>
         <p:nvSpPr>
-          <p:cNvPr id="246" name="Diamond 27"/>
+          <p:cNvPr id="244" name="Diamond 27"/>
           <p:cNvSpPr/>
           <p:nvPr/>
         </p:nvSpPr>
         <p:spPr>
           <a:xfrm>
             <a:off x="3657600" y="757800"/>
-            <a:ext cx="1569240" cy="385200"/>
+            <a:ext cx="1568880" cy="384840"/>
           </a:xfrm>
           <a:prstGeom prst="diamond">
             <a:avLst/>
@@ -14838,14 +14777,14 @@
       </p:sp>
       <p:sp>
         <p:nvSpPr>
-          <p:cNvPr id="247" name="Oval 8"/>
+          <p:cNvPr id="245" name="Oval 8"/>
           <p:cNvSpPr/>
           <p:nvPr/>
         </p:nvSpPr>
         <p:spPr>
           <a:xfrm>
             <a:off x="2057400" y="1215000"/>
-            <a:ext cx="1598760" cy="385200"/>
+            <a:ext cx="1598400" cy="384840"/>
           </a:xfrm>
           <a:prstGeom prst="ellipse">
             <a:avLst/>
@@ -14901,17 +14840,17 @@
       </p:sp>
       <p:cxnSp>
         <p:nvCxnSpPr>
-          <p:cNvPr id="249" name="Straight Arrow Connector 68"/>
+          <p:cNvPr id="247" name="Straight Arrow Connector 68"/>
           <p:cNvCxnSpPr>
-            <a:stCxn id="223" idx="0"/>
-            <a:endCxn id="246" idx="2"/>
+            <a:stCxn id="221" idx="0"/>
+            <a:endCxn id="244" idx="2"/>
           </p:cNvCxnSpPr>
           <p:nvPr/>
         </p:nvCxnSpPr>
         <p:spPr>
           <a:xfrm flipH="1" flipV="1">
-            <a:off x="4442400" y="1143000"/>
-            <a:ext cx="689400" cy="1279800"/>
+            <a:off x="4442040" y="1142640"/>
+            <a:ext cx="689760" cy="1280160"/>
           </a:xfrm>
           <a:prstGeom prst="straightConnector1">
             <a:avLst/>
@@ -14927,17 +14866,17 @@
       </p:cxnSp>
       <p:cxnSp>
         <p:nvCxnSpPr>
-          <p:cNvPr id="250" name="Straight Arrow Connector 69"/>
+          <p:cNvPr id="248" name="Straight Arrow Connector 69"/>
           <p:cNvCxnSpPr>
-            <a:stCxn id="222" idx="1"/>
-            <a:endCxn id="246" idx="0"/>
+            <a:stCxn id="220" idx="1"/>
+            <a:endCxn id="244" idx="0"/>
           </p:cNvCxnSpPr>
           <p:nvPr/>
         </p:nvCxnSpPr>
         <p:spPr>
           <a:xfrm flipH="1">
-            <a:off x="4442400" y="380160"/>
-            <a:ext cx="1044360" cy="378000"/>
+            <a:off x="4442040" y="380160"/>
+            <a:ext cx="1044720" cy="378000"/>
           </a:xfrm>
           <a:prstGeom prst="straightConnector1">
             <a:avLst/>
@@ -14952,17 +14891,17 @@
       </p:cxnSp>
       <p:cxnSp>
         <p:nvCxnSpPr>
-          <p:cNvPr id="251" name="Straight Arrow Connector 70"/>
+          <p:cNvPr id="249" name="Straight Arrow Connector 70"/>
           <p:cNvCxnSpPr>
-            <a:stCxn id="223" idx="0"/>
-            <a:endCxn id="248" idx="2"/>
+            <a:stCxn id="221" idx="0"/>
+            <a:endCxn id="246" idx="2"/>
           </p:cNvCxnSpPr>
           <p:nvPr/>
         </p:nvCxnSpPr>
         <p:spPr>
           <a:xfrm flipV="1">
-            <a:off x="5131440" y="1600200"/>
-            <a:ext cx="911520" cy="822600"/>
+            <a:off x="5131440" y="1599840"/>
+            <a:ext cx="911160" cy="822960"/>
           </a:xfrm>
           <a:prstGeom prst="straightConnector1">
             <a:avLst/>
@@ -14978,17 +14917,17 @@
       </p:cxnSp>
       <p:cxnSp>
         <p:nvCxnSpPr>
-          <p:cNvPr id="252" name="Straight Arrow Connector 71"/>
+          <p:cNvPr id="250" name="Straight Arrow Connector 71"/>
           <p:cNvCxnSpPr>
-            <a:stCxn id="248" idx="0"/>
-            <a:endCxn id="221" idx="2"/>
+            <a:stCxn id="246" idx="0"/>
+            <a:endCxn id="219" idx="2"/>
           </p:cNvCxnSpPr>
           <p:nvPr/>
         </p:nvCxnSpPr>
         <p:spPr>
           <a:xfrm flipV="1">
-            <a:off x="6042600" y="834840"/>
-            <a:ext cx="255960" cy="380520"/>
+            <a:off x="6042240" y="834840"/>
+            <a:ext cx="256320" cy="380520"/>
           </a:xfrm>
           <a:prstGeom prst="straightConnector1">
             <a:avLst/>
@@ -15003,17 +14942,17 @@
       </p:cxnSp>
       <p:cxnSp>
         <p:nvCxnSpPr>
-          <p:cNvPr id="253" name="Straight Arrow Connector 64"/>
+          <p:cNvPr id="251" name="Straight Arrow Connector 64"/>
           <p:cNvCxnSpPr>
-            <a:stCxn id="223" idx="3"/>
-            <a:endCxn id="237" idx="1"/>
+            <a:stCxn id="221" idx="3"/>
+            <a:endCxn id="235" idx="1"/>
           </p:cNvCxnSpPr>
           <p:nvPr/>
         </p:nvCxnSpPr>
         <p:spPr>
           <a:xfrm>
-            <a:off x="5943600" y="2811240"/>
-            <a:ext cx="916200" cy="124920"/>
+            <a:off x="5943240" y="2811240"/>
+            <a:ext cx="916560" cy="124920"/>
           </a:xfrm>
           <a:prstGeom prst="straightConnector1">
             <a:avLst/>
@@ -15029,17 +14968,17 @@
       </p:cxnSp>
       <p:cxnSp>
         <p:nvCxnSpPr>
-          <p:cNvPr id="254" name="Straight Arrow Connector 63"/>
+          <p:cNvPr id="252" name="Straight Arrow Connector 63"/>
           <p:cNvCxnSpPr>
-            <a:stCxn id="234" idx="1"/>
-            <a:endCxn id="237" idx="3"/>
+            <a:stCxn id="232" idx="1"/>
+            <a:endCxn id="235" idx="3"/>
           </p:cNvCxnSpPr>
           <p:nvPr/>
         </p:nvCxnSpPr>
         <p:spPr>
           <a:xfrm flipH="1" flipV="1">
-            <a:off x="8686800" y="2935800"/>
-            <a:ext cx="662400" cy="134640"/>
+            <a:off x="8686440" y="2935800"/>
+            <a:ext cx="662760" cy="134640"/>
           </a:xfrm>
           <a:prstGeom prst="straightConnector1">
             <a:avLst/>
@@ -15054,17 +14993,17 @@
       </p:cxnSp>
       <p:cxnSp>
         <p:nvCxnSpPr>
-          <p:cNvPr id="255" name="Straight Arrow Connector 39"/>
+          <p:cNvPr id="253" name="Straight Arrow Connector 39"/>
           <p:cNvCxnSpPr>
-            <a:stCxn id="234" idx="0"/>
-            <a:endCxn id="238" idx="2"/>
+            <a:stCxn id="232" idx="0"/>
+            <a:endCxn id="236" idx="2"/>
           </p:cNvCxnSpPr>
           <p:nvPr/>
         </p:nvCxnSpPr>
         <p:spPr>
           <a:xfrm flipH="1" flipV="1">
-            <a:off x="10048680" y="1528200"/>
-            <a:ext cx="112320" cy="726480"/>
+            <a:off x="10048680" y="1527840"/>
+            <a:ext cx="112320" cy="726840"/>
           </a:xfrm>
           <a:prstGeom prst="straightConnector1">
             <a:avLst/>
@@ -15079,14 +15018,14 @@
       </p:cxnSp>
       <p:sp>
         <p:nvSpPr>
-          <p:cNvPr id="256" name="Diamond 29"/>
+          <p:cNvPr id="254" name="Diamond 29"/>
           <p:cNvSpPr/>
           <p:nvPr/>
         </p:nvSpPr>
         <p:spPr>
           <a:xfrm>
             <a:off x="2744640" y="3729600"/>
-            <a:ext cx="1827360" cy="385200"/>
+            <a:ext cx="1827000" cy="384840"/>
           </a:xfrm>
           <a:prstGeom prst="diamond">
             <a:avLst/>
@@ -15144,10 +15083,10 @@
       </p:sp>
       <p:cxnSp>
         <p:nvCxnSpPr>
-          <p:cNvPr id="257" name="Straight Arrow Connector 72"/>
+          <p:cNvPr id="255" name="Straight Arrow Connector 72"/>
           <p:cNvCxnSpPr>
-            <a:stCxn id="223" idx="1"/>
-            <a:endCxn id="256" idx="0"/>
+            <a:stCxn id="221" idx="1"/>
+            <a:endCxn id="254" idx="0"/>
           </p:cNvCxnSpPr>
           <p:nvPr/>
         </p:nvCxnSpPr>
@@ -15169,17 +15108,17 @@
       </p:cxnSp>
       <p:cxnSp>
         <p:nvCxnSpPr>
-          <p:cNvPr id="258" name="Straight Arrow Connector 73"/>
+          <p:cNvPr id="256" name="Straight Arrow Connector 73"/>
           <p:cNvCxnSpPr>
-            <a:stCxn id="223" idx="2"/>
-            <a:endCxn id="256" idx="3"/>
+            <a:stCxn id="221" idx="2"/>
+            <a:endCxn id="254" idx="3"/>
           </p:cNvCxnSpPr>
           <p:nvPr/>
         </p:nvCxnSpPr>
         <p:spPr>
           <a:xfrm flipH="1">
-            <a:off x="4572000" y="3200400"/>
-            <a:ext cx="559800" cy="722160"/>
+            <a:off x="4571640" y="3200400"/>
+            <a:ext cx="560160" cy="722160"/>
           </a:xfrm>
           <a:prstGeom prst="straightConnector1">
             <a:avLst/>
@@ -15194,14 +15133,14 @@
       </p:cxnSp>
       <p:sp>
         <p:nvSpPr>
-          <p:cNvPr id="259" name="Oval 9"/>
+          <p:cNvPr id="257" name="Oval 9"/>
           <p:cNvSpPr/>
           <p:nvPr/>
         </p:nvSpPr>
         <p:spPr>
           <a:xfrm>
             <a:off x="7315200" y="4114800"/>
-            <a:ext cx="1677960" cy="385200"/>
+            <a:ext cx="1677600" cy="384840"/>
           </a:xfrm>
           <a:prstGeom prst="ellipse">
             <a:avLst/>
@@ -15257,17 +15196,17 @@
       </p:sp>
       <p:cxnSp>
         <p:nvCxnSpPr>
-          <p:cNvPr id="260" name="Straight Arrow Connector 58"/>
+          <p:cNvPr id="258" name="Straight Arrow Connector 58"/>
           <p:cNvCxnSpPr>
-            <a:stCxn id="229" idx="1"/>
-            <a:endCxn id="259" idx="6"/>
+            <a:stCxn id="227" idx="1"/>
+            <a:endCxn id="257" idx="6"/>
           </p:cNvCxnSpPr>
           <p:nvPr/>
         </p:nvCxnSpPr>
         <p:spPr>
           <a:xfrm flipH="1" flipV="1">
-            <a:off x="8993160" y="4307400"/>
-            <a:ext cx="409320" cy="457560"/>
+            <a:off x="8992800" y="4307400"/>
+            <a:ext cx="409680" cy="457560"/>
           </a:xfrm>
           <a:prstGeom prst="straightConnector1">
             <a:avLst/>
@@ -15312,14 +15251,14 @@
       </p:grpSpPr>
       <p:cxnSp>
         <p:nvCxnSpPr>
-          <p:cNvPr id="261" name="Straight Arrow Connector 6"/>
+          <p:cNvPr id="259" name="Straight Arrow Connector 6"/>
           <p:cNvCxnSpPr/>
           <p:nvPr/>
         </p:nvCxnSpPr>
         <p:spPr>
           <a:xfrm flipH="1">
             <a:off x="0" y="3073320"/>
-            <a:ext cx="1831320" cy="2520"/>
+            <a:ext cx="1831680" cy="2880"/>
           </a:xfrm>
           <a:prstGeom prst="straightConnector1">
             <a:avLst/>
@@ -15335,14 +15274,14 @@
       </p:cxnSp>
       <p:cxnSp>
         <p:nvCxnSpPr>
-          <p:cNvPr id="262" name="Straight Arrow Connector 7"/>
+          <p:cNvPr id="260" name="Straight Arrow Connector 7"/>
           <p:cNvCxnSpPr/>
           <p:nvPr/>
         </p:nvCxnSpPr>
         <p:spPr>
           <a:xfrm>
             <a:off x="0" y="2489400"/>
-            <a:ext cx="1831320" cy="2520"/>
+            <a:ext cx="1831680" cy="2880"/>
           </a:xfrm>
           <a:prstGeom prst="straightConnector1">
             <a:avLst/>
@@ -15358,14 +15297,14 @@
       </p:cxnSp>
       <p:cxnSp>
         <p:nvCxnSpPr>
-          <p:cNvPr id="263" name="Straight Arrow Connector 8"/>
+          <p:cNvPr id="261" name="Straight Arrow Connector 8"/>
           <p:cNvCxnSpPr/>
           <p:nvPr/>
         </p:nvCxnSpPr>
         <p:spPr>
           <a:xfrm>
             <a:off x="0" y="2781360"/>
-            <a:ext cx="1831320" cy="2520"/>
+            <a:ext cx="1831680" cy="2880"/>
           </a:xfrm>
           <a:prstGeom prst="straightConnector1">
             <a:avLst/>
@@ -15381,14 +15320,14 @@
       </p:cxnSp>
       <p:cxnSp>
         <p:nvCxnSpPr>
-          <p:cNvPr id="264" name="Straight Arrow Connector 9"/>
+          <p:cNvPr id="262" name="Straight Arrow Connector 9"/>
           <p:cNvCxnSpPr/>
           <p:nvPr/>
         </p:nvCxnSpPr>
         <p:spPr>
           <a:xfrm flipH="1">
             <a:off x="0" y="3657600"/>
-            <a:ext cx="1831320" cy="2520"/>
+            <a:ext cx="1831680" cy="2880"/>
           </a:xfrm>
           <a:prstGeom prst="straightConnector1">
             <a:avLst/>
@@ -15403,14 +15342,14 @@
       </p:cxnSp>
       <p:sp>
         <p:nvSpPr>
-          <p:cNvPr id="265" name="Diamond 3"/>
+          <p:cNvPr id="263" name="Diamond 3"/>
           <p:cNvSpPr/>
           <p:nvPr/>
         </p:nvSpPr>
         <p:spPr>
           <a:xfrm>
             <a:off x="128520" y="6134040"/>
-            <a:ext cx="1569240" cy="385200"/>
+            <a:ext cx="1568880" cy="384840"/>
           </a:xfrm>
           <a:prstGeom prst="diamond">
             <a:avLst/>
@@ -15468,14 +15407,14 @@
       </p:sp>
       <p:sp>
         <p:nvSpPr>
-          <p:cNvPr id="266" name="Oval 2"/>
+          <p:cNvPr id="264" name="Oval 2"/>
           <p:cNvSpPr/>
           <p:nvPr/>
         </p:nvSpPr>
         <p:spPr>
           <a:xfrm>
             <a:off x="302760" y="5454000"/>
-            <a:ext cx="1220760" cy="385200"/>
+            <a:ext cx="1220400" cy="384840"/>
           </a:xfrm>
           <a:prstGeom prst="ellipse">
             <a:avLst/>
@@ -15531,28 +15470,28 @@
       </p:sp>
       <p:grpSp>
         <p:nvGrpSpPr>
-          <p:cNvPr id="267" name="Group 3"/>
+          <p:cNvPr id="265" name="Group 3"/>
           <p:cNvGrpSpPr/>
           <p:nvPr/>
         </p:nvGrpSpPr>
         <p:grpSpPr>
           <a:xfrm>
             <a:off x="101160" y="336240"/>
-            <a:ext cx="1623960" cy="777960"/>
+            <a:ext cx="1623600" cy="777960"/>
             <a:chOff x="101160" y="336240"/>
-            <a:chExt cx="1623960" cy="777960"/>
+            <a:chExt cx="1623600" cy="777960"/>
           </a:xfrm>
         </p:grpSpPr>
         <p:sp>
           <p:nvSpPr>
-            <p:cNvPr id="268" name="TextBox 5"/>
+            <p:cNvPr id="266" name="TextBox 5"/>
             <p:cNvSpPr/>
             <p:nvPr/>
           </p:nvSpPr>
           <p:spPr>
             <a:xfrm>
               <a:off x="101160" y="336240"/>
-              <a:ext cx="1623960" cy="303120"/>
+              <a:ext cx="1623600" cy="303120"/>
             </a:xfrm>
             <a:prstGeom prst="rect">
               <a:avLst/>
@@ -15602,14 +15541,14 @@
         </p:sp>
         <p:sp>
           <p:nvSpPr>
-            <p:cNvPr id="269" name="TextBox 6"/>
+            <p:cNvPr id="267" name="TextBox 6"/>
             <p:cNvSpPr/>
             <p:nvPr/>
           </p:nvSpPr>
           <p:spPr>
             <a:xfrm>
               <a:off x="101160" y="597600"/>
-              <a:ext cx="1623960" cy="516600"/>
+              <a:ext cx="1623600" cy="516600"/>
             </a:xfrm>
             <a:prstGeom prst="rect">
               <a:avLst/>
@@ -15693,14 +15632,14 @@
       </p:grpSp>
       <p:sp>
         <p:nvSpPr>
-          <p:cNvPr id="270" name="Diamond 4"/>
+          <p:cNvPr id="268" name="Diamond 4"/>
           <p:cNvSpPr/>
           <p:nvPr/>
         </p:nvSpPr>
         <p:spPr>
           <a:xfrm>
             <a:off x="128520" y="4629600"/>
-            <a:ext cx="1569240" cy="529920"/>
+            <a:ext cx="1568880" cy="529560"/>
           </a:xfrm>
           <a:prstGeom prst="diamond">
             <a:avLst/>
@@ -15781,14 +15720,14 @@
       </p:sp>
       <p:cxnSp>
         <p:nvCxnSpPr>
-          <p:cNvPr id="271" name="Straight Arrow Connector 10"/>
+          <p:cNvPr id="269" name="Straight Arrow Connector 10"/>
           <p:cNvCxnSpPr/>
           <p:nvPr/>
         </p:nvCxnSpPr>
         <p:spPr>
           <a:xfrm>
             <a:off x="0" y="3365640"/>
-            <a:ext cx="1831320" cy="2520"/>
+            <a:ext cx="1831680" cy="2880"/>
           </a:xfrm>
           <a:prstGeom prst="straightConnector1">
             <a:avLst/>
@@ -15803,14 +15742,14 @@
       </p:cxnSp>
       <p:sp>
         <p:nvSpPr>
-          <p:cNvPr id="272" name="Isosceles Triangle 2"/>
+          <p:cNvPr id="270" name="Isosceles Triangle 2"/>
           <p:cNvSpPr/>
           <p:nvPr/>
         </p:nvSpPr>
         <p:spPr>
           <a:xfrm>
             <a:off x="673200" y="3949920"/>
-            <a:ext cx="480240" cy="385200"/>
+            <a:ext cx="479880" cy="384840"/>
           </a:xfrm>
           <a:prstGeom prst="triangle">
             <a:avLst>
@@ -15870,28 +15809,28 @@
       </p:sp>
       <p:grpSp>
         <p:nvGrpSpPr>
-          <p:cNvPr id="273" name="Group 4"/>
+          <p:cNvPr id="271" name="Group 4"/>
           <p:cNvGrpSpPr/>
           <p:nvPr/>
         </p:nvGrpSpPr>
         <p:grpSpPr>
           <a:xfrm>
             <a:off x="101160" y="1413000"/>
-            <a:ext cx="1623960" cy="777960"/>
+            <a:ext cx="1623600" cy="777960"/>
             <a:chOff x="101160" y="1413000"/>
-            <a:chExt cx="1623960" cy="777960"/>
+            <a:chExt cx="1623600" cy="777960"/>
           </a:xfrm>
         </p:grpSpPr>
         <p:sp>
           <p:nvSpPr>
-            <p:cNvPr id="274" name="TextBox 7"/>
+            <p:cNvPr id="272" name="TextBox 7"/>
             <p:cNvSpPr/>
             <p:nvPr/>
           </p:nvSpPr>
           <p:spPr>
             <a:xfrm>
               <a:off x="101160" y="1413000"/>
-              <a:ext cx="1623960" cy="303120"/>
+              <a:ext cx="1623600" cy="303120"/>
             </a:xfrm>
             <a:prstGeom prst="rect">
               <a:avLst/>
@@ -15942,14 +15881,14 @@
         </p:sp>
         <p:sp>
           <p:nvSpPr>
-            <p:cNvPr id="275" name="TextBox 8"/>
+            <p:cNvPr id="273" name="TextBox 8"/>
             <p:cNvSpPr/>
             <p:nvPr/>
           </p:nvSpPr>
           <p:spPr>
             <a:xfrm>
               <a:off x="101160" y="1674360"/>
-              <a:ext cx="1623960" cy="516600"/>
+              <a:ext cx="1623600" cy="516600"/>
             </a:xfrm>
             <a:prstGeom prst="rect">
               <a:avLst/>

--- a/documentation/ER-Diagram.pptx
+++ b/documentation/ER-Diagram.pptx
@@ -342,7 +342,7 @@
             <a:pPr indent="0" algn="r">
               <a:buNone/>
             </a:pPr>
-            <a:fld id="{A98D3DDF-647C-4567-8165-CE187E720252}" type="slidenum">
+            <a:fld id="{78AEEC8B-235C-4C48-A1E4-4A8AD41486BE}" type="slidenum">
               <a:rPr b="0" lang="en-US" sz="1400" spc="-1" strike="noStrike">
                 <a:solidFill>
                   <a:srgbClr val="000000"/>
@@ -385,7 +385,7 @@
       </p:grpSpPr>
       <p:sp>
         <p:nvSpPr>
-          <p:cNvPr id="274" name="PlaceHolder 1"/>
+          <p:cNvPr id="279" name="PlaceHolder 1"/>
           <p:cNvSpPr>
             <a:spLocks noGrp="1"/>
           </p:cNvSpPr>
@@ -396,7 +396,7 @@
         <p:spPr>
           <a:xfrm>
             <a:off x="685800" y="1143000"/>
-            <a:ext cx="5483520" cy="3083400"/>
+            <a:ext cx="5483160" cy="3083040"/>
           </a:xfrm>
           <a:prstGeom prst="rect">
             <a:avLst/>
@@ -408,7 +408,7 @@
       </p:sp>
       <p:sp>
         <p:nvSpPr>
-          <p:cNvPr id="275" name="PlaceHolder 2"/>
+          <p:cNvPr id="280" name="PlaceHolder 2"/>
           <p:cNvSpPr>
             <a:spLocks noGrp="1"/>
           </p:cNvSpPr>
@@ -419,7 +419,7 @@
         <p:spPr>
           <a:xfrm>
             <a:off x="685800" y="4400640"/>
-            <a:ext cx="5483520" cy="3597480"/>
+            <a:ext cx="5483160" cy="3597120"/>
           </a:xfrm>
           <a:prstGeom prst="rect">
             <a:avLst/>
@@ -448,7 +448,7 @@
       </p:sp>
       <p:sp>
         <p:nvSpPr>
-          <p:cNvPr id="276" name="PlaceHolder 3"/>
+          <p:cNvPr id="281" name="PlaceHolder 3"/>
           <p:cNvSpPr>
             <a:spLocks noGrp="1"/>
           </p:cNvSpPr>
@@ -459,7 +459,7 @@
         <p:spPr>
           <a:xfrm>
             <a:off x="3884760" y="8685360"/>
-            <a:ext cx="2968920" cy="455760"/>
+            <a:ext cx="2968560" cy="455400"/>
           </a:xfrm>
           <a:prstGeom prst="rect">
             <a:avLst/>
@@ -501,7 +501,7 @@
                 <a:tab algn="l" pos="0"/>
               </a:tabLst>
             </a:pPr>
-            <a:fld id="{3F80A278-9539-4445-A493-5F4AA46F015F}" type="slidenum">
+            <a:fld id="{1B502A93-BF96-4314-A1B0-930B9E89441E}" type="slidenum">
               <a:rPr b="0" lang="en-US" sz="1200" spc="-1" strike="noStrike">
                 <a:solidFill>
                   <a:schemeClr val="dk1"/>
@@ -544,7 +544,7 @@
       </p:grpSpPr>
       <p:sp>
         <p:nvSpPr>
-          <p:cNvPr id="277" name="PlaceHolder 1"/>
+          <p:cNvPr id="282" name="PlaceHolder 1"/>
           <p:cNvSpPr>
             <a:spLocks noGrp="1"/>
           </p:cNvSpPr>
@@ -555,7 +555,7 @@
         <p:spPr>
           <a:xfrm>
             <a:off x="685800" y="1143000"/>
-            <a:ext cx="5483520" cy="3083400"/>
+            <a:ext cx="5483160" cy="3083040"/>
           </a:xfrm>
           <a:prstGeom prst="rect">
             <a:avLst/>
@@ -567,7 +567,7 @@
       </p:sp>
       <p:sp>
         <p:nvSpPr>
-          <p:cNvPr id="278" name="PlaceHolder 2"/>
+          <p:cNvPr id="283" name="PlaceHolder 2"/>
           <p:cNvSpPr>
             <a:spLocks noGrp="1"/>
           </p:cNvSpPr>
@@ -578,7 +578,7 @@
         <p:spPr>
           <a:xfrm>
             <a:off x="685800" y="4400640"/>
-            <a:ext cx="5483520" cy="3597480"/>
+            <a:ext cx="5483160" cy="3597120"/>
           </a:xfrm>
           <a:prstGeom prst="rect">
             <a:avLst/>
@@ -607,7 +607,7 @@
       </p:sp>
       <p:sp>
         <p:nvSpPr>
-          <p:cNvPr id="279" name="PlaceHolder 3"/>
+          <p:cNvPr id="284" name="PlaceHolder 3"/>
           <p:cNvSpPr>
             <a:spLocks noGrp="1"/>
           </p:cNvSpPr>
@@ -618,7 +618,7 @@
         <p:spPr>
           <a:xfrm>
             <a:off x="3884760" y="8685360"/>
-            <a:ext cx="2968920" cy="455760"/>
+            <a:ext cx="2968560" cy="455400"/>
           </a:xfrm>
           <a:prstGeom prst="rect">
             <a:avLst/>
@@ -660,7 +660,7 @@
                 <a:tab algn="l" pos="0"/>
               </a:tabLst>
             </a:pPr>
-            <a:fld id="{23C39208-9E41-4BF5-87B2-5BD8274E3A2F}" type="slidenum">
+            <a:fld id="{F793D7CD-DDE0-4ADC-918E-346CF31B8DC7}" type="slidenum">
               <a:rPr b="0" lang="en-US" sz="1200" spc="-1" strike="noStrike">
                 <a:solidFill>
                   <a:schemeClr val="dk1"/>
@@ -703,7 +703,7 @@
       </p:grpSpPr>
       <p:sp>
         <p:nvSpPr>
-          <p:cNvPr id="280" name="PlaceHolder 1"/>
+          <p:cNvPr id="285" name="PlaceHolder 1"/>
           <p:cNvSpPr>
             <a:spLocks noGrp="1"/>
           </p:cNvSpPr>
@@ -714,7 +714,7 @@
         <p:spPr>
           <a:xfrm>
             <a:off x="685800" y="1143000"/>
-            <a:ext cx="5483520" cy="3083400"/>
+            <a:ext cx="5483160" cy="3083040"/>
           </a:xfrm>
           <a:prstGeom prst="rect">
             <a:avLst/>
@@ -726,7 +726,7 @@
       </p:sp>
       <p:sp>
         <p:nvSpPr>
-          <p:cNvPr id="281" name="PlaceHolder 2"/>
+          <p:cNvPr id="286" name="PlaceHolder 2"/>
           <p:cNvSpPr>
             <a:spLocks noGrp="1"/>
           </p:cNvSpPr>
@@ -737,7 +737,7 @@
         <p:spPr>
           <a:xfrm>
             <a:off x="685800" y="4400640"/>
-            <a:ext cx="5483520" cy="3597480"/>
+            <a:ext cx="5483160" cy="3597120"/>
           </a:xfrm>
           <a:prstGeom prst="rect">
             <a:avLst/>
@@ -766,7 +766,7 @@
       </p:sp>
       <p:sp>
         <p:nvSpPr>
-          <p:cNvPr id="282" name="PlaceHolder 3"/>
+          <p:cNvPr id="287" name="PlaceHolder 3"/>
           <p:cNvSpPr>
             <a:spLocks noGrp="1"/>
           </p:cNvSpPr>
@@ -777,7 +777,7 @@
         <p:spPr>
           <a:xfrm>
             <a:off x="3884760" y="8685360"/>
-            <a:ext cx="2968920" cy="455760"/>
+            <a:ext cx="2968560" cy="455400"/>
           </a:xfrm>
           <a:prstGeom prst="rect">
             <a:avLst/>
@@ -819,7 +819,7 @@
                 <a:tab algn="l" pos="0"/>
               </a:tabLst>
             </a:pPr>
-            <a:fld id="{99A05204-B868-4206-B382-BC807E8328E7}" type="slidenum">
+            <a:fld id="{DE6BAC25-CE23-4422-9F95-6063EF02416C}" type="slidenum">
               <a:rPr b="0" lang="en-US" sz="1200" spc="-1" strike="noStrike">
                 <a:solidFill>
                   <a:schemeClr val="dk1"/>
@@ -862,7 +862,7 @@
       </p:grpSpPr>
       <p:sp>
         <p:nvSpPr>
-          <p:cNvPr id="283" name="PlaceHolder 1"/>
+          <p:cNvPr id="288" name="PlaceHolder 1"/>
           <p:cNvSpPr>
             <a:spLocks noGrp="1"/>
           </p:cNvSpPr>
@@ -873,7 +873,7 @@
         <p:spPr>
           <a:xfrm>
             <a:off x="685800" y="1143000"/>
-            <a:ext cx="5483520" cy="3083400"/>
+            <a:ext cx="5483160" cy="3083040"/>
           </a:xfrm>
           <a:prstGeom prst="rect">
             <a:avLst/>
@@ -885,7 +885,7 @@
       </p:sp>
       <p:sp>
         <p:nvSpPr>
-          <p:cNvPr id="284" name="PlaceHolder 2"/>
+          <p:cNvPr id="289" name="PlaceHolder 2"/>
           <p:cNvSpPr>
             <a:spLocks noGrp="1"/>
           </p:cNvSpPr>
@@ -896,7 +896,7 @@
         <p:spPr>
           <a:xfrm>
             <a:off x="685800" y="4400640"/>
-            <a:ext cx="5483520" cy="3597480"/>
+            <a:ext cx="5483160" cy="3597120"/>
           </a:xfrm>
           <a:prstGeom prst="rect">
             <a:avLst/>
@@ -925,7 +925,7 @@
       </p:sp>
       <p:sp>
         <p:nvSpPr>
-          <p:cNvPr id="285" name="PlaceHolder 3"/>
+          <p:cNvPr id="290" name="PlaceHolder 3"/>
           <p:cNvSpPr>
             <a:spLocks noGrp="1"/>
           </p:cNvSpPr>
@@ -936,7 +936,7 @@
         <p:spPr>
           <a:xfrm>
             <a:off x="3884760" y="8685360"/>
-            <a:ext cx="2968920" cy="455760"/>
+            <a:ext cx="2968560" cy="455400"/>
           </a:xfrm>
           <a:prstGeom prst="rect">
             <a:avLst/>
@@ -978,7 +978,7 @@
                 <a:tab algn="l" pos="0"/>
               </a:tabLst>
             </a:pPr>
-            <a:fld id="{CBCAA2F4-5461-413E-A717-57CEE0300E79}" type="slidenum">
+            <a:fld id="{E1D4D282-2F66-4B93-ADE0-9C4C9CE9728A}" type="slidenum">
               <a:rPr b="0" lang="en-US" sz="1200" spc="-1" strike="noStrike">
                 <a:solidFill>
                   <a:schemeClr val="dk1"/>
@@ -1053,7 +1053,7 @@
         <p:txBody>
           <a:bodyPr/>
           <a:p>
-            <a:fld id="{1E9E26E9-EF00-4CA5-B759-9A86DDCED97B}" type="slidenum">
+            <a:fld id="{EDC77D2F-5E3A-4CB9-B384-FE04B8A665BF}" type="slidenum">
               <a:t>&lt;#&gt;</a:t>
             </a:fld>
           </a:p>
@@ -1262,7 +1262,7 @@
         <p:txBody>
           <a:bodyPr/>
           <a:p>
-            <a:fld id="{2305990A-5D15-41B7-9F79-3C6EE49F94C7}" type="slidenum">
+            <a:fld id="{BDAF95D6-56BF-401D-9848-278F64987341}" type="slidenum">
               <a:t>&lt;#&gt;</a:t>
             </a:fld>
           </a:p>
@@ -1557,7 +1557,7 @@
         <p:txBody>
           <a:bodyPr/>
           <a:p>
-            <a:fld id="{ACB2B44D-C4F6-49FE-A552-CBCE438B6230}" type="slidenum">
+            <a:fld id="{85A7F26A-9BD1-40CA-89D0-A1DAAEADD544}" type="slidenum">
               <a:t>&lt;#&gt;</a:t>
             </a:fld>
           </a:p>
@@ -1938,7 +1938,7 @@
         <p:txBody>
           <a:bodyPr/>
           <a:p>
-            <a:fld id="{E2F756C2-C887-4D48-AF99-F21399A972DD}" type="slidenum">
+            <a:fld id="{CA59A683-B0BF-4286-BF8C-E2DC7C7B1CEE}" type="slidenum">
               <a:t>&lt;#&gt;</a:t>
             </a:fld>
           </a:p>
@@ -2101,7 +2101,7 @@
         <p:txBody>
           <a:bodyPr/>
           <a:p>
-            <a:fld id="{4F5EF12A-3512-4325-8220-45A145F6B6A0}" type="slidenum">
+            <a:fld id="{5DC88088-ADCC-4608-A090-F98B8C324535}" type="slidenum">
               <a:t>&lt;#&gt;</a:t>
             </a:fld>
           </a:p>
@@ -2267,7 +2267,7 @@
         <p:txBody>
           <a:bodyPr/>
           <a:p>
-            <a:fld id="{92D8A434-F92E-4839-A760-A7B47D833A16}" type="slidenum">
+            <a:fld id="{E06B4E03-8B21-4C3C-B4CB-CBAE49E70460}" type="slidenum">
               <a:t>&lt;#&gt;</a:t>
             </a:fld>
           </a:p>
@@ -2476,7 +2476,7 @@
         <p:txBody>
           <a:bodyPr/>
           <a:p>
-            <a:fld id="{EB3CC808-5C4E-4A59-8454-81F1E5CAD8D3}" type="slidenum">
+            <a:fld id="{4547F37E-B57B-4C64-B456-A0933C0EEE9C}" type="slidenum">
               <a:t>&lt;#&gt;</a:t>
             </a:fld>
           </a:p>
@@ -2599,7 +2599,7 @@
         <p:txBody>
           <a:bodyPr/>
           <a:p>
-            <a:fld id="{E3A320FF-1D51-47C9-88F8-3BD2B7533A45}" type="slidenum">
+            <a:fld id="{F08B74F2-F6F5-4F1F-B154-B3AE64E32DFD}" type="slidenum">
               <a:t>&lt;#&gt;</a:t>
             </a:fld>
           </a:p>
@@ -2720,7 +2720,7 @@
         <p:txBody>
           <a:bodyPr/>
           <a:p>
-            <a:fld id="{DFB5F393-3D9D-49B4-A945-39BC47BC2ED4}" type="slidenum">
+            <a:fld id="{04E79129-0580-4269-9C85-728DC86F372A}" type="slidenum">
               <a:t>&lt;#&gt;</a:t>
             </a:fld>
           </a:p>
@@ -2972,7 +2972,7 @@
         <p:txBody>
           <a:bodyPr/>
           <a:p>
-            <a:fld id="{DC0671B7-7F81-46E9-A152-331C754FBC1F}" type="slidenum">
+            <a:fld id="{0CE9A344-18E6-464C-A081-8EE71F7BC5B7}" type="slidenum">
               <a:t>&lt;#&gt;</a:t>
             </a:fld>
           </a:p>
@@ -3224,7 +3224,7 @@
         <p:txBody>
           <a:bodyPr/>
           <a:p>
-            <a:fld id="{00B973E1-0D9C-47CC-9683-83646FB085DF}" type="slidenum">
+            <a:fld id="{763CBE58-C2AD-4B6A-9B68-D44E7EB101D5}" type="slidenum">
               <a:t>&lt;#&gt;</a:t>
             </a:fld>
           </a:p>
@@ -3476,7 +3476,7 @@
         <p:txBody>
           <a:bodyPr/>
           <a:p>
-            <a:fld id="{468F33CD-A46A-45B4-B91D-0F066A10A8A6}" type="slidenum">
+            <a:fld id="{58773FBB-5E31-4ECC-BE01-4669673EC1C1}" type="slidenum">
               <a:t>&lt;#&gt;</a:t>
             </a:fld>
           </a:p>
@@ -3541,9 +3541,9 @@
         <p:grpSpPr>
           <a:xfrm>
             <a:off x="6199200" y="6162840"/>
-            <a:ext cx="5990040" cy="692280"/>
+            <a:ext cx="5989680" cy="691920"/>
             <a:chOff x="6199200" y="6162840"/>
-            <a:chExt cx="5990040" cy="692280"/>
+            <a:chExt cx="5989680" cy="691920"/>
           </a:xfrm>
         </p:grpSpPr>
         <p:pic>
@@ -3559,7 +3559,7 @@
           <p:spPr>
             <a:xfrm>
               <a:off x="6199200" y="6162840"/>
-              <a:ext cx="4053600" cy="692280"/>
+              <a:ext cx="4053240" cy="691920"/>
             </a:xfrm>
             <a:prstGeom prst="rect">
               <a:avLst/>
@@ -3582,7 +3582,7 @@
           <p:spPr>
             <a:xfrm>
               <a:off x="10270080" y="6162840"/>
-              <a:ext cx="1919160" cy="608760"/>
+              <a:ext cx="1918800" cy="608400"/>
             </a:xfrm>
             <a:prstGeom prst="rect">
               <a:avLst/>
@@ -4348,7 +4348,7 @@
         <p:spPr>
           <a:xfrm>
             <a:off x="4038480" y="6356520"/>
-            <a:ext cx="4111920" cy="362160"/>
+            <a:ext cx="4111560" cy="361800"/>
           </a:xfrm>
           <a:prstGeom prst="rect">
             <a:avLst/>
@@ -4420,7 +4420,7 @@
         <p:spPr>
           <a:xfrm>
             <a:off x="8610480" y="6356520"/>
-            <a:ext cx="2740320" cy="362160"/>
+            <a:ext cx="2739960" cy="361800"/>
           </a:xfrm>
           <a:prstGeom prst="rect">
             <a:avLst/>
@@ -4463,7 +4463,7 @@
                 <a:tab algn="l" pos="0"/>
               </a:tabLst>
             </a:pPr>
-            <a:fld id="{C164E8A8-4DAD-438E-BDD2-6F4F44FFC688}" type="slidenum">
+            <a:fld id="{D0D82337-8A7E-4D01-954B-6D610CB0AB9C}" type="slidenum">
               <a:rPr b="0" lang="en-US" sz="1200" spc="-1" strike="noStrike">
                 <a:solidFill>
                   <a:schemeClr val="dk1">
@@ -4496,7 +4496,7 @@
         <p:spPr>
           <a:xfrm>
             <a:off x="838080" y="6356520"/>
-            <a:ext cx="2740320" cy="362160"/>
+            <a:ext cx="2739960" cy="361800"/>
           </a:xfrm>
           <a:prstGeom prst="rect">
             <a:avLst/>
@@ -4589,7 +4589,7 @@
         <p:spPr>
           <a:xfrm flipH="1">
             <a:off x="0" y="3073320"/>
-            <a:ext cx="1831680" cy="2880"/>
+            <a:ext cx="1832040" cy="3240"/>
           </a:xfrm>
           <a:prstGeom prst="straightConnector1">
             <a:avLst/>
@@ -4612,7 +4612,7 @@
         <p:spPr>
           <a:xfrm>
             <a:off x="0" y="2489400"/>
-            <a:ext cx="1831680" cy="2880"/>
+            <a:ext cx="1832040" cy="3240"/>
           </a:xfrm>
           <a:prstGeom prst="straightConnector1">
             <a:avLst/>
@@ -4635,7 +4635,7 @@
         <p:spPr>
           <a:xfrm>
             <a:off x="0" y="2781360"/>
-            <a:ext cx="1831680" cy="2880"/>
+            <a:ext cx="1832040" cy="3240"/>
           </a:xfrm>
           <a:prstGeom prst="straightConnector1">
             <a:avLst/>
@@ -4658,7 +4658,7 @@
         <p:spPr>
           <a:xfrm flipH="1">
             <a:off x="0" y="3657600"/>
-            <a:ext cx="1831680" cy="2880"/>
+            <a:ext cx="1832040" cy="3240"/>
           </a:xfrm>
           <a:prstGeom prst="straightConnector1">
             <a:avLst/>
@@ -4680,7 +4680,7 @@
         <p:spPr>
           <a:xfrm>
             <a:off x="128520" y="6134040"/>
-            <a:ext cx="1568880" cy="384840"/>
+            <a:ext cx="1568520" cy="384480"/>
           </a:xfrm>
           <a:prstGeom prst="diamond">
             <a:avLst/>
@@ -4745,7 +4745,7 @@
         <p:spPr>
           <a:xfrm>
             <a:off x="302760" y="5454000"/>
-            <a:ext cx="1220400" cy="384840"/>
+            <a:ext cx="1220040" cy="384480"/>
           </a:xfrm>
           <a:prstGeom prst="ellipse">
             <a:avLst/>
@@ -4808,7 +4808,7 @@
         <p:spPr>
           <a:xfrm>
             <a:off x="101160" y="336240"/>
-            <a:ext cx="1623600" cy="303120"/>
+            <a:ext cx="1623240" cy="303120"/>
           </a:xfrm>
           <a:prstGeom prst="rect">
             <a:avLst/>
@@ -4865,7 +4865,7 @@
         <p:spPr>
           <a:xfrm>
             <a:off x="101160" y="597600"/>
-            <a:ext cx="1623600" cy="516600"/>
+            <a:ext cx="1623240" cy="516600"/>
           </a:xfrm>
           <a:prstGeom prst="rect">
             <a:avLst/>
@@ -4955,7 +4955,7 @@
         <p:spPr>
           <a:xfrm>
             <a:off x="101160" y="336240"/>
-            <a:ext cx="1623600" cy="303120"/>
+            <a:ext cx="1623240" cy="303120"/>
           </a:xfrm>
           <a:prstGeom prst="rect">
             <a:avLst/>
@@ -5012,7 +5012,7 @@
         <p:spPr>
           <a:xfrm>
             <a:off x="101160" y="597600"/>
-            <a:ext cx="1623600" cy="516600"/>
+            <a:ext cx="1623240" cy="516600"/>
           </a:xfrm>
           <a:prstGeom prst="rect">
             <a:avLst/>
@@ -5102,7 +5102,7 @@
         <p:spPr>
           <a:xfrm>
             <a:off x="2541600" y="228600"/>
-            <a:ext cx="1623600" cy="303120"/>
+            <a:ext cx="1623240" cy="303120"/>
           </a:xfrm>
           <a:prstGeom prst="rect">
             <a:avLst/>
@@ -5159,7 +5159,7 @@
         <p:spPr>
           <a:xfrm>
             <a:off x="2541600" y="489960"/>
-            <a:ext cx="1623600" cy="1370520"/>
+            <a:ext cx="1623240" cy="1370520"/>
           </a:xfrm>
           <a:prstGeom prst="rect">
             <a:avLst/>
@@ -5357,7 +5357,7 @@
         <p:spPr>
           <a:xfrm>
             <a:off x="6656400" y="228600"/>
-            <a:ext cx="1623600" cy="303120"/>
+            <a:ext cx="1623240" cy="303120"/>
           </a:xfrm>
           <a:prstGeom prst="rect">
             <a:avLst/>
@@ -5414,7 +5414,7 @@
         <p:spPr>
           <a:xfrm>
             <a:off x="6656400" y="489960"/>
-            <a:ext cx="1623600" cy="516600"/>
+            <a:ext cx="1623240" cy="516600"/>
           </a:xfrm>
           <a:prstGeom prst="rect">
             <a:avLst/>
@@ -5504,7 +5504,7 @@
         <p:spPr>
           <a:xfrm>
             <a:off x="6656400" y="228600"/>
-            <a:ext cx="1623600" cy="303120"/>
+            <a:ext cx="1623240" cy="303120"/>
           </a:xfrm>
           <a:prstGeom prst="rect">
             <a:avLst/>
@@ -5561,7 +5561,7 @@
         <p:spPr>
           <a:xfrm>
             <a:off x="6656400" y="489960"/>
-            <a:ext cx="1623600" cy="730080"/>
+            <a:ext cx="1623240" cy="730080"/>
           </a:xfrm>
           <a:prstGeom prst="rect">
             <a:avLst/>
@@ -5678,7 +5678,7 @@
         <p:spPr>
           <a:xfrm>
             <a:off x="128520" y="4629600"/>
-            <a:ext cx="1568880" cy="529560"/>
+            <a:ext cx="1568520" cy="529200"/>
           </a:xfrm>
           <a:prstGeom prst="diamond">
             <a:avLst/>
@@ -5766,7 +5766,7 @@
         <p:spPr>
           <a:xfrm>
             <a:off x="0" y="3365640"/>
-            <a:ext cx="1831680" cy="2880"/>
+            <a:ext cx="1832040" cy="3240"/>
           </a:xfrm>
           <a:prstGeom prst="straightConnector1">
             <a:avLst/>
@@ -5788,7 +5788,7 @@
         <p:spPr>
           <a:xfrm>
             <a:off x="673200" y="3949920"/>
-            <a:ext cx="479880" cy="384840"/>
+            <a:ext cx="479520" cy="384480"/>
           </a:xfrm>
           <a:prstGeom prst="triangle">
             <a:avLst>
@@ -5855,9 +5855,9 @@
         <p:grpSpPr>
           <a:xfrm>
             <a:off x="101160" y="1413000"/>
-            <a:ext cx="1623600" cy="777960"/>
+            <a:ext cx="1623240" cy="777960"/>
             <a:chOff x="101160" y="1413000"/>
-            <a:chExt cx="1623600" cy="777960"/>
+            <a:chExt cx="1623240" cy="777960"/>
           </a:xfrm>
         </p:grpSpPr>
         <p:sp>
@@ -5869,7 +5869,7 @@
           <p:spPr>
             <a:xfrm>
               <a:off x="101160" y="1413000"/>
-              <a:ext cx="1623600" cy="303120"/>
+              <a:ext cx="1623240" cy="303120"/>
             </a:xfrm>
             <a:prstGeom prst="rect">
               <a:avLst/>
@@ -5927,7 +5927,7 @@
           <p:spPr>
             <a:xfrm>
               <a:off x="101160" y="1674360"/>
-              <a:ext cx="1623600" cy="516600"/>
+              <a:ext cx="1623240" cy="516600"/>
             </a:xfrm>
             <a:prstGeom prst="rect">
               <a:avLst/>
@@ -6019,7 +6019,7 @@
         <p:spPr>
           <a:xfrm>
             <a:off x="4426920" y="914400"/>
-            <a:ext cx="1568880" cy="384840"/>
+            <a:ext cx="1568520" cy="384480"/>
           </a:xfrm>
           <a:prstGeom prst="diamond">
             <a:avLst/>
@@ -6086,8 +6086,8 @@
         </p:nvCxnSpPr>
         <p:spPr>
           <a:xfrm flipH="1">
-            <a:off x="5995800" y="855000"/>
-            <a:ext cx="660960" cy="252360"/>
+            <a:off x="5995440" y="855000"/>
+            <a:ext cx="661320" cy="252000"/>
           </a:xfrm>
           <a:prstGeom prst="straightConnector1">
             <a:avLst/>
@@ -6110,7 +6110,7 @@
         <p:spPr>
           <a:xfrm>
             <a:off x="6255720" y="1828800"/>
-            <a:ext cx="1797480" cy="384840"/>
+            <a:ext cx="1797120" cy="384480"/>
           </a:xfrm>
           <a:prstGeom prst="diamond">
             <a:avLst/>
@@ -6177,7 +6177,7 @@
         </p:nvCxnSpPr>
         <p:spPr>
           <a:xfrm flipV="1">
-            <a:off x="7154640" y="1220040"/>
+            <a:off x="7154280" y="1220040"/>
             <a:ext cx="313920" cy="609120"/>
           </a:xfrm>
           <a:prstGeom prst="straightConnector1">
@@ -6201,8 +6201,8 @@
         </p:nvCxnSpPr>
         <p:spPr>
           <a:xfrm flipH="1" flipV="1">
-            <a:off x="7154640" y="2213640"/>
-            <a:ext cx="454320" cy="530280"/>
+            <a:off x="7154280" y="2213280"/>
+            <a:ext cx="455040" cy="531000"/>
           </a:xfrm>
           <a:prstGeom prst="straightConnector1">
             <a:avLst/>
@@ -6225,7 +6225,7 @@
         <p:spPr>
           <a:xfrm>
             <a:off x="128520" y="6134400"/>
-            <a:ext cx="1568880" cy="384840"/>
+            <a:ext cx="1568520" cy="384480"/>
           </a:xfrm>
           <a:prstGeom prst="diamond">
             <a:avLst/>
@@ -6290,9 +6290,9 @@
         <p:grpSpPr>
           <a:xfrm>
             <a:off x="6681960" y="2743200"/>
-            <a:ext cx="1852200" cy="1216440"/>
+            <a:ext cx="1851840" cy="1216440"/>
             <a:chOff x="6681960" y="2743200"/>
-            <a:chExt cx="1852200" cy="1216440"/>
+            <a:chExt cx="1851840" cy="1216440"/>
           </a:xfrm>
         </p:grpSpPr>
         <p:sp>
@@ -6304,7 +6304,7 @@
           <p:spPr>
             <a:xfrm>
               <a:off x="6681960" y="2743200"/>
-              <a:ext cx="1852200" cy="303120"/>
+              <a:ext cx="1851840" cy="303120"/>
             </a:xfrm>
             <a:prstGeom prst="rect">
               <a:avLst/>
@@ -6361,7 +6361,7 @@
           <p:spPr>
             <a:xfrm>
               <a:off x="6681960" y="3016080"/>
-              <a:ext cx="1852200" cy="943560"/>
+              <a:ext cx="1851840" cy="943560"/>
             </a:xfrm>
             <a:prstGeom prst="rect">
               <a:avLst/>
@@ -6508,7 +6508,7 @@
         <p:spPr>
           <a:xfrm>
             <a:off x="9173520" y="3501000"/>
-            <a:ext cx="479880" cy="384840"/>
+            <a:ext cx="479520" cy="384480"/>
           </a:xfrm>
           <a:prstGeom prst="triangle">
             <a:avLst>
@@ -6575,7 +6575,7 @@
         <p:spPr>
           <a:xfrm>
             <a:off x="10568160" y="2743200"/>
-            <a:ext cx="1623600" cy="303120"/>
+            <a:ext cx="1623240" cy="303120"/>
           </a:xfrm>
           <a:prstGeom prst="rect">
             <a:avLst/>
@@ -6632,7 +6632,7 @@
         <p:spPr>
           <a:xfrm>
             <a:off x="10568160" y="3048480"/>
-            <a:ext cx="1623600" cy="1370520"/>
+            <a:ext cx="1623240" cy="1370520"/>
           </a:xfrm>
           <a:prstGeom prst="rect">
             <a:avLst/>
@@ -6790,8 +6790,8 @@
         </p:nvCxnSpPr>
         <p:spPr>
           <a:xfrm>
-            <a:off x="9533520" y="3693600"/>
-            <a:ext cx="1035000" cy="40320"/>
+            <a:off x="9533160" y="3693240"/>
+            <a:ext cx="1035360" cy="40680"/>
           </a:xfrm>
           <a:prstGeom prst="straightConnector1">
             <a:avLst/>
@@ -6815,8 +6815,8 @@
         </p:nvCxnSpPr>
         <p:spPr>
           <a:xfrm flipH="1" flipV="1">
-            <a:off x="8534160" y="3351240"/>
-            <a:ext cx="759600" cy="342720"/>
+            <a:off x="8533800" y="3351240"/>
+            <a:ext cx="759960" cy="342360"/>
           </a:xfrm>
           <a:prstGeom prst="straightConnector1">
             <a:avLst/>
@@ -6838,7 +6838,7 @@
         <p:spPr>
           <a:xfrm>
             <a:off x="2086200" y="3336840"/>
-            <a:ext cx="1623600" cy="303120"/>
+            <a:ext cx="1623240" cy="303120"/>
           </a:xfrm>
           <a:prstGeom prst="rect">
             <a:avLst/>
@@ -6895,7 +6895,7 @@
         <p:spPr>
           <a:xfrm>
             <a:off x="2086200" y="3598200"/>
-            <a:ext cx="1623600" cy="516600"/>
+            <a:ext cx="1623240" cy="516600"/>
           </a:xfrm>
           <a:prstGeom prst="rect">
             <a:avLst/>
@@ -6985,7 +6985,7 @@
         <p:spPr>
           <a:xfrm>
             <a:off x="2086200" y="3336840"/>
-            <a:ext cx="1623600" cy="303120"/>
+            <a:ext cx="1623240" cy="303120"/>
           </a:xfrm>
           <a:prstGeom prst="rect">
             <a:avLst/>
@@ -7042,7 +7042,7 @@
         <p:spPr>
           <a:xfrm>
             <a:off x="2086200" y="3598200"/>
-            <a:ext cx="1623600" cy="516600"/>
+            <a:ext cx="1623240" cy="516600"/>
           </a:xfrm>
           <a:prstGeom prst="rect">
             <a:avLst/>
@@ -7132,7 +7132,7 @@
         <p:spPr>
           <a:xfrm>
             <a:off x="1883160" y="2514600"/>
-            <a:ext cx="1826640" cy="384840"/>
+            <a:ext cx="1826280" cy="384480"/>
           </a:xfrm>
           <a:prstGeom prst="diamond">
             <a:avLst/>
@@ -7197,7 +7197,7 @@
         <p:spPr>
           <a:xfrm>
             <a:off x="3481560" y="2899800"/>
-            <a:ext cx="1598040" cy="384840"/>
+            <a:ext cx="1597680" cy="384480"/>
           </a:xfrm>
           <a:prstGeom prst="ellipse">
             <a:avLst/>
@@ -7262,8 +7262,8 @@
         </p:nvCxnSpPr>
         <p:spPr>
           <a:xfrm>
-            <a:off x="3709800" y="2707200"/>
-            <a:ext cx="571320" cy="192960"/>
+            <a:off x="3709440" y="2706840"/>
+            <a:ext cx="571320" cy="193320"/>
           </a:xfrm>
           <a:prstGeom prst="straightConnector1">
             <a:avLst/>
@@ -7287,8 +7287,8 @@
         </p:nvCxnSpPr>
         <p:spPr>
           <a:xfrm flipH="1" flipV="1">
-            <a:off x="2796480" y="2899440"/>
-            <a:ext cx="101880" cy="437760"/>
+            <a:off x="2796480" y="2899080"/>
+            <a:ext cx="101520" cy="438120"/>
           </a:xfrm>
           <a:prstGeom prst="straightConnector1">
             <a:avLst/>
@@ -7313,7 +7313,7 @@
         <p:spPr>
           <a:xfrm flipV="1">
             <a:off x="2796480" y="1860480"/>
-            <a:ext cx="557280" cy="654480"/>
+            <a:ext cx="556920" cy="654480"/>
           </a:xfrm>
           <a:prstGeom prst="straightConnector1">
             <a:avLst/>
@@ -7335,7 +7335,7 @@
         <p:spPr>
           <a:xfrm>
             <a:off x="10543680" y="457200"/>
-            <a:ext cx="1623600" cy="303120"/>
+            <a:ext cx="1623240" cy="303120"/>
           </a:xfrm>
           <a:prstGeom prst="rect">
             <a:avLst/>
@@ -7392,7 +7392,7 @@
         <p:spPr>
           <a:xfrm>
             <a:off x="10543680" y="718560"/>
-            <a:ext cx="1623600" cy="516600"/>
+            <a:ext cx="1623240" cy="516600"/>
           </a:xfrm>
           <a:prstGeom prst="rect">
             <a:avLst/>
@@ -7482,7 +7482,7 @@
         <p:spPr>
           <a:xfrm>
             <a:off x="10543680" y="457200"/>
-            <a:ext cx="1623600" cy="303120"/>
+            <a:ext cx="1623240" cy="303120"/>
           </a:xfrm>
           <a:prstGeom prst="rect">
             <a:avLst/>
@@ -7539,7 +7539,7 @@
         <p:spPr>
           <a:xfrm>
             <a:off x="10543680" y="718560"/>
-            <a:ext cx="1623600" cy="1584000"/>
+            <a:ext cx="1623240" cy="1797480"/>
           </a:xfrm>
           <a:prstGeom prst="rect">
             <a:avLst/>
@@ -7582,7 +7582,7 @@
                 <a:uFillTx/>
                 <a:latin typeface="Calibri"/>
               </a:rPr>
-              <a:t>Type</a:t>
+              <a:t>Name</a:t>
             </a:r>
             <a:endParaRPr b="0" lang="en-US" sz="1400" spc="-1" strike="noStrike">
               <a:solidFill>
@@ -7609,7 +7609,7 @@
                 </a:solidFill>
                 <a:latin typeface="Calibri"/>
               </a:rPr>
-              <a:t>Health</a:t>
+              <a:t>Type</a:t>
             </a:r>
             <a:endParaRPr b="0" lang="en-US" sz="1400" spc="-1" strike="noStrike">
               <a:solidFill>
@@ -7636,7 +7636,7 @@
                 </a:solidFill>
                 <a:latin typeface="Calibri"/>
               </a:rPr>
-              <a:t>Damage</a:t>
+              <a:t>Health</a:t>
             </a:r>
             <a:endParaRPr b="0" lang="en-US" sz="1400" spc="-1" strike="noStrike">
               <a:solidFill>
@@ -7663,7 +7663,7 @@
                 </a:solidFill>
                 <a:latin typeface="Calibri"/>
               </a:rPr>
-              <a:t>Capacity</a:t>
+              <a:t>Damage</a:t>
             </a:r>
             <a:endParaRPr b="0" lang="en-US" sz="1400" spc="-1" strike="noStrike">
               <a:solidFill>
@@ -7690,7 +7690,7 @@
                 </a:solidFill>
                 <a:latin typeface="Calibri"/>
               </a:rPr>
-              <a:t>Consumption</a:t>
+              <a:t>Capacity</a:t>
             </a:r>
             <a:endParaRPr b="0" lang="en-US" sz="1400" spc="-1" strike="noStrike">
               <a:solidFill>
@@ -7717,6 +7717,33 @@
                 </a:solidFill>
                 <a:latin typeface="Calibri"/>
               </a:rPr>
+              <a:t>Consumption</a:t>
+            </a:r>
+            <a:endParaRPr b="0" lang="en-US" sz="1400" spc="-1" strike="noStrike">
+              <a:solidFill>
+                <a:srgbClr val="000000"/>
+              </a:solidFill>
+              <a:latin typeface="Arial"/>
+            </a:endParaRPr>
+          </a:p>
+          <a:p>
+            <a:pPr marL="304920" indent="-304920" defTabSz="914400">
+              <a:lnSpc>
+                <a:spcPct val="100000"/>
+              </a:lnSpc>
+              <a:buClr>
+                <a:srgbClr val="000000"/>
+              </a:buClr>
+              <a:buFont typeface="OpenSymbol"/>
+              <a:buChar char="-"/>
+            </a:pPr>
+            <a:r>
+              <a:rPr b="0" lang="en-US" sz="1400" spc="-1" strike="noStrike">
+                <a:solidFill>
+                  <a:schemeClr val="dk1"/>
+                </a:solidFill>
+                <a:latin typeface="Calibri"/>
+              </a:rPr>
               <a:t>Travel Speed Function</a:t>
             </a:r>
             <a:endParaRPr b="0" lang="en-US" sz="1400" spc="-1" strike="noStrike">
@@ -7737,7 +7764,7 @@
         <p:spPr>
           <a:xfrm>
             <a:off x="8282160" y="1443600"/>
-            <a:ext cx="2055600" cy="384840"/>
+            <a:ext cx="2055240" cy="384480"/>
           </a:xfrm>
           <a:prstGeom prst="diamond">
             <a:avLst/>
@@ -7804,8 +7831,8 @@
         </p:nvCxnSpPr>
         <p:spPr>
           <a:xfrm>
-            <a:off x="9309960" y="1828440"/>
-            <a:ext cx="1258560" cy="1905480"/>
+            <a:off x="9309960" y="1828080"/>
+            <a:ext cx="1258560" cy="1905840"/>
           </a:xfrm>
           <a:prstGeom prst="straightConnector1">
             <a:avLst/>
@@ -7829,8 +7856,8 @@
         </p:nvCxnSpPr>
         <p:spPr>
           <a:xfrm flipH="1">
-            <a:off x="10337760" y="1510560"/>
-            <a:ext cx="206280" cy="126000"/>
+            <a:off x="10337400" y="1617120"/>
+            <a:ext cx="206640" cy="19080"/>
           </a:xfrm>
           <a:prstGeom prst="straightConnector1">
             <a:avLst/>
@@ -7854,8 +7881,8 @@
         </p:nvCxnSpPr>
         <p:spPr>
           <a:xfrm flipH="1" flipV="1">
-            <a:off x="7468200" y="1220040"/>
-            <a:ext cx="1842120" cy="223920"/>
+            <a:off x="7467840" y="1220040"/>
+            <a:ext cx="1842480" cy="223920"/>
           </a:xfrm>
           <a:prstGeom prst="straightConnector1">
             <a:avLst/>
@@ -7877,7 +7904,7 @@
         <p:spPr>
           <a:xfrm>
             <a:off x="5412240" y="5029200"/>
-            <a:ext cx="1623600" cy="303120"/>
+            <a:ext cx="1623240" cy="303120"/>
           </a:xfrm>
           <a:prstGeom prst="rect">
             <a:avLst/>
@@ -7934,7 +7961,7 @@
         <p:spPr>
           <a:xfrm>
             <a:off x="3710160" y="4343400"/>
-            <a:ext cx="1827000" cy="384840"/>
+            <a:ext cx="1826640" cy="384480"/>
           </a:xfrm>
           <a:prstGeom prst="diamond">
             <a:avLst/>
@@ -8001,8 +8028,8 @@
         </p:nvCxnSpPr>
         <p:spPr>
           <a:xfrm>
-            <a:off x="2898000" y="4114800"/>
-            <a:ext cx="812520" cy="421560"/>
+            <a:off x="2897640" y="4114800"/>
+            <a:ext cx="812880" cy="421200"/>
           </a:xfrm>
           <a:prstGeom prst="straightConnector1">
             <a:avLst/>
@@ -8027,8 +8054,8 @@
         </p:nvCxnSpPr>
         <p:spPr>
           <a:xfrm>
-            <a:off x="4623840" y="4728240"/>
-            <a:ext cx="788760" cy="452880"/>
+            <a:off x="4623480" y="4727880"/>
+            <a:ext cx="789120" cy="453240"/>
           </a:xfrm>
           <a:prstGeom prst="straightConnector1">
             <a:avLst/>
@@ -8052,7 +8079,7 @@
         </p:nvCxnSpPr>
         <p:spPr>
           <a:xfrm flipH="1" flipV="1">
-            <a:off x="3353400" y="1860480"/>
+            <a:off x="3353040" y="1860480"/>
             <a:ext cx="2187000" cy="1340280"/>
           </a:xfrm>
           <a:prstGeom prst="straightConnector1">
@@ -8075,7 +8102,7 @@
         <p:spPr>
           <a:xfrm>
             <a:off x="4626720" y="3200400"/>
-            <a:ext cx="1826280" cy="684000"/>
+            <a:ext cx="1825920" cy="683640"/>
           </a:xfrm>
           <a:prstGeom prst="diamond">
             <a:avLst/>
@@ -8142,8 +8169,8 @@
         </p:nvCxnSpPr>
         <p:spPr>
           <a:xfrm flipH="1" flipV="1">
-            <a:off x="5540040" y="3884400"/>
-            <a:ext cx="684360" cy="1145160"/>
+            <a:off x="5539680" y="3884040"/>
+            <a:ext cx="684360" cy="1145520"/>
           </a:xfrm>
           <a:prstGeom prst="straightConnector1">
             <a:avLst/>
@@ -8165,7 +8192,7 @@
         <p:spPr>
           <a:xfrm>
             <a:off x="2693880" y="4415400"/>
-            <a:ext cx="479880" cy="384840"/>
+            <a:ext cx="479520" cy="384480"/>
           </a:xfrm>
           <a:prstGeom prst="triangle">
             <a:avLst>
@@ -8234,7 +8261,7 @@
         </p:nvCxnSpPr>
         <p:spPr>
           <a:xfrm flipH="1" flipV="1">
-            <a:off x="2898000" y="4114800"/>
+            <a:off x="2897640" y="4114800"/>
             <a:ext cx="36360" cy="300960"/>
           </a:xfrm>
           <a:prstGeom prst="straightConnector1">
@@ -8257,7 +8284,7 @@
         <p:spPr>
           <a:xfrm>
             <a:off x="2109960" y="5163480"/>
-            <a:ext cx="1623600" cy="303120"/>
+            <a:ext cx="1623240" cy="303120"/>
           </a:xfrm>
           <a:prstGeom prst="rect">
             <a:avLst/>
@@ -8314,7 +8341,7 @@
         <p:spPr>
           <a:xfrm>
             <a:off x="2109960" y="5163480"/>
-            <a:ext cx="1623600" cy="303120"/>
+            <a:ext cx="1623240" cy="303120"/>
           </a:xfrm>
           <a:prstGeom prst="rect">
             <a:avLst/>
@@ -8371,7 +8398,7 @@
         <p:spPr>
           <a:xfrm>
             <a:off x="2109960" y="5424840"/>
-            <a:ext cx="1623600" cy="363960"/>
+            <a:ext cx="1623240" cy="363960"/>
           </a:xfrm>
           <a:prstGeom prst="rect">
             <a:avLst/>
@@ -8439,8 +8466,8 @@
         </p:nvCxnSpPr>
         <p:spPr>
           <a:xfrm flipH="1">
-            <a:off x="2921760" y="4800240"/>
-            <a:ext cx="12600" cy="363600"/>
+            <a:off x="2921400" y="4799880"/>
+            <a:ext cx="12600" cy="363960"/>
           </a:xfrm>
           <a:prstGeom prst="straightConnector1">
             <a:avLst/>
@@ -8462,7 +8489,7 @@
         <p:spPr>
           <a:xfrm>
             <a:off x="7627320" y="4800600"/>
-            <a:ext cx="1568880" cy="384840"/>
+            <a:ext cx="1568520" cy="384480"/>
           </a:xfrm>
           <a:prstGeom prst="diamond">
             <a:avLst/>
@@ -8527,7 +8554,7 @@
         <p:spPr>
           <a:xfrm>
             <a:off x="7627320" y="5329800"/>
-            <a:ext cx="1797480" cy="384840"/>
+            <a:ext cx="1797120" cy="384480"/>
           </a:xfrm>
           <a:prstGeom prst="diamond">
             <a:avLst/>
@@ -8594,8 +8621,8 @@
         </p:nvCxnSpPr>
         <p:spPr>
           <a:xfrm flipH="1">
-            <a:off x="9196200" y="3733560"/>
-            <a:ext cx="1372320" cy="1260000"/>
+            <a:off x="9195840" y="3733560"/>
+            <a:ext cx="1372680" cy="1259640"/>
           </a:xfrm>
           <a:prstGeom prst="straightConnector1">
             <a:avLst/>
@@ -8620,8 +8647,8 @@
         </p:nvCxnSpPr>
         <p:spPr>
           <a:xfrm flipH="1">
-            <a:off x="7035840" y="4993200"/>
-            <a:ext cx="591840" cy="187920"/>
+            <a:off x="7035480" y="4992840"/>
+            <a:ext cx="592200" cy="188280"/>
           </a:xfrm>
           <a:prstGeom prst="straightConnector1">
             <a:avLst/>
@@ -8645,8 +8672,8 @@
         </p:nvCxnSpPr>
         <p:spPr>
           <a:xfrm flipH="1" flipV="1">
-            <a:off x="7035840" y="5180760"/>
-            <a:ext cx="591840" cy="342000"/>
+            <a:off x="7035480" y="5180760"/>
+            <a:ext cx="592200" cy="341640"/>
           </a:xfrm>
           <a:prstGeom prst="straightConnector1">
             <a:avLst/>
@@ -8670,8 +8697,8 @@
         </p:nvCxnSpPr>
         <p:spPr>
           <a:xfrm flipH="1">
-            <a:off x="9424800" y="3733560"/>
-            <a:ext cx="1143720" cy="1789200"/>
+            <a:off x="9424440" y="3733560"/>
+            <a:ext cx="1144080" cy="1788840"/>
           </a:xfrm>
           <a:prstGeom prst="straightConnector1">
             <a:avLst/>
@@ -8696,8 +8723,8 @@
         </p:nvCxnSpPr>
         <p:spPr>
           <a:xfrm flipH="1">
-            <a:off x="4165200" y="1107000"/>
-            <a:ext cx="262080" cy="68400"/>
+            <a:off x="4164840" y="1106640"/>
+            <a:ext cx="262440" cy="68760"/>
           </a:xfrm>
           <a:prstGeom prst="straightConnector1">
             <a:avLst/>
@@ -8719,7 +8746,7 @@
         <p:spPr>
           <a:xfrm>
             <a:off x="8053560" y="2057400"/>
-            <a:ext cx="1220400" cy="384840"/>
+            <a:ext cx="1220040" cy="384480"/>
           </a:xfrm>
           <a:prstGeom prst="ellipse">
             <a:avLst/>
@@ -8784,8 +8811,8 @@
         </p:nvCxnSpPr>
         <p:spPr>
           <a:xfrm flipV="1">
-            <a:off x="8663760" y="1828440"/>
-            <a:ext cx="646560" cy="229320"/>
+            <a:off x="8663760" y="1828080"/>
+            <a:ext cx="646560" cy="229680"/>
           </a:xfrm>
           <a:prstGeom prst="straightConnector1">
             <a:avLst/>
@@ -8837,7 +8864,7 @@
         <p:spPr>
           <a:xfrm flipH="1">
             <a:off x="0" y="3073320"/>
-            <a:ext cx="1831680" cy="2880"/>
+            <a:ext cx="1832040" cy="3240"/>
           </a:xfrm>
           <a:prstGeom prst="straightConnector1">
             <a:avLst/>
@@ -8860,7 +8887,7 @@
         <p:spPr>
           <a:xfrm>
             <a:off x="0" y="2489400"/>
-            <a:ext cx="1831680" cy="2880"/>
+            <a:ext cx="1832040" cy="3240"/>
           </a:xfrm>
           <a:prstGeom prst="straightConnector1">
             <a:avLst/>
@@ -8883,7 +8910,7 @@
         <p:spPr>
           <a:xfrm>
             <a:off x="0" y="2781360"/>
-            <a:ext cx="1831680" cy="2880"/>
+            <a:ext cx="1832040" cy="3240"/>
           </a:xfrm>
           <a:prstGeom prst="straightConnector1">
             <a:avLst/>
@@ -8906,7 +8933,7 @@
         <p:spPr>
           <a:xfrm flipH="1">
             <a:off x="0" y="3657600"/>
-            <a:ext cx="1831680" cy="2880"/>
+            <a:ext cx="1832040" cy="3240"/>
           </a:xfrm>
           <a:prstGeom prst="straightConnector1">
             <a:avLst/>
@@ -8928,7 +8955,7 @@
         <p:spPr>
           <a:xfrm>
             <a:off x="128520" y="6134040"/>
-            <a:ext cx="1568880" cy="384840"/>
+            <a:ext cx="1568520" cy="384480"/>
           </a:xfrm>
           <a:prstGeom prst="diamond">
             <a:avLst/>
@@ -8993,7 +9020,7 @@
         <p:spPr>
           <a:xfrm>
             <a:off x="302760" y="5454000"/>
-            <a:ext cx="1220400" cy="384840"/>
+            <a:ext cx="1220040" cy="384480"/>
           </a:xfrm>
           <a:prstGeom prst="ellipse">
             <a:avLst/>
@@ -9056,9 +9083,9 @@
         <p:grpSpPr>
           <a:xfrm>
             <a:off x="101160" y="336240"/>
-            <a:ext cx="1623600" cy="777960"/>
+            <a:ext cx="1623240" cy="777960"/>
             <a:chOff x="101160" y="336240"/>
-            <a:chExt cx="1623600" cy="777960"/>
+            <a:chExt cx="1623240" cy="777960"/>
           </a:xfrm>
         </p:grpSpPr>
         <p:sp>
@@ -9070,7 +9097,7 @@
           <p:spPr>
             <a:xfrm>
               <a:off x="101160" y="336240"/>
-              <a:ext cx="1623600" cy="303120"/>
+              <a:ext cx="1623240" cy="303120"/>
             </a:xfrm>
             <a:prstGeom prst="rect">
               <a:avLst/>
@@ -9127,7 +9154,7 @@
           <p:spPr>
             <a:xfrm>
               <a:off x="101160" y="597600"/>
-              <a:ext cx="1623600" cy="516600"/>
+              <a:ext cx="1623240" cy="516600"/>
             </a:xfrm>
             <a:prstGeom prst="rect">
               <a:avLst/>
@@ -9218,7 +9245,7 @@
         <p:spPr>
           <a:xfrm>
             <a:off x="128520" y="4629600"/>
-            <a:ext cx="1568880" cy="529560"/>
+            <a:ext cx="1568520" cy="529200"/>
           </a:xfrm>
           <a:prstGeom prst="diamond">
             <a:avLst/>
@@ -9306,7 +9333,7 @@
         <p:spPr>
           <a:xfrm>
             <a:off x="0" y="3365640"/>
-            <a:ext cx="1831680" cy="2880"/>
+            <a:ext cx="1832040" cy="3240"/>
           </a:xfrm>
           <a:prstGeom prst="straightConnector1">
             <a:avLst/>
@@ -9328,7 +9355,7 @@
         <p:spPr>
           <a:xfrm>
             <a:off x="673200" y="3949920"/>
-            <a:ext cx="479880" cy="384840"/>
+            <a:ext cx="479520" cy="384480"/>
           </a:xfrm>
           <a:prstGeom prst="triangle">
             <a:avLst>
@@ -9395,9 +9422,9 @@
         <p:grpSpPr>
           <a:xfrm>
             <a:off x="101160" y="1413000"/>
-            <a:ext cx="1623600" cy="777960"/>
+            <a:ext cx="1623240" cy="777960"/>
             <a:chOff x="101160" y="1413000"/>
-            <a:chExt cx="1623600" cy="777960"/>
+            <a:chExt cx="1623240" cy="777960"/>
           </a:xfrm>
         </p:grpSpPr>
         <p:sp>
@@ -9409,7 +9436,7 @@
           <p:spPr>
             <a:xfrm>
               <a:off x="101160" y="1413000"/>
-              <a:ext cx="1623600" cy="303120"/>
+              <a:ext cx="1623240" cy="303120"/>
             </a:xfrm>
             <a:prstGeom prst="rect">
               <a:avLst/>
@@ -9467,7 +9494,7 @@
           <p:spPr>
             <a:xfrm>
               <a:off x="101160" y="1674360"/>
-              <a:ext cx="1623600" cy="516600"/>
+              <a:ext cx="1623240" cy="516600"/>
             </a:xfrm>
             <a:prstGeom prst="rect">
               <a:avLst/>
@@ -9559,7 +9586,7 @@
         <p:spPr>
           <a:xfrm>
             <a:off x="4775040" y="457200"/>
-            <a:ext cx="1623600" cy="303120"/>
+            <a:ext cx="1623240" cy="303120"/>
           </a:xfrm>
           <a:prstGeom prst="rect">
             <a:avLst/>
@@ -9616,7 +9643,7 @@
         <p:spPr>
           <a:xfrm>
             <a:off x="4775040" y="718560"/>
-            <a:ext cx="1623600" cy="730080"/>
+            <a:ext cx="1623240" cy="730080"/>
           </a:xfrm>
           <a:prstGeom prst="rect">
             <a:avLst/>
@@ -9733,9 +9760,9 @@
         <p:grpSpPr>
           <a:xfrm>
             <a:off x="4572000" y="4274280"/>
-            <a:ext cx="1623600" cy="991440"/>
+            <a:ext cx="1623240" cy="991440"/>
             <a:chOff x="4572000" y="4274280"/>
-            <a:chExt cx="1623600" cy="991440"/>
+            <a:chExt cx="1623240" cy="991440"/>
           </a:xfrm>
         </p:grpSpPr>
         <p:sp>
@@ -9747,7 +9774,7 @@
           <p:spPr>
             <a:xfrm>
               <a:off x="4572000" y="4274280"/>
-              <a:ext cx="1623600" cy="303120"/>
+              <a:ext cx="1623240" cy="303120"/>
             </a:xfrm>
             <a:prstGeom prst="rect">
               <a:avLst/>
@@ -9804,7 +9831,7 @@
           <p:spPr>
             <a:xfrm>
               <a:off x="4572000" y="4535640"/>
-              <a:ext cx="1623600" cy="730080"/>
+              <a:ext cx="1623240" cy="730080"/>
             </a:xfrm>
             <a:prstGeom prst="rect">
               <a:avLst/>
@@ -9922,7 +9949,7 @@
         <p:spPr>
           <a:xfrm>
             <a:off x="3231360" y="2899800"/>
-            <a:ext cx="1568880" cy="384840"/>
+            <a:ext cx="1568520" cy="384480"/>
           </a:xfrm>
           <a:prstGeom prst="diamond">
             <a:avLst/>
@@ -9987,7 +10014,7 @@
         <p:spPr>
           <a:xfrm>
             <a:off x="4602960" y="2585160"/>
-            <a:ext cx="1797480" cy="386280"/>
+            <a:ext cx="1797120" cy="385920"/>
           </a:xfrm>
           <a:prstGeom prst="diamond">
             <a:avLst/>
@@ -10054,8 +10081,8 @@
         </p:nvCxnSpPr>
         <p:spPr>
           <a:xfrm flipH="1" flipV="1">
-            <a:off x="4015800" y="3284640"/>
-            <a:ext cx="1368360" cy="990000"/>
+            <a:off x="4015800" y="3284280"/>
+            <a:ext cx="1368000" cy="990360"/>
           </a:xfrm>
           <a:prstGeom prst="straightConnector1">
             <a:avLst/>
@@ -10080,7 +10107,7 @@
         </p:nvCxnSpPr>
         <p:spPr>
           <a:xfrm flipV="1">
-            <a:off x="5501880" y="1448640"/>
+            <a:off x="5501520" y="1448640"/>
             <a:ext cx="85320" cy="1136880"/>
           </a:xfrm>
           <a:prstGeom prst="straightConnector1">
@@ -10105,8 +10132,8 @@
         </p:nvCxnSpPr>
         <p:spPr>
           <a:xfrm flipV="1">
-            <a:off x="5383800" y="2971440"/>
-            <a:ext cx="118440" cy="1303200"/>
+            <a:off x="5383440" y="2971080"/>
+            <a:ext cx="118440" cy="1303560"/>
           </a:xfrm>
           <a:prstGeom prst="straightConnector1">
             <a:avLst/>
@@ -10131,7 +10158,7 @@
         <p:spPr>
           <a:xfrm flipH="1">
             <a:off x="4015800" y="1448640"/>
-            <a:ext cx="1571400" cy="1451520"/>
+            <a:ext cx="1571040" cy="1451520"/>
           </a:xfrm>
           <a:prstGeom prst="straightConnector1">
             <a:avLst/>
@@ -10153,7 +10180,7 @@
         <p:spPr>
           <a:xfrm>
             <a:off x="2743200" y="457200"/>
-            <a:ext cx="1568880" cy="384840"/>
+            <a:ext cx="1568520" cy="384480"/>
           </a:xfrm>
           <a:prstGeom prst="diamond">
             <a:avLst/>
@@ -10220,8 +10247,8 @@
         </p:nvCxnSpPr>
         <p:spPr>
           <a:xfrm flipH="1" flipV="1">
-            <a:off x="4312080" y="649800"/>
-            <a:ext cx="463320" cy="434160"/>
+            <a:off x="4311720" y="649440"/>
+            <a:ext cx="463680" cy="434520"/>
           </a:xfrm>
           <a:prstGeom prst="straightConnector1">
             <a:avLst/>
@@ -10245,8 +10272,8 @@
         </p:nvCxnSpPr>
         <p:spPr>
           <a:xfrm flipH="1" flipV="1">
-            <a:off x="3527640" y="842040"/>
-            <a:ext cx="1247760" cy="241920"/>
+            <a:off x="3527640" y="841680"/>
+            <a:ext cx="1247760" cy="242280"/>
           </a:xfrm>
           <a:prstGeom prst="straightConnector1">
             <a:avLst/>
@@ -10268,9 +10295,9 @@
         <p:grpSpPr>
           <a:xfrm>
             <a:off x="8686800" y="837360"/>
-            <a:ext cx="1623600" cy="991440"/>
+            <a:ext cx="1623240" cy="991440"/>
             <a:chOff x="8686800" y="837360"/>
-            <a:chExt cx="1623600" cy="991440"/>
+            <a:chExt cx="1623240" cy="991440"/>
           </a:xfrm>
         </p:grpSpPr>
         <p:sp>
@@ -10282,7 +10309,7 @@
           <p:spPr>
             <a:xfrm>
               <a:off x="8686800" y="837360"/>
-              <a:ext cx="1623600" cy="303120"/>
+              <a:ext cx="1623240" cy="303120"/>
             </a:xfrm>
             <a:prstGeom prst="rect">
               <a:avLst/>
@@ -10339,7 +10366,7 @@
           <p:spPr>
             <a:xfrm>
               <a:off x="8686800" y="1098720"/>
-              <a:ext cx="1623600" cy="730080"/>
+              <a:ext cx="1623240" cy="730080"/>
             </a:xfrm>
             <a:prstGeom prst="rect">
               <a:avLst/>
@@ -10457,7 +10484,7 @@
         <p:spPr>
           <a:xfrm>
             <a:off x="128880" y="6134040"/>
-            <a:ext cx="1568880" cy="384840"/>
+            <a:ext cx="1568520" cy="384480"/>
           </a:xfrm>
           <a:prstGeom prst="diamond">
             <a:avLst/>
@@ -10522,7 +10549,7 @@
         <p:spPr>
           <a:xfrm>
             <a:off x="7315200" y="228600"/>
-            <a:ext cx="1568880" cy="384840"/>
+            <a:ext cx="1568520" cy="384480"/>
           </a:xfrm>
           <a:prstGeom prst="diamond">
             <a:avLst/>
@@ -10587,7 +10614,7 @@
         <p:spPr>
           <a:xfrm>
             <a:off x="360" y="3366000"/>
-            <a:ext cx="1831680" cy="2880"/>
+            <a:ext cx="1832040" cy="3240"/>
           </a:xfrm>
           <a:prstGeom prst="straightConnector1">
             <a:avLst/>
@@ -10611,8 +10638,8 @@
         </p:nvCxnSpPr>
         <p:spPr>
           <a:xfrm flipH="1">
-            <a:off x="6398640" y="421200"/>
-            <a:ext cx="916920" cy="662760"/>
+            <a:off x="6398280" y="420840"/>
+            <a:ext cx="917280" cy="663120"/>
           </a:xfrm>
           <a:prstGeom prst="straightConnector1">
             <a:avLst/>
@@ -10634,7 +10661,7 @@
         <p:spPr>
           <a:xfrm>
             <a:off x="6629400" y="1442160"/>
-            <a:ext cx="1828080" cy="614520"/>
+            <a:ext cx="1827720" cy="614160"/>
           </a:xfrm>
           <a:prstGeom prst="diamond">
             <a:avLst/>
@@ -10701,8 +10728,8 @@
         </p:nvCxnSpPr>
         <p:spPr>
           <a:xfrm flipH="1" flipV="1">
-            <a:off x="8884080" y="421200"/>
-            <a:ext cx="614880" cy="416520"/>
+            <a:off x="8883720" y="420840"/>
+            <a:ext cx="614880" cy="416880"/>
           </a:xfrm>
           <a:prstGeom prst="straightConnector1">
             <a:avLst/>
@@ -10725,7 +10752,7 @@
         <p:spPr>
           <a:xfrm>
             <a:off x="6629400" y="2514600"/>
-            <a:ext cx="1568880" cy="384840"/>
+            <a:ext cx="1568520" cy="384480"/>
           </a:xfrm>
           <a:prstGeom prst="diamond">
             <a:avLst/>
@@ -10792,8 +10819,8 @@
         </p:nvCxnSpPr>
         <p:spPr>
           <a:xfrm flipH="1">
-            <a:off x="8198280" y="1828800"/>
-            <a:ext cx="1300680" cy="878760"/>
+            <a:off x="8197920" y="1828800"/>
+            <a:ext cx="1300680" cy="878400"/>
           </a:xfrm>
           <a:prstGeom prst="straightConnector1">
             <a:avLst/>
@@ -10817,8 +10844,8 @@
         </p:nvCxnSpPr>
         <p:spPr>
           <a:xfrm flipH="1">
-            <a:off x="6195600" y="2707200"/>
-            <a:ext cx="434160" cy="2063160"/>
+            <a:off x="6195240" y="2706840"/>
+            <a:ext cx="434520" cy="2063520"/>
           </a:xfrm>
           <a:prstGeom prst="straightConnector1">
             <a:avLst/>
@@ -10842,8 +10869,8 @@
         </p:nvCxnSpPr>
         <p:spPr>
           <a:xfrm flipH="1">
-            <a:off x="8457480" y="1333080"/>
-            <a:ext cx="229680" cy="416880"/>
+            <a:off x="8457120" y="1333080"/>
+            <a:ext cx="230040" cy="416520"/>
           </a:xfrm>
           <a:prstGeom prst="straightConnector1">
             <a:avLst/>
@@ -10867,8 +10894,8 @@
         </p:nvCxnSpPr>
         <p:spPr>
           <a:xfrm flipH="1" flipV="1">
-            <a:off x="5586840" y="1448640"/>
-            <a:ext cx="1042920" cy="301320"/>
+            <a:off x="5586480" y="1448640"/>
+            <a:ext cx="1043280" cy="300960"/>
           </a:xfrm>
           <a:prstGeom prst="straightConnector1">
             <a:avLst/>
@@ -10890,9 +10917,9 @@
         <p:grpSpPr>
           <a:xfrm>
             <a:off x="9576000" y="4343400"/>
-            <a:ext cx="1623600" cy="564120"/>
+            <a:ext cx="1623240" cy="563760"/>
             <a:chOff x="9576000" y="4343400"/>
-            <a:chExt cx="1623600" cy="564120"/>
+            <a:chExt cx="1623240" cy="563760"/>
           </a:xfrm>
         </p:grpSpPr>
         <p:sp>
@@ -10904,7 +10931,7 @@
           <p:spPr>
             <a:xfrm>
               <a:off x="9576000" y="4343400"/>
-              <a:ext cx="1623600" cy="303120"/>
+              <a:ext cx="1623240" cy="303120"/>
             </a:xfrm>
             <a:prstGeom prst="rect">
               <a:avLst/>
@@ -10961,7 +10988,7 @@
           <p:spPr>
             <a:xfrm>
               <a:off x="9576000" y="4604760"/>
-              <a:ext cx="1623600" cy="302760"/>
+              <a:ext cx="1623240" cy="302400"/>
             </a:xfrm>
             <a:prstGeom prst="rect">
               <a:avLst/>
@@ -11010,9 +11037,9 @@
         <p:grpSpPr>
           <a:xfrm>
             <a:off x="101160" y="336240"/>
-            <a:ext cx="1623600" cy="777960"/>
+            <a:ext cx="1623240" cy="777960"/>
             <a:chOff x="101160" y="336240"/>
-            <a:chExt cx="1623600" cy="777960"/>
+            <a:chExt cx="1623240" cy="777960"/>
           </a:xfrm>
         </p:grpSpPr>
         <p:sp>
@@ -11024,7 +11051,7 @@
           <p:spPr>
             <a:xfrm>
               <a:off x="101160" y="336240"/>
-              <a:ext cx="1623600" cy="303120"/>
+              <a:ext cx="1623240" cy="303120"/>
             </a:xfrm>
             <a:prstGeom prst="rect">
               <a:avLst/>
@@ -11081,7 +11108,7 @@
           <p:spPr>
             <a:xfrm>
               <a:off x="101160" y="597600"/>
-              <a:ext cx="1623600" cy="516600"/>
+              <a:ext cx="1623240" cy="516600"/>
             </a:xfrm>
             <a:prstGeom prst="rect">
               <a:avLst/>
@@ -11172,9 +11199,9 @@
         <p:grpSpPr>
           <a:xfrm>
             <a:off x="7214400" y="4359960"/>
-            <a:ext cx="1623600" cy="563760"/>
+            <a:ext cx="1623240" cy="563400"/>
             <a:chOff x="7214400" y="4359960"/>
-            <a:chExt cx="1623600" cy="563760"/>
+            <a:chExt cx="1623240" cy="563400"/>
           </a:xfrm>
         </p:grpSpPr>
         <p:sp>
@@ -11186,7 +11213,7 @@
           <p:spPr>
             <a:xfrm>
               <a:off x="7214400" y="4359960"/>
-              <a:ext cx="1623600" cy="303120"/>
+              <a:ext cx="1623240" cy="303120"/>
             </a:xfrm>
             <a:prstGeom prst="rect">
               <a:avLst/>
@@ -11243,7 +11270,7 @@
           <p:spPr>
             <a:xfrm>
               <a:off x="7214400" y="4621320"/>
-              <a:ext cx="1623600" cy="302400"/>
+              <a:ext cx="1623240" cy="302040"/>
             </a:xfrm>
             <a:prstGeom prst="rect">
               <a:avLst/>
@@ -11292,7 +11319,7 @@
         <p:spPr>
           <a:xfrm>
             <a:off x="9144000" y="2057400"/>
-            <a:ext cx="479880" cy="384840"/>
+            <a:ext cx="479520" cy="384480"/>
           </a:xfrm>
           <a:prstGeom prst="triangle">
             <a:avLst>
@@ -11360,8 +11387,8 @@
         </p:nvCxnSpPr>
         <p:spPr>
           <a:xfrm flipH="1">
-            <a:off x="8026200" y="4114080"/>
-            <a:ext cx="1435680" cy="246600"/>
+            <a:off x="8026200" y="4113720"/>
+            <a:ext cx="1435320" cy="247320"/>
           </a:xfrm>
           <a:prstGeom prst="straightConnector1">
             <a:avLst/>
@@ -11385,8 +11412,8 @@
         </p:nvCxnSpPr>
         <p:spPr>
           <a:xfrm flipH="1" flipV="1">
-            <a:off x="9461520" y="4114080"/>
-            <a:ext cx="926640" cy="229680"/>
+            <a:off x="9461160" y="4113720"/>
+            <a:ext cx="926640" cy="230040"/>
           </a:xfrm>
           <a:prstGeom prst="straightConnector1">
             <a:avLst/>
@@ -11409,8 +11436,8 @@
         </p:nvCxnSpPr>
         <p:spPr>
           <a:xfrm flipH="1">
-            <a:off x="9346320" y="2442240"/>
-            <a:ext cx="38160" cy="438120"/>
+            <a:off x="9346320" y="2441880"/>
+            <a:ext cx="37800" cy="438840"/>
           </a:xfrm>
           <a:prstGeom prst="straightConnector1">
             <a:avLst/>
@@ -11434,7 +11461,7 @@
         </p:nvCxnSpPr>
         <p:spPr>
           <a:xfrm flipH="1">
-            <a:off x="9384120" y="1828800"/>
+            <a:off x="9383760" y="1828800"/>
             <a:ext cx="114840" cy="228960"/>
           </a:xfrm>
           <a:prstGeom prst="straightConnector1">
@@ -11457,7 +11484,7 @@
         <p:spPr>
           <a:xfrm>
             <a:off x="7543800" y="5715000"/>
-            <a:ext cx="1623600" cy="303120"/>
+            <a:ext cx="1623240" cy="303120"/>
           </a:xfrm>
           <a:prstGeom prst="rect">
             <a:avLst/>
@@ -11514,7 +11541,7 @@
         <p:spPr>
           <a:xfrm>
             <a:off x="7214400" y="5183280"/>
-            <a:ext cx="1827000" cy="384840"/>
+            <a:ext cx="1826640" cy="384480"/>
           </a:xfrm>
           <a:prstGeom prst="diamond">
             <a:avLst/>
@@ -11579,7 +11606,7 @@
         <p:spPr>
           <a:xfrm flipH="1">
             <a:off x="0" y="3657600"/>
-            <a:ext cx="1831680" cy="2880"/>
+            <a:ext cx="1832040" cy="3240"/>
           </a:xfrm>
           <a:prstGeom prst="straightConnector1">
             <a:avLst/>
@@ -11601,9 +11628,9 @@
         <p:grpSpPr>
           <a:xfrm>
             <a:off x="8534520" y="2879640"/>
-            <a:ext cx="1623600" cy="564480"/>
+            <a:ext cx="1623240" cy="564120"/>
             <a:chOff x="8534520" y="2879640"/>
-            <a:chExt cx="1623600" cy="564480"/>
+            <a:chExt cx="1623240" cy="564120"/>
           </a:xfrm>
         </p:grpSpPr>
         <p:sp>
@@ -11615,7 +11642,7 @@
           <p:spPr>
             <a:xfrm>
               <a:off x="8534520" y="2879640"/>
-              <a:ext cx="1623600" cy="303120"/>
+              <a:ext cx="1623240" cy="303120"/>
             </a:xfrm>
             <a:prstGeom prst="rect">
               <a:avLst/>
@@ -11672,7 +11699,7 @@
           <p:spPr>
             <a:xfrm>
               <a:off x="8534520" y="3141000"/>
-              <a:ext cx="1623600" cy="303120"/>
+              <a:ext cx="1623240" cy="302760"/>
             </a:xfrm>
             <a:prstGeom prst="rect">
               <a:avLst/>
@@ -11721,9 +11748,9 @@
         <p:grpSpPr>
           <a:xfrm>
             <a:off x="8534520" y="2879640"/>
-            <a:ext cx="1623600" cy="564480"/>
+            <a:ext cx="1623240" cy="564480"/>
             <a:chOff x="8534520" y="2879640"/>
-            <a:chExt cx="1623600" cy="564480"/>
+            <a:chExt cx="1623240" cy="564480"/>
           </a:xfrm>
         </p:grpSpPr>
         <p:sp>
@@ -11735,7 +11762,7 @@
           <p:spPr>
             <a:xfrm>
               <a:off x="8534520" y="2879640"/>
-              <a:ext cx="1623600" cy="303120"/>
+              <a:ext cx="1623240" cy="303120"/>
             </a:xfrm>
             <a:prstGeom prst="rect">
               <a:avLst/>
@@ -11792,7 +11819,7 @@
           <p:spPr>
             <a:xfrm>
               <a:off x="8534520" y="3141000"/>
-              <a:ext cx="1623600" cy="303120"/>
+              <a:ext cx="1623240" cy="303120"/>
             </a:xfrm>
             <a:prstGeom prst="rect">
               <a:avLst/>
@@ -11855,7 +11882,7 @@
         <p:spPr>
           <a:xfrm>
             <a:off x="9221400" y="3729240"/>
-            <a:ext cx="479880" cy="384840"/>
+            <a:ext cx="479520" cy="384480"/>
           </a:xfrm>
           <a:prstGeom prst="triangle">
             <a:avLst>
@@ -11924,7 +11951,7 @@
         </p:nvCxnSpPr>
         <p:spPr>
           <a:xfrm>
-            <a:off x="9346320" y="3444120"/>
+            <a:off x="9345960" y="3444120"/>
             <a:ext cx="115560" cy="285480"/>
           </a:xfrm>
           <a:prstGeom prst="straightConnector1">
@@ -11947,7 +11974,7 @@
         <p:spPr>
           <a:xfrm>
             <a:off x="8556840" y="3657600"/>
-            <a:ext cx="1831680" cy="2880"/>
+            <a:ext cx="1832040" cy="3240"/>
           </a:xfrm>
           <a:prstGeom prst="straightConnector1">
             <a:avLst/>
@@ -11970,7 +11997,7 @@
         <p:spPr>
           <a:xfrm>
             <a:off x="9601200" y="3382920"/>
-            <a:ext cx="913680" cy="345600"/>
+            <a:ext cx="913320" cy="345240"/>
           </a:xfrm>
           <a:prstGeom prst="rect">
             <a:avLst/>
@@ -12023,7 +12050,7 @@
         <p:spPr>
           <a:xfrm>
             <a:off x="2057400" y="2132280"/>
-            <a:ext cx="1623600" cy="303120"/>
+            <a:ext cx="1623240" cy="303120"/>
           </a:xfrm>
           <a:prstGeom prst="rect">
             <a:avLst/>
@@ -12080,7 +12107,7 @@
         <p:spPr>
           <a:xfrm>
             <a:off x="2057400" y="2393640"/>
-            <a:ext cx="1623600" cy="195120"/>
+            <a:ext cx="1623240" cy="194760"/>
           </a:xfrm>
           <a:prstGeom prst="rect">
             <a:avLst/>
@@ -12128,7 +12155,7 @@
         <p:spPr>
           <a:xfrm>
             <a:off x="2613960" y="1217880"/>
-            <a:ext cx="479880" cy="384840"/>
+            <a:ext cx="479520" cy="384480"/>
           </a:xfrm>
           <a:prstGeom prst="triangle">
             <a:avLst>
@@ -12197,8 +12224,8 @@
         </p:nvCxnSpPr>
         <p:spPr>
           <a:xfrm>
-            <a:off x="2854080" y="1602720"/>
-            <a:ext cx="15480" cy="529920"/>
+            <a:off x="2853720" y="1602360"/>
+            <a:ext cx="15480" cy="530280"/>
           </a:xfrm>
           <a:prstGeom prst="straightConnector1">
             <a:avLst/>
@@ -12222,8 +12249,8 @@
         </p:nvCxnSpPr>
         <p:spPr>
           <a:xfrm flipV="1">
-            <a:off x="2854080" y="1083600"/>
-            <a:ext cx="1921320" cy="134640"/>
+            <a:off x="2853720" y="1083600"/>
+            <a:ext cx="1921680" cy="134640"/>
           </a:xfrm>
           <a:prstGeom prst="straightConnector1">
             <a:avLst/>
@@ -12247,8 +12274,8 @@
         </p:nvCxnSpPr>
         <p:spPr>
           <a:xfrm>
-            <a:off x="8026200" y="4923720"/>
-            <a:ext cx="102240" cy="259920"/>
+            <a:off x="8025840" y="4923360"/>
+            <a:ext cx="102240" cy="260280"/>
           </a:xfrm>
           <a:prstGeom prst="straightConnector1">
             <a:avLst/>
@@ -12273,8 +12300,8 @@
         </p:nvCxnSpPr>
         <p:spPr>
           <a:xfrm>
-            <a:off x="8128080" y="5568120"/>
-            <a:ext cx="227880" cy="147240"/>
+            <a:off x="8127720" y="5567760"/>
+            <a:ext cx="227880" cy="147600"/>
           </a:xfrm>
           <a:prstGeom prst="straightConnector1">
             <a:avLst/>
@@ -12326,7 +12353,7 @@
         <p:spPr>
           <a:xfrm flipH="1">
             <a:off x="0" y="3073320"/>
-            <a:ext cx="1831680" cy="2880"/>
+            <a:ext cx="1832040" cy="3240"/>
           </a:xfrm>
           <a:prstGeom prst="straightConnector1">
             <a:avLst/>
@@ -12349,7 +12376,7 @@
         <p:spPr>
           <a:xfrm>
             <a:off x="0" y="2489400"/>
-            <a:ext cx="1831680" cy="2880"/>
+            <a:ext cx="1832040" cy="3240"/>
           </a:xfrm>
           <a:prstGeom prst="straightConnector1">
             <a:avLst/>
@@ -12372,7 +12399,7 @@
         <p:spPr>
           <a:xfrm>
             <a:off x="0" y="2781360"/>
-            <a:ext cx="1831680" cy="2880"/>
+            <a:ext cx="1832040" cy="3240"/>
           </a:xfrm>
           <a:prstGeom prst="straightConnector1">
             <a:avLst/>
@@ -12395,7 +12422,7 @@
         <p:spPr>
           <a:xfrm flipH="1">
             <a:off x="0" y="3657600"/>
-            <a:ext cx="1831680" cy="2880"/>
+            <a:ext cx="1832040" cy="3240"/>
           </a:xfrm>
           <a:prstGeom prst="straightConnector1">
             <a:avLst/>
@@ -12417,7 +12444,7 @@
         <p:spPr>
           <a:xfrm>
             <a:off x="128520" y="6134040"/>
-            <a:ext cx="1568880" cy="384840"/>
+            <a:ext cx="1568520" cy="384480"/>
           </a:xfrm>
           <a:prstGeom prst="diamond">
             <a:avLst/>
@@ -12482,7 +12509,7 @@
         <p:spPr>
           <a:xfrm>
             <a:off x="302760" y="5454000"/>
-            <a:ext cx="1220400" cy="384840"/>
+            <a:ext cx="1220040" cy="384480"/>
           </a:xfrm>
           <a:prstGeom prst="ellipse">
             <a:avLst/>
@@ -12545,7 +12572,7 @@
         <p:spPr>
           <a:xfrm>
             <a:off x="101160" y="336240"/>
-            <a:ext cx="1623600" cy="303120"/>
+            <a:ext cx="1623240" cy="303120"/>
           </a:xfrm>
           <a:prstGeom prst="rect">
             <a:avLst/>
@@ -12602,7 +12629,7 @@
         <p:spPr>
           <a:xfrm>
             <a:off x="101160" y="597600"/>
-            <a:ext cx="1623600" cy="516600"/>
+            <a:ext cx="1623240" cy="516600"/>
           </a:xfrm>
           <a:prstGeom prst="rect">
             <a:avLst/>
@@ -12692,7 +12719,7 @@
         <p:spPr>
           <a:xfrm>
             <a:off x="8458200" y="5486400"/>
-            <a:ext cx="1623600" cy="303120"/>
+            <a:ext cx="1623240" cy="303120"/>
           </a:xfrm>
           <a:prstGeom prst="rect">
             <a:avLst/>
@@ -12749,7 +12776,7 @@
         <p:spPr>
           <a:xfrm>
             <a:off x="128520" y="4629600"/>
-            <a:ext cx="1568880" cy="529560"/>
+            <a:ext cx="1568520" cy="529200"/>
           </a:xfrm>
           <a:prstGeom prst="diamond">
             <a:avLst/>
@@ -12837,7 +12864,7 @@
         <p:spPr>
           <a:xfrm>
             <a:off x="0" y="3365640"/>
-            <a:ext cx="1831680" cy="2880"/>
+            <a:ext cx="1832040" cy="3240"/>
           </a:xfrm>
           <a:prstGeom prst="straightConnector1">
             <a:avLst/>
@@ -12859,7 +12886,7 @@
         <p:spPr>
           <a:xfrm>
             <a:off x="673200" y="3949920"/>
-            <a:ext cx="479880" cy="384840"/>
+            <a:ext cx="479520" cy="384480"/>
           </a:xfrm>
           <a:prstGeom prst="triangle">
             <a:avLst>
@@ -12926,9 +12953,9 @@
         <p:grpSpPr>
           <a:xfrm>
             <a:off x="101160" y="1413000"/>
-            <a:ext cx="1623600" cy="777960"/>
+            <a:ext cx="1623240" cy="777960"/>
             <a:chOff x="101160" y="1413000"/>
-            <a:chExt cx="1623600" cy="777960"/>
+            <a:chExt cx="1623240" cy="777960"/>
           </a:xfrm>
         </p:grpSpPr>
         <p:sp>
@@ -12940,7 +12967,7 @@
           <p:spPr>
             <a:xfrm>
               <a:off x="101160" y="1413000"/>
-              <a:ext cx="1623600" cy="303120"/>
+              <a:ext cx="1623240" cy="303120"/>
             </a:xfrm>
             <a:prstGeom prst="rect">
               <a:avLst/>
@@ -12998,7 +13025,7 @@
           <p:spPr>
             <a:xfrm>
               <a:off x="101160" y="1674360"/>
-              <a:ext cx="1623600" cy="516600"/>
+              <a:ext cx="1623240" cy="516600"/>
             </a:xfrm>
             <a:prstGeom prst="rect">
               <a:avLst/>
@@ -13089,8 +13116,8 @@
         </p:nvSpPr>
         <p:spPr>
           <a:xfrm>
-            <a:off x="5486400" y="531720"/>
-            <a:ext cx="1623600" cy="303120"/>
+            <a:off x="5463360" y="2131920"/>
+            <a:ext cx="1623240" cy="303120"/>
           </a:xfrm>
           <a:prstGeom prst="rect">
             <a:avLst/>
@@ -13152,8 +13179,8 @@
         </p:nvSpPr>
         <p:spPr>
           <a:xfrm>
-            <a:off x="5486400" y="228600"/>
-            <a:ext cx="1623600" cy="303120"/>
+            <a:off x="5463360" y="1828800"/>
+            <a:ext cx="1623240" cy="303120"/>
           </a:xfrm>
           <a:prstGeom prst="rect">
             <a:avLst/>
@@ -13209,10 +13236,10 @@
         </p:nvGrpSpPr>
         <p:grpSpPr>
           <a:xfrm>
-            <a:off x="4319640" y="2422440"/>
-            <a:ext cx="1623600" cy="777960"/>
-            <a:chOff x="4319640" y="2422440"/>
-            <a:chExt cx="1623600" cy="777960"/>
+            <a:off x="4296600" y="4022640"/>
+            <a:ext cx="1623240" cy="777960"/>
+            <a:chOff x="4296600" y="4022640"/>
+            <a:chExt cx="1623240" cy="777960"/>
           </a:xfrm>
         </p:grpSpPr>
         <p:sp>
@@ -13223,8 +13250,8 @@
           </p:nvSpPr>
           <p:spPr>
             <a:xfrm>
-              <a:off x="4319640" y="2422440"/>
-              <a:ext cx="1623600" cy="303120"/>
+              <a:off x="4296600" y="4022640"/>
+              <a:ext cx="1623240" cy="303120"/>
             </a:xfrm>
             <a:prstGeom prst="rect">
               <a:avLst/>
@@ -13280,8 +13307,8 @@
           </p:nvSpPr>
           <p:spPr>
             <a:xfrm>
-              <a:off x="4319640" y="2683800"/>
-              <a:ext cx="1623600" cy="516600"/>
+              <a:off x="4296600" y="4284000"/>
+              <a:ext cx="1623240" cy="516600"/>
             </a:xfrm>
             <a:prstGeom prst="rect">
               <a:avLst/>
@@ -13372,9 +13399,9 @@
         <p:grpSpPr>
           <a:xfrm>
             <a:off x="9348840" y="2254320"/>
-            <a:ext cx="1623600" cy="1631880"/>
+            <a:ext cx="1623240" cy="1631880"/>
             <a:chOff x="9348840" y="2254320"/>
-            <a:chExt cx="1623600" cy="1631880"/>
+            <a:chExt cx="1623240" cy="1631880"/>
           </a:xfrm>
         </p:grpSpPr>
         <p:sp>
@@ -13386,7 +13413,7 @@
           <p:spPr>
             <a:xfrm>
               <a:off x="9348840" y="2254320"/>
-              <a:ext cx="1623600" cy="303120"/>
+              <a:ext cx="1623240" cy="303120"/>
             </a:xfrm>
             <a:prstGeom prst="rect">
               <a:avLst/>
@@ -13443,7 +13470,7 @@
           <p:spPr>
             <a:xfrm>
               <a:off x="9348840" y="2515680"/>
-              <a:ext cx="1623600" cy="1370520"/>
+              <a:ext cx="1623240" cy="1370520"/>
             </a:xfrm>
             <a:prstGeom prst="rect">
               <a:avLst/>
@@ -13642,7 +13669,7 @@
         <p:spPr>
           <a:xfrm>
             <a:off x="9402120" y="4572000"/>
-            <a:ext cx="1568880" cy="384840"/>
+            <a:ext cx="1568520" cy="384480"/>
           </a:xfrm>
           <a:prstGeom prst="diamond">
             <a:avLst/>
@@ -13707,7 +13734,7 @@
         <p:spPr>
           <a:xfrm>
             <a:off x="7007400" y="4572000"/>
-            <a:ext cx="1677600" cy="384840"/>
+            <a:ext cx="1677240" cy="384480"/>
           </a:xfrm>
           <a:prstGeom prst="ellipse">
             <a:avLst/>
@@ -13770,9 +13797,9 @@
         <p:grpSpPr>
           <a:xfrm>
             <a:off x="9348840" y="2254320"/>
-            <a:ext cx="1623600" cy="1631880"/>
+            <a:ext cx="1623240" cy="1631880"/>
             <a:chOff x="9348840" y="2254320"/>
-            <a:chExt cx="1623600" cy="1631880"/>
+            <a:chExt cx="1623240" cy="1631880"/>
           </a:xfrm>
         </p:grpSpPr>
         <p:sp>
@@ -13784,7 +13811,7 @@
           <p:spPr>
             <a:xfrm>
               <a:off x="9348840" y="2254320"/>
-              <a:ext cx="1623600" cy="303120"/>
+              <a:ext cx="1623240" cy="303120"/>
             </a:xfrm>
             <a:prstGeom prst="rect">
               <a:avLst/>
@@ -13841,7 +13868,7 @@
           <p:spPr>
             <a:xfrm>
               <a:off x="9348840" y="2515680"/>
-              <a:ext cx="1623600" cy="1370520"/>
+              <a:ext cx="1623240" cy="1370520"/>
             </a:xfrm>
             <a:prstGeom prst="rect">
               <a:avLst/>
@@ -14040,9 +14067,9 @@
         <p:grpSpPr>
           <a:xfrm>
             <a:off x="9348840" y="2254320"/>
-            <a:ext cx="1623600" cy="1631880"/>
+            <a:ext cx="1623240" cy="1631880"/>
             <a:chOff x="9348840" y="2254320"/>
-            <a:chExt cx="1623600" cy="1631880"/>
+            <a:chExt cx="1623240" cy="1631880"/>
           </a:xfrm>
         </p:grpSpPr>
         <p:sp>
@@ -14054,7 +14081,7 @@
           <p:spPr>
             <a:xfrm>
               <a:off x="9348840" y="2254320"/>
-              <a:ext cx="1623600" cy="303120"/>
+              <a:ext cx="1623240" cy="303120"/>
             </a:xfrm>
             <a:prstGeom prst="rect">
               <a:avLst/>
@@ -14111,7 +14138,7 @@
           <p:spPr>
             <a:xfrm>
               <a:off x="9348840" y="2515680"/>
-              <a:ext cx="1623600" cy="1370520"/>
+              <a:ext cx="1623240" cy="1370520"/>
             </a:xfrm>
             <a:prstGeom prst="rect">
               <a:avLst/>
@@ -14309,8 +14336,8 @@
         </p:nvSpPr>
         <p:spPr>
           <a:xfrm>
-            <a:off x="6859440" y="2743200"/>
-            <a:ext cx="1827000" cy="384840"/>
+            <a:off x="7086600" y="3501720"/>
+            <a:ext cx="1826640" cy="384480"/>
           </a:xfrm>
           <a:prstGeom prst="diamond">
             <a:avLst/>
@@ -14374,8 +14401,8 @@
         </p:nvSpPr>
         <p:spPr>
           <a:xfrm>
-            <a:off x="9149760" y="1143000"/>
-            <a:ext cx="1797480" cy="384840"/>
+            <a:off x="7543800" y="1869840"/>
+            <a:ext cx="1797120" cy="384480"/>
           </a:xfrm>
           <a:prstGeom prst="diamond">
             <a:avLst/>
@@ -14436,14 +14463,14 @@
           <p:cNvPr id="237" name="Straight Arrow Connector 65"/>
           <p:cNvCxnSpPr>
             <a:stCxn id="219" idx="3"/>
-            <a:endCxn id="236" idx="0"/>
+            <a:endCxn id="236" idx="1"/>
           </p:cNvCxnSpPr>
           <p:nvPr/>
         </p:nvCxnSpPr>
         <p:spPr>
-          <a:xfrm>
-            <a:off x="7110000" y="683280"/>
-            <a:ext cx="2939040" cy="460080"/>
+          <a:xfrm flipV="1">
+            <a:off x="7086600" y="2062080"/>
+            <a:ext cx="457560" cy="221760"/>
           </a:xfrm>
           <a:prstGeom prst="straightConnector1">
             <a:avLst/>
@@ -14468,8 +14495,8 @@
         </p:nvCxnSpPr>
         <p:spPr>
           <a:xfrm flipH="1">
-            <a:off x="9270000" y="4956840"/>
-            <a:ext cx="916920" cy="529920"/>
+            <a:off x="9269640" y="4956480"/>
+            <a:ext cx="917280" cy="530280"/>
           </a:xfrm>
           <a:prstGeom prst="straightConnector1">
             <a:avLst/>
@@ -14493,8 +14520,8 @@
         </p:nvCxnSpPr>
         <p:spPr>
           <a:xfrm>
-            <a:off x="10160640" y="3886200"/>
-            <a:ext cx="26280" cy="686160"/>
+            <a:off x="10160280" y="3886200"/>
+            <a:ext cx="26640" cy="686160"/>
           </a:xfrm>
           <a:prstGeom prst="straightConnector1">
             <a:avLst/>
@@ -14518,8 +14545,8 @@
         </p:nvCxnSpPr>
         <p:spPr>
           <a:xfrm flipH="1">
-            <a:off x="8685000" y="4764600"/>
-            <a:ext cx="717480" cy="360"/>
+            <a:off x="8684640" y="4764240"/>
+            <a:ext cx="717840" cy="360"/>
           </a:xfrm>
           <a:prstGeom prst="straightConnector1">
             <a:avLst/>
@@ -14541,7 +14568,7 @@
         <p:spPr>
           <a:xfrm>
             <a:off x="6629400" y="5099760"/>
-            <a:ext cx="1598400" cy="384840"/>
+            <a:ext cx="1598040" cy="384480"/>
           </a:xfrm>
           <a:prstGeom prst="ellipse">
             <a:avLst/>
@@ -14606,8 +14633,8 @@
         </p:nvCxnSpPr>
         <p:spPr>
           <a:xfrm flipH="1">
-            <a:off x="8227800" y="4764600"/>
-            <a:ext cx="1174680" cy="528120"/>
+            <a:off x="8227440" y="4764240"/>
+            <a:ext cx="1175040" cy="528120"/>
           </a:xfrm>
           <a:prstGeom prst="straightConnector1">
             <a:avLst/>
@@ -14631,8 +14658,8 @@
         </p:nvCxnSpPr>
         <p:spPr>
           <a:xfrm flipH="1">
-            <a:off x="3655800" y="950400"/>
-            <a:ext cx="2160" cy="457560"/>
+            <a:off x="3632400" y="2550240"/>
+            <a:ext cx="2520" cy="457560"/>
           </a:xfrm>
           <a:prstGeom prst="straightConnector1">
             <a:avLst/>
@@ -14653,8 +14680,8 @@
         </p:nvSpPr>
         <p:spPr>
           <a:xfrm>
-            <a:off x="5257800" y="1215000"/>
-            <a:ext cx="1568880" cy="384840"/>
+            <a:off x="5234760" y="2815200"/>
+            <a:ext cx="1568520" cy="384480"/>
           </a:xfrm>
           <a:prstGeom prst="diamond">
             <a:avLst/>
@@ -14718,8 +14745,8 @@
         </p:nvSpPr>
         <p:spPr>
           <a:xfrm>
-            <a:off x="3657600" y="757800"/>
-            <a:ext cx="1568880" cy="384840"/>
+            <a:off x="3634560" y="2358000"/>
+            <a:ext cx="1568520" cy="384480"/>
           </a:xfrm>
           <a:prstGeom prst="diamond">
             <a:avLst/>
@@ -14783,8 +14810,8 @@
         </p:nvSpPr>
         <p:spPr>
           <a:xfrm>
-            <a:off x="2057400" y="1215000"/>
-            <a:ext cx="1598400" cy="384840"/>
+            <a:off x="2034360" y="2815200"/>
+            <a:ext cx="1598040" cy="384480"/>
           </a:xfrm>
           <a:prstGeom prst="ellipse">
             <a:avLst/>
@@ -14849,8 +14876,8 @@
         </p:nvCxnSpPr>
         <p:spPr>
           <a:xfrm flipH="1" flipV="1">
-            <a:off x="4442040" y="1142640"/>
-            <a:ext cx="689760" cy="1280160"/>
+            <a:off x="4419000" y="2742480"/>
+            <a:ext cx="689400" cy="1280520"/>
           </a:xfrm>
           <a:prstGeom prst="straightConnector1">
             <a:avLst/>
@@ -14875,7 +14902,7 @@
         </p:nvCxnSpPr>
         <p:spPr>
           <a:xfrm flipH="1">
-            <a:off x="4442040" y="380160"/>
+            <a:off x="4419000" y="1980360"/>
             <a:ext cx="1044720" cy="378000"/>
           </a:xfrm>
           <a:prstGeom prst="straightConnector1">
@@ -14900,8 +14927,8 @@
         </p:nvCxnSpPr>
         <p:spPr>
           <a:xfrm flipV="1">
-            <a:off x="5131440" y="1599840"/>
-            <a:ext cx="911160" cy="822960"/>
+            <a:off x="5108040" y="3199680"/>
+            <a:ext cx="911520" cy="823320"/>
           </a:xfrm>
           <a:prstGeom prst="straightConnector1">
             <a:avLst/>
@@ -14926,8 +14953,8 @@
         </p:nvCxnSpPr>
         <p:spPr>
           <a:xfrm flipV="1">
-            <a:off x="6042240" y="834840"/>
-            <a:ext cx="256320" cy="380520"/>
+            <a:off x="6019200" y="2435040"/>
+            <a:ext cx="255960" cy="380520"/>
           </a:xfrm>
           <a:prstGeom prst="straightConnector1">
             <a:avLst/>
@@ -14950,9 +14977,9 @@
           <p:nvPr/>
         </p:nvCxnSpPr>
         <p:spPr>
-          <a:xfrm>
-            <a:off x="5943240" y="2811240"/>
-            <a:ext cx="916560" cy="124920"/>
+          <a:xfrm flipV="1">
+            <a:off x="5919840" y="3693960"/>
+            <a:ext cx="1167120" cy="717840"/>
           </a:xfrm>
           <a:prstGeom prst="straightConnector1">
             <a:avLst/>
@@ -14976,9 +15003,9 @@
           <p:nvPr/>
         </p:nvCxnSpPr>
         <p:spPr>
-          <a:xfrm flipH="1" flipV="1">
-            <a:off x="8686440" y="2935800"/>
-            <a:ext cx="662760" cy="134640"/>
+          <a:xfrm flipH="1">
+            <a:off x="8913240" y="3070080"/>
+            <a:ext cx="435960" cy="624240"/>
           </a:xfrm>
           <a:prstGeom prst="straightConnector1">
             <a:avLst/>
@@ -14996,14 +15023,14 @@
           <p:cNvPr id="253" name="Straight Arrow Connector 39"/>
           <p:cNvCxnSpPr>
             <a:stCxn id="232" idx="0"/>
-            <a:endCxn id="236" idx="2"/>
+            <a:endCxn id="236" idx="3"/>
           </p:cNvCxnSpPr>
           <p:nvPr/>
         </p:nvCxnSpPr>
         <p:spPr>
           <a:xfrm flipH="1" flipV="1">
-            <a:off x="10048680" y="1527840"/>
-            <a:ext cx="112320" cy="726840"/>
+            <a:off x="9340920" y="2062080"/>
+            <a:ext cx="819720" cy="192600"/>
           </a:xfrm>
           <a:prstGeom prst="straightConnector1">
             <a:avLst/>
@@ -15024,8 +15051,8 @@
         </p:nvSpPr>
         <p:spPr>
           <a:xfrm>
-            <a:off x="2744640" y="3729600"/>
-            <a:ext cx="1827000" cy="384840"/>
+            <a:off x="2722320" y="5330520"/>
+            <a:ext cx="1826640" cy="384480"/>
           </a:xfrm>
           <a:prstGeom prst="diamond">
             <a:avLst/>
@@ -15092,8 +15119,8 @@
         </p:nvCxnSpPr>
         <p:spPr>
           <a:xfrm flipH="1">
-            <a:off x="3658320" y="2811240"/>
-            <a:ext cx="661680" cy="918720"/>
+            <a:off x="3635640" y="4411440"/>
+            <a:ext cx="661320" cy="919440"/>
           </a:xfrm>
           <a:prstGeom prst="straightConnector1">
             <a:avLst/>
@@ -15117,8 +15144,8 @@
         </p:nvCxnSpPr>
         <p:spPr>
           <a:xfrm flipH="1">
-            <a:off x="4571640" y="3200400"/>
-            <a:ext cx="560160" cy="722160"/>
+            <a:off x="4548960" y="4800600"/>
+            <a:ext cx="559440" cy="722520"/>
           </a:xfrm>
           <a:prstGeom prst="straightConnector1">
             <a:avLst/>
@@ -15140,7 +15167,7 @@
         <p:spPr>
           <a:xfrm>
             <a:off x="7315200" y="4114800"/>
-            <a:ext cx="1677600" cy="384840"/>
+            <a:ext cx="1677240" cy="384480"/>
           </a:xfrm>
           <a:prstGeom prst="ellipse">
             <a:avLst/>
@@ -15205,8 +15232,8 @@
         </p:nvCxnSpPr>
         <p:spPr>
           <a:xfrm flipH="1" flipV="1">
-            <a:off x="8992800" y="4307400"/>
-            <a:ext cx="409680" cy="457560"/>
+            <a:off x="8992440" y="4307040"/>
+            <a:ext cx="410040" cy="457560"/>
           </a:xfrm>
           <a:prstGeom prst="straightConnector1">
             <a:avLst/>
@@ -15219,6 +15246,326 @@
           </a:ln>
         </p:spPr>
       </p:cxnSp>
+      <p:sp>
+        <p:nvSpPr>
+          <p:cNvPr id="259" name="TextBox 22"/>
+          <p:cNvSpPr/>
+          <p:nvPr/>
+        </p:nvSpPr>
+        <p:spPr>
+          <a:xfrm>
+            <a:off x="5920560" y="365040"/>
+            <a:ext cx="1623240" cy="303120"/>
+          </a:xfrm>
+          <a:prstGeom prst="rect">
+            <a:avLst/>
+          </a:prstGeom>
+          <a:solidFill>
+            <a:schemeClr val="bg1"/>
+          </a:solidFill>
+          <a:ln w="0">
+            <a:solidFill>
+              <a:srgbClr val="000000"/>
+            </a:solidFill>
+          </a:ln>
+        </p:spPr>
+        <p:style>
+          <a:lnRef idx="0"/>
+          <a:fillRef idx="0"/>
+          <a:effectRef idx="0"/>
+          <a:fontRef idx="minor"/>
+        </p:style>
+        <p:txBody>
+          <a:bodyPr lIns="90000" rIns="90000" tIns="45000" bIns="45000" anchor="t">
+            <a:spAutoFit/>
+          </a:bodyPr>
+          <a:p>
+            <a:pPr algn="ctr" defTabSz="914400">
+              <a:lnSpc>
+                <a:spcPct val="100000"/>
+              </a:lnSpc>
+            </a:pPr>
+            <a:r>
+              <a:rPr b="0" lang="en-US" sz="1400" spc="-1" strike="noStrike">
+                <a:solidFill>
+                  <a:schemeClr val="dk1"/>
+                </a:solidFill>
+                <a:latin typeface="Calibri"/>
+              </a:rPr>
+              <a:t>Artefact</a:t>
+            </a:r>
+            <a:endParaRPr b="0" lang="en-US" sz="1400" spc="-1" strike="noStrike">
+              <a:solidFill>
+                <a:srgbClr val="000000"/>
+              </a:solidFill>
+              <a:latin typeface="Arial"/>
+            </a:endParaRPr>
+          </a:p>
+        </p:txBody>
+      </p:sp>
+      <p:sp>
+        <p:nvSpPr>
+          <p:cNvPr id="260" name="TextBox 29"/>
+          <p:cNvSpPr/>
+          <p:nvPr/>
+        </p:nvSpPr>
+        <p:spPr>
+          <a:xfrm>
+            <a:off x="5920560" y="626400"/>
+            <a:ext cx="1623240" cy="516600"/>
+          </a:xfrm>
+          <a:prstGeom prst="rect">
+            <a:avLst/>
+          </a:prstGeom>
+          <a:solidFill>
+            <a:schemeClr val="bg1"/>
+          </a:solidFill>
+          <a:ln w="0">
+            <a:solidFill>
+              <a:srgbClr val="000000"/>
+            </a:solidFill>
+          </a:ln>
+        </p:spPr>
+        <p:style>
+          <a:lnRef idx="0"/>
+          <a:fillRef idx="0"/>
+          <a:effectRef idx="0"/>
+          <a:fontRef idx="minor"/>
+        </p:style>
+        <p:txBody>
+          <a:bodyPr lIns="90000" rIns="90000" tIns="45000" bIns="45000" anchor="t">
+            <a:spAutoFit/>
+          </a:bodyPr>
+          <a:p>
+            <a:pPr marL="304920" indent="-304920" defTabSz="914400">
+              <a:lnSpc>
+                <a:spcPct val="100000"/>
+              </a:lnSpc>
+              <a:buClr>
+                <a:srgbClr val="000000"/>
+              </a:buClr>
+              <a:buFont typeface="OpenSymbol"/>
+              <a:buChar char="-"/>
+            </a:pPr>
+            <a:r>
+              <a:rPr b="0" lang="en-US" sz="1400" spc="-1" strike="noStrike" u="sng">
+                <a:solidFill>
+                  <a:schemeClr val="dk1"/>
+                </a:solidFill>
+                <a:uFillTx/>
+                <a:latin typeface="Calibri"/>
+              </a:rPr>
+              <a:t>ID</a:t>
+            </a:r>
+            <a:endParaRPr b="0" lang="en-US" sz="1400" spc="-1" strike="noStrike">
+              <a:solidFill>
+                <a:srgbClr val="000000"/>
+              </a:solidFill>
+              <a:latin typeface="Arial"/>
+            </a:endParaRPr>
+          </a:p>
+          <a:p>
+            <a:pPr marL="304920" indent="-304920" defTabSz="914400">
+              <a:lnSpc>
+                <a:spcPct val="100000"/>
+              </a:lnSpc>
+              <a:buClr>
+                <a:srgbClr val="000000"/>
+              </a:buClr>
+              <a:buFont typeface="OpenSymbol"/>
+              <a:buChar char="-"/>
+            </a:pPr>
+            <a:r>
+              <a:rPr b="0" lang="en-US" sz="1400" spc="-1" strike="noStrike">
+                <a:solidFill>
+                  <a:schemeClr val="dk1"/>
+                </a:solidFill>
+                <a:latin typeface="Calibri"/>
+              </a:rPr>
+              <a:t>Attri</a:t>
+            </a:r>
+            <a:r>
+              <a:rPr b="0" lang="en-US" sz="1400" spc="-1" strike="noStrike">
+                <a:solidFill>
+                  <a:schemeClr val="dk1"/>
+                </a:solidFill>
+                <a:latin typeface="Calibri"/>
+              </a:rPr>
+              <a:t>bute</a:t>
+            </a:r>
+            <a:endParaRPr b="0" lang="en-US" sz="1400" spc="-1" strike="noStrike">
+              <a:solidFill>
+                <a:srgbClr val="000000"/>
+              </a:solidFill>
+              <a:latin typeface="Arial"/>
+            </a:endParaRPr>
+          </a:p>
+        </p:txBody>
+      </p:sp>
+      <p:grpSp>
+        <p:nvGrpSpPr>
+          <p:cNvPr id="261" name="Group 5"/>
+          <p:cNvGrpSpPr/>
+          <p:nvPr/>
+        </p:nvGrpSpPr>
+        <p:grpSpPr>
+          <a:xfrm>
+            <a:off x="3863160" y="593640"/>
+            <a:ext cx="1623240" cy="777960"/>
+            <a:chOff x="3863160" y="593640"/>
+            <a:chExt cx="1623240" cy="777960"/>
+          </a:xfrm>
+        </p:grpSpPr>
+        <p:sp>
+          <p:nvSpPr>
+            <p:cNvPr id="262" name="TextBox 60"/>
+            <p:cNvSpPr/>
+            <p:nvPr/>
+          </p:nvSpPr>
+          <p:spPr>
+            <a:xfrm>
+              <a:off x="3863160" y="593640"/>
+              <a:ext cx="1623240" cy="303120"/>
+            </a:xfrm>
+            <a:prstGeom prst="rect">
+              <a:avLst/>
+            </a:prstGeom>
+            <a:solidFill>
+              <a:schemeClr val="bg1"/>
+            </a:solidFill>
+            <a:ln w="50800">
+              <a:solidFill>
+                <a:srgbClr val="000000"/>
+              </a:solidFill>
+              <a:round/>
+            </a:ln>
+          </p:spPr>
+          <p:style>
+            <a:lnRef idx="0"/>
+            <a:fillRef idx="0"/>
+            <a:effectRef idx="0"/>
+            <a:fontRef idx="minor"/>
+          </p:style>
+          <p:txBody>
+            <a:bodyPr lIns="90000" rIns="90000" tIns="45000" bIns="45000" anchor="t">
+              <a:spAutoFit/>
+            </a:bodyPr>
+            <a:p>
+              <a:pPr algn="ctr" defTabSz="914400">
+                <a:lnSpc>
+                  <a:spcPct val="100000"/>
+                </a:lnSpc>
+              </a:pPr>
+              <a:r>
+                <a:rPr b="0" lang="en-US" sz="1400" spc="-1" strike="noStrike">
+                  <a:solidFill>
+                    <a:schemeClr val="dk1"/>
+                  </a:solidFill>
+                  <a:latin typeface="Calibri"/>
+                </a:rPr>
+                <a:t>Commander</a:t>
+              </a:r>
+              <a:endParaRPr b="0" lang="en-US" sz="1400" spc="-1" strike="noStrike">
+                <a:solidFill>
+                  <a:srgbClr val="000000"/>
+                </a:solidFill>
+                <a:latin typeface="Arial"/>
+              </a:endParaRPr>
+            </a:p>
+          </p:txBody>
+        </p:sp>
+        <p:sp>
+          <p:nvSpPr>
+            <p:cNvPr id="263" name="TextBox 71"/>
+            <p:cNvSpPr/>
+            <p:nvPr/>
+          </p:nvSpPr>
+          <p:spPr>
+            <a:xfrm>
+              <a:off x="3863160" y="855000"/>
+              <a:ext cx="1623240" cy="516600"/>
+            </a:xfrm>
+            <a:prstGeom prst="rect">
+              <a:avLst/>
+            </a:prstGeom>
+            <a:solidFill>
+              <a:schemeClr val="bg1"/>
+            </a:solidFill>
+            <a:ln w="50800">
+              <a:solidFill>
+                <a:srgbClr val="000000"/>
+              </a:solidFill>
+              <a:round/>
+            </a:ln>
+          </p:spPr>
+          <p:style>
+            <a:lnRef idx="0"/>
+            <a:fillRef idx="0"/>
+            <a:effectRef idx="0"/>
+            <a:fontRef idx="minor"/>
+          </p:style>
+          <p:txBody>
+            <a:bodyPr lIns="90000" rIns="90000" tIns="45000" bIns="45000" anchor="t">
+              <a:spAutoFit/>
+            </a:bodyPr>
+            <a:p>
+              <a:pPr marL="304920" indent="-304920" defTabSz="914400">
+                <a:lnSpc>
+                  <a:spcPct val="100000"/>
+                </a:lnSpc>
+                <a:buClr>
+                  <a:srgbClr val="000000"/>
+                </a:buClr>
+                <a:buFont typeface="OpenSymbol"/>
+                <a:buChar char="-"/>
+              </a:pPr>
+              <a:r>
+                <a:rPr b="0" lang="en-US" sz="1400" spc="-1" strike="noStrike" u="dashLong">
+                  <a:solidFill>
+                    <a:schemeClr val="dk1"/>
+                  </a:solidFill>
+                  <a:uFillTx/>
+                  <a:latin typeface="Calibri"/>
+                </a:rPr>
+                <a:t>Weak Attribute</a:t>
+              </a:r>
+              <a:endParaRPr b="0" lang="en-US" sz="1400" spc="-1" strike="noStrike">
+                <a:solidFill>
+                  <a:srgbClr val="000000"/>
+                </a:solidFill>
+                <a:latin typeface="Arial"/>
+              </a:endParaRPr>
+            </a:p>
+            <a:p>
+              <a:pPr marL="304920" indent="-304920" defTabSz="914400">
+                <a:lnSpc>
+                  <a:spcPct val="100000"/>
+                </a:lnSpc>
+                <a:buClr>
+                  <a:srgbClr val="000000"/>
+                </a:buClr>
+                <a:buFont typeface="OpenSymbol"/>
+                <a:buChar char="-"/>
+              </a:pPr>
+              <a:r>
+                <a:rPr b="0" lang="en-US" sz="1400" spc="-1" strike="noStrike">
+                  <a:solidFill>
+                    <a:schemeClr val="dk1"/>
+                  </a:solidFill>
+                  <a:latin typeface="Calibri"/>
+                </a:rPr>
+                <a:t>Attribute</a:t>
+              </a:r>
+              <a:endParaRPr b="0" lang="en-US" sz="1400" spc="-1" strike="noStrike">
+                <a:solidFill>
+                  <a:srgbClr val="000000"/>
+                </a:solidFill>
+                <a:latin typeface="Arial"/>
+              </a:endParaRPr>
+            </a:p>
+          </p:txBody>
+        </p:sp>
+      </p:grpSp>
     </p:spTree>
   </p:cSld>
   <mc:AlternateContent>
@@ -15251,14 +15598,14 @@
       </p:grpSpPr>
       <p:cxnSp>
         <p:nvCxnSpPr>
-          <p:cNvPr id="259" name="Straight Arrow Connector 6"/>
+          <p:cNvPr id="264" name="Straight Arrow Connector 6"/>
           <p:cNvCxnSpPr/>
           <p:nvPr/>
         </p:nvCxnSpPr>
         <p:spPr>
           <a:xfrm flipH="1">
             <a:off x="0" y="3073320"/>
-            <a:ext cx="1831680" cy="2880"/>
+            <a:ext cx="1832040" cy="3240"/>
           </a:xfrm>
           <a:prstGeom prst="straightConnector1">
             <a:avLst/>
@@ -15274,14 +15621,14 @@
       </p:cxnSp>
       <p:cxnSp>
         <p:nvCxnSpPr>
-          <p:cNvPr id="260" name="Straight Arrow Connector 7"/>
+          <p:cNvPr id="265" name="Straight Arrow Connector 7"/>
           <p:cNvCxnSpPr/>
           <p:nvPr/>
         </p:nvCxnSpPr>
         <p:spPr>
           <a:xfrm>
             <a:off x="0" y="2489400"/>
-            <a:ext cx="1831680" cy="2880"/>
+            <a:ext cx="1832040" cy="3240"/>
           </a:xfrm>
           <a:prstGeom prst="straightConnector1">
             <a:avLst/>
@@ -15297,14 +15644,14 @@
       </p:cxnSp>
       <p:cxnSp>
         <p:nvCxnSpPr>
-          <p:cNvPr id="261" name="Straight Arrow Connector 8"/>
+          <p:cNvPr id="266" name="Straight Arrow Connector 8"/>
           <p:cNvCxnSpPr/>
           <p:nvPr/>
         </p:nvCxnSpPr>
         <p:spPr>
           <a:xfrm>
             <a:off x="0" y="2781360"/>
-            <a:ext cx="1831680" cy="2880"/>
+            <a:ext cx="1832040" cy="3240"/>
           </a:xfrm>
           <a:prstGeom prst="straightConnector1">
             <a:avLst/>
@@ -15320,14 +15667,14 @@
       </p:cxnSp>
       <p:cxnSp>
         <p:nvCxnSpPr>
-          <p:cNvPr id="262" name="Straight Arrow Connector 9"/>
+          <p:cNvPr id="267" name="Straight Arrow Connector 9"/>
           <p:cNvCxnSpPr/>
           <p:nvPr/>
         </p:nvCxnSpPr>
         <p:spPr>
           <a:xfrm flipH="1">
             <a:off x="0" y="3657600"/>
-            <a:ext cx="1831680" cy="2880"/>
+            <a:ext cx="1832040" cy="3240"/>
           </a:xfrm>
           <a:prstGeom prst="straightConnector1">
             <a:avLst/>
@@ -15342,14 +15689,14 @@
       </p:cxnSp>
       <p:sp>
         <p:nvSpPr>
-          <p:cNvPr id="263" name="Diamond 3"/>
+          <p:cNvPr id="268" name="Diamond 3"/>
           <p:cNvSpPr/>
           <p:nvPr/>
         </p:nvSpPr>
         <p:spPr>
           <a:xfrm>
             <a:off x="128520" y="6134040"/>
-            <a:ext cx="1568880" cy="384840"/>
+            <a:ext cx="1568520" cy="384480"/>
           </a:xfrm>
           <a:prstGeom prst="diamond">
             <a:avLst/>
@@ -15407,14 +15754,14 @@
       </p:sp>
       <p:sp>
         <p:nvSpPr>
-          <p:cNvPr id="264" name="Oval 2"/>
+          <p:cNvPr id="269" name="Oval 2"/>
           <p:cNvSpPr/>
           <p:nvPr/>
         </p:nvSpPr>
         <p:spPr>
           <a:xfrm>
             <a:off x="302760" y="5454000"/>
-            <a:ext cx="1220400" cy="384840"/>
+            <a:ext cx="1220040" cy="384480"/>
           </a:xfrm>
           <a:prstGeom prst="ellipse">
             <a:avLst/>
@@ -15470,28 +15817,28 @@
       </p:sp>
       <p:grpSp>
         <p:nvGrpSpPr>
-          <p:cNvPr id="265" name="Group 3"/>
+          <p:cNvPr id="270" name="Group 3"/>
           <p:cNvGrpSpPr/>
           <p:nvPr/>
         </p:nvGrpSpPr>
         <p:grpSpPr>
           <a:xfrm>
             <a:off x="101160" y="336240"/>
-            <a:ext cx="1623600" cy="777960"/>
+            <a:ext cx="1623240" cy="777960"/>
             <a:chOff x="101160" y="336240"/>
-            <a:chExt cx="1623600" cy="777960"/>
+            <a:chExt cx="1623240" cy="777960"/>
           </a:xfrm>
         </p:grpSpPr>
         <p:sp>
           <p:nvSpPr>
-            <p:cNvPr id="266" name="TextBox 5"/>
+            <p:cNvPr id="271" name="TextBox 5"/>
             <p:cNvSpPr/>
             <p:nvPr/>
           </p:nvSpPr>
           <p:spPr>
             <a:xfrm>
               <a:off x="101160" y="336240"/>
-              <a:ext cx="1623600" cy="303120"/>
+              <a:ext cx="1623240" cy="303120"/>
             </a:xfrm>
             <a:prstGeom prst="rect">
               <a:avLst/>
@@ -15541,14 +15888,14 @@
         </p:sp>
         <p:sp>
           <p:nvSpPr>
-            <p:cNvPr id="267" name="TextBox 6"/>
+            <p:cNvPr id="272" name="TextBox 6"/>
             <p:cNvSpPr/>
             <p:nvPr/>
           </p:nvSpPr>
           <p:spPr>
             <a:xfrm>
               <a:off x="101160" y="597600"/>
-              <a:ext cx="1623600" cy="516600"/>
+              <a:ext cx="1623240" cy="516600"/>
             </a:xfrm>
             <a:prstGeom prst="rect">
               <a:avLst/>
@@ -15632,14 +15979,14 @@
       </p:grpSp>
       <p:sp>
         <p:nvSpPr>
-          <p:cNvPr id="268" name="Diamond 4"/>
+          <p:cNvPr id="273" name="Diamond 4"/>
           <p:cNvSpPr/>
           <p:nvPr/>
         </p:nvSpPr>
         <p:spPr>
           <a:xfrm>
             <a:off x="128520" y="4629600"/>
-            <a:ext cx="1568880" cy="529560"/>
+            <a:ext cx="1568520" cy="529200"/>
           </a:xfrm>
           <a:prstGeom prst="diamond">
             <a:avLst/>
@@ -15720,14 +16067,14 @@
       </p:sp>
       <p:cxnSp>
         <p:nvCxnSpPr>
-          <p:cNvPr id="269" name="Straight Arrow Connector 10"/>
+          <p:cNvPr id="274" name="Straight Arrow Connector 10"/>
           <p:cNvCxnSpPr/>
           <p:nvPr/>
         </p:nvCxnSpPr>
         <p:spPr>
           <a:xfrm>
             <a:off x="0" y="3365640"/>
-            <a:ext cx="1831680" cy="2880"/>
+            <a:ext cx="1832040" cy="3240"/>
           </a:xfrm>
           <a:prstGeom prst="straightConnector1">
             <a:avLst/>
@@ -15742,14 +16089,14 @@
       </p:cxnSp>
       <p:sp>
         <p:nvSpPr>
-          <p:cNvPr id="270" name="Isosceles Triangle 2"/>
+          <p:cNvPr id="275" name="Isosceles Triangle 2"/>
           <p:cNvSpPr/>
           <p:nvPr/>
         </p:nvSpPr>
         <p:spPr>
           <a:xfrm>
             <a:off x="673200" y="3949920"/>
-            <a:ext cx="479880" cy="384840"/>
+            <a:ext cx="479520" cy="384480"/>
           </a:xfrm>
           <a:prstGeom prst="triangle">
             <a:avLst>
@@ -15809,28 +16156,28 @@
       </p:sp>
       <p:grpSp>
         <p:nvGrpSpPr>
-          <p:cNvPr id="271" name="Group 4"/>
+          <p:cNvPr id="276" name="Group 4"/>
           <p:cNvGrpSpPr/>
           <p:nvPr/>
         </p:nvGrpSpPr>
         <p:grpSpPr>
           <a:xfrm>
             <a:off x="101160" y="1413000"/>
-            <a:ext cx="1623600" cy="777960"/>
+            <a:ext cx="1623240" cy="777960"/>
             <a:chOff x="101160" y="1413000"/>
-            <a:chExt cx="1623600" cy="777960"/>
+            <a:chExt cx="1623240" cy="777960"/>
           </a:xfrm>
         </p:grpSpPr>
         <p:sp>
           <p:nvSpPr>
-            <p:cNvPr id="272" name="TextBox 7"/>
+            <p:cNvPr id="277" name="TextBox 7"/>
             <p:cNvSpPr/>
             <p:nvPr/>
           </p:nvSpPr>
           <p:spPr>
             <a:xfrm>
               <a:off x="101160" y="1413000"/>
-              <a:ext cx="1623600" cy="303120"/>
+              <a:ext cx="1623240" cy="303120"/>
             </a:xfrm>
             <a:prstGeom prst="rect">
               <a:avLst/>
@@ -15881,14 +16228,14 @@
         </p:sp>
         <p:sp>
           <p:nvSpPr>
-            <p:cNvPr id="273" name="TextBox 8"/>
+            <p:cNvPr id="278" name="TextBox 8"/>
             <p:cNvSpPr/>
             <p:nvPr/>
           </p:nvSpPr>
           <p:spPr>
             <a:xfrm>
               <a:off x="101160" y="1674360"/>
-              <a:ext cx="1623600" cy="516600"/>
+              <a:ext cx="1623240" cy="516600"/>
             </a:xfrm>
             <a:prstGeom prst="rect">
               <a:avLst/>
